--- a/Course Notes/GamPartsAndTerms.pptx
+++ b/Course Notes/GamPartsAndTerms.pptx
@@ -9,24 +9,25 @@
     <p:sldId id="275" r:id="rId3"/>
     <p:sldId id="276" r:id="rId4"/>
     <p:sldId id="278" r:id="rId5"/>
-    <p:sldId id="277" r:id="rId6"/>
-    <p:sldId id="274" r:id="rId7"/>
-    <p:sldId id="258" r:id="rId8"/>
-    <p:sldId id="259" r:id="rId9"/>
-    <p:sldId id="260" r:id="rId10"/>
-    <p:sldId id="261" r:id="rId11"/>
-    <p:sldId id="262" r:id="rId12"/>
-    <p:sldId id="263" r:id="rId13"/>
-    <p:sldId id="265" r:id="rId14"/>
-    <p:sldId id="273" r:id="rId15"/>
-    <p:sldId id="266" r:id="rId16"/>
-    <p:sldId id="264" r:id="rId17"/>
-    <p:sldId id="267" r:id="rId18"/>
-    <p:sldId id="268" r:id="rId19"/>
-    <p:sldId id="270" r:id="rId20"/>
-    <p:sldId id="271" r:id="rId21"/>
-    <p:sldId id="272" r:id="rId22"/>
-    <p:sldId id="269" r:id="rId23"/>
+    <p:sldId id="280" r:id="rId6"/>
+    <p:sldId id="277" r:id="rId7"/>
+    <p:sldId id="274" r:id="rId8"/>
+    <p:sldId id="258" r:id="rId9"/>
+    <p:sldId id="259" r:id="rId10"/>
+    <p:sldId id="260" r:id="rId11"/>
+    <p:sldId id="261" r:id="rId12"/>
+    <p:sldId id="262" r:id="rId13"/>
+    <p:sldId id="263" r:id="rId14"/>
+    <p:sldId id="265" r:id="rId15"/>
+    <p:sldId id="273" r:id="rId16"/>
+    <p:sldId id="266" r:id="rId17"/>
+    <p:sldId id="264" r:id="rId18"/>
+    <p:sldId id="267" r:id="rId19"/>
+    <p:sldId id="268" r:id="rId20"/>
+    <p:sldId id="270" r:id="rId21"/>
+    <p:sldId id="271" r:id="rId22"/>
+    <p:sldId id="272" r:id="rId23"/>
+    <p:sldId id="269" r:id="rId24"/>
   </p:sldIdLst>
   <p:sldSz cx="12192000" cy="6858000"/>
   <p:notesSz cx="6858000" cy="9144000"/>
@@ -280,7 +281,7 @@
           <a:p>
             <a:fld id="{06ADBE60-9DBF-4AEC-B933-FFCA020856EA}" type="datetimeFigureOut">
               <a:rPr lang="en-US" smtClean="0"/>
-              <a:t>2/3/2021</a:t>
+              <a:t>2/15/2021</a:t>
             </a:fld>
             <a:endParaRPr lang="en-US"/>
           </a:p>
@@ -478,7 +479,7 @@
           <a:p>
             <a:fld id="{06ADBE60-9DBF-4AEC-B933-FFCA020856EA}" type="datetimeFigureOut">
               <a:rPr lang="en-US" smtClean="0"/>
-              <a:t>2/3/2021</a:t>
+              <a:t>2/15/2021</a:t>
             </a:fld>
             <a:endParaRPr lang="en-US"/>
           </a:p>
@@ -686,7 +687,7 @@
           <a:p>
             <a:fld id="{06ADBE60-9DBF-4AEC-B933-FFCA020856EA}" type="datetimeFigureOut">
               <a:rPr lang="en-US" smtClean="0"/>
-              <a:t>2/3/2021</a:t>
+              <a:t>2/15/2021</a:t>
             </a:fld>
             <a:endParaRPr lang="en-US"/>
           </a:p>
@@ -884,7 +885,7 @@
           <a:p>
             <a:fld id="{06ADBE60-9DBF-4AEC-B933-FFCA020856EA}" type="datetimeFigureOut">
               <a:rPr lang="en-US" smtClean="0"/>
-              <a:t>2/3/2021</a:t>
+              <a:t>2/15/2021</a:t>
             </a:fld>
             <a:endParaRPr lang="en-US"/>
           </a:p>
@@ -1159,7 +1160,7 @@
           <a:p>
             <a:fld id="{06ADBE60-9DBF-4AEC-B933-FFCA020856EA}" type="datetimeFigureOut">
               <a:rPr lang="en-US" smtClean="0"/>
-              <a:t>2/3/2021</a:t>
+              <a:t>2/15/2021</a:t>
             </a:fld>
             <a:endParaRPr lang="en-US"/>
           </a:p>
@@ -1424,7 +1425,7 @@
           <a:p>
             <a:fld id="{06ADBE60-9DBF-4AEC-B933-FFCA020856EA}" type="datetimeFigureOut">
               <a:rPr lang="en-US" smtClean="0"/>
-              <a:t>2/3/2021</a:t>
+              <a:t>2/15/2021</a:t>
             </a:fld>
             <a:endParaRPr lang="en-US"/>
           </a:p>
@@ -1836,7 +1837,7 @@
           <a:p>
             <a:fld id="{06ADBE60-9DBF-4AEC-B933-FFCA020856EA}" type="datetimeFigureOut">
               <a:rPr lang="en-US" smtClean="0"/>
-              <a:t>2/3/2021</a:t>
+              <a:t>2/15/2021</a:t>
             </a:fld>
             <a:endParaRPr lang="en-US"/>
           </a:p>
@@ -1977,7 +1978,7 @@
           <a:p>
             <a:fld id="{06ADBE60-9DBF-4AEC-B933-FFCA020856EA}" type="datetimeFigureOut">
               <a:rPr lang="en-US" smtClean="0"/>
-              <a:t>2/3/2021</a:t>
+              <a:t>2/15/2021</a:t>
             </a:fld>
             <a:endParaRPr lang="en-US"/>
           </a:p>
@@ -2090,7 +2091,7 @@
           <a:p>
             <a:fld id="{06ADBE60-9DBF-4AEC-B933-FFCA020856EA}" type="datetimeFigureOut">
               <a:rPr lang="en-US" smtClean="0"/>
-              <a:t>2/3/2021</a:t>
+              <a:t>2/15/2021</a:t>
             </a:fld>
             <a:endParaRPr lang="en-US"/>
           </a:p>
@@ -2401,7 +2402,7 @@
           <a:p>
             <a:fld id="{06ADBE60-9DBF-4AEC-B933-FFCA020856EA}" type="datetimeFigureOut">
               <a:rPr lang="en-US" smtClean="0"/>
-              <a:t>2/3/2021</a:t>
+              <a:t>2/15/2021</a:t>
             </a:fld>
             <a:endParaRPr lang="en-US"/>
           </a:p>
@@ -2689,7 +2690,7 @@
           <a:p>
             <a:fld id="{06ADBE60-9DBF-4AEC-B933-FFCA020856EA}" type="datetimeFigureOut">
               <a:rPr lang="en-US" smtClean="0"/>
-              <a:t>2/3/2021</a:t>
+              <a:t>2/15/2021</a:t>
             </a:fld>
             <a:endParaRPr lang="en-US"/>
           </a:p>
@@ -2930,7 +2931,7 @@
           <a:p>
             <a:fld id="{06ADBE60-9DBF-4AEC-B933-FFCA020856EA}" type="datetimeFigureOut">
               <a:rPr lang="en-US" smtClean="0"/>
-              <a:t>2/3/2021</a:t>
+              <a:t>2/15/2021</a:t>
             </a:fld>
             <a:endParaRPr lang="en-US"/>
           </a:p>
@@ -3601,6 +3602,1243 @@
           <a:chExt cx="0" cy="0"/>
         </a:xfrm>
       </p:grpSpPr>
+      <p:cxnSp>
+        <p:nvCxnSpPr>
+          <p:cNvPr id="5" name="Straight Connector 4">
+            <a:extLst>
+              <a:ext uri="{FF2B5EF4-FFF2-40B4-BE49-F238E27FC236}">
+                <a16:creationId xmlns:a16="http://schemas.microsoft.com/office/drawing/2014/main" id="{137595DA-6D53-45A0-9254-830836053E7D}"/>
+              </a:ext>
+            </a:extLst>
+          </p:cNvPr>
+          <p:cNvCxnSpPr>
+            <a:cxnSpLocks/>
+          </p:cNvCxnSpPr>
+          <p:nvPr/>
+        </p:nvCxnSpPr>
+        <p:spPr>
+          <a:xfrm flipV="1">
+            <a:off x="990385" y="1442556"/>
+            <a:ext cx="2398330" cy="19052"/>
+          </a:xfrm>
+          <a:prstGeom prst="line">
+            <a:avLst/>
+          </a:prstGeom>
+          <a:ln cap="rnd"/>
+        </p:spPr>
+        <p:style>
+          <a:lnRef idx="3">
+            <a:schemeClr val="accent6"/>
+          </a:lnRef>
+          <a:fillRef idx="0">
+            <a:schemeClr val="accent6"/>
+          </a:fillRef>
+          <a:effectRef idx="2">
+            <a:schemeClr val="accent6"/>
+          </a:effectRef>
+          <a:fontRef idx="minor">
+            <a:schemeClr val="tx1"/>
+          </a:fontRef>
+        </p:style>
+      </p:cxnSp>
+      <p:sp>
+        <p:nvSpPr>
+          <p:cNvPr id="11" name="Oval 10">
+            <a:extLst>
+              <a:ext uri="{FF2B5EF4-FFF2-40B4-BE49-F238E27FC236}">
+                <a16:creationId xmlns:a16="http://schemas.microsoft.com/office/drawing/2014/main" id="{B8162159-F990-4B83-B1ED-B71983DC26AC}"/>
+              </a:ext>
+            </a:extLst>
+          </p:cNvPr>
+          <p:cNvSpPr/>
+          <p:nvPr/>
+        </p:nvSpPr>
+        <p:spPr>
+          <a:xfrm>
+            <a:off x="3382055" y="1385407"/>
+            <a:ext cx="133350" cy="133350"/>
+          </a:xfrm>
+          <a:prstGeom prst="ellipse">
+            <a:avLst/>
+          </a:prstGeom>
+        </p:spPr>
+        <p:style>
+          <a:lnRef idx="2">
+            <a:schemeClr val="accent6"/>
+          </a:lnRef>
+          <a:fillRef idx="1">
+            <a:schemeClr val="lt1"/>
+          </a:fillRef>
+          <a:effectRef idx="0">
+            <a:schemeClr val="accent6"/>
+          </a:effectRef>
+          <a:fontRef idx="minor">
+            <a:schemeClr val="dk1"/>
+          </a:fontRef>
+        </p:style>
+        <p:txBody>
+          <a:bodyPr rtlCol="0" anchor="ctr"/>
+          <a:lstStyle/>
+          <a:p>
+            <a:pPr algn="ctr"/>
+            <a:endParaRPr lang="en-US"/>
+          </a:p>
+        </p:txBody>
+      </p:sp>
+      <p:sp>
+        <p:nvSpPr>
+          <p:cNvPr id="12" name="TextBox 11">
+            <a:extLst>
+              <a:ext uri="{FF2B5EF4-FFF2-40B4-BE49-F238E27FC236}">
+                <a16:creationId xmlns:a16="http://schemas.microsoft.com/office/drawing/2014/main" id="{2F21B15B-18F0-404B-A4D9-CF02D6672999}"/>
+              </a:ext>
+            </a:extLst>
+          </p:cNvPr>
+          <p:cNvSpPr txBox="1"/>
+          <p:nvPr/>
+        </p:nvSpPr>
+        <p:spPr>
+          <a:xfrm>
+            <a:off x="904661" y="1073224"/>
+            <a:ext cx="795282" cy="369332"/>
+          </a:xfrm>
+          <a:prstGeom prst="rect">
+            <a:avLst/>
+          </a:prstGeom>
+          <a:noFill/>
+        </p:spPr>
+        <p:txBody>
+          <a:bodyPr wrap="none" rtlCol="0">
+            <a:spAutoFit/>
+          </a:bodyPr>
+          <a:lstStyle/>
+          <a:p>
+            <a:r>
+              <a:rPr lang="en-US" dirty="0">
+                <a:solidFill>
+                  <a:schemeClr val="accent6">
+                    <a:lumMod val="75000"/>
+                  </a:schemeClr>
+                </a:solidFill>
+              </a:rPr>
+              <a:t>Events</a:t>
+            </a:r>
+          </a:p>
+        </p:txBody>
+      </p:sp>
+      <p:sp>
+        <p:nvSpPr>
+          <p:cNvPr id="38" name="TextBox 37">
+            <a:extLst>
+              <a:ext uri="{FF2B5EF4-FFF2-40B4-BE49-F238E27FC236}">
+                <a16:creationId xmlns:a16="http://schemas.microsoft.com/office/drawing/2014/main" id="{91D2CAB9-EF2E-4B5B-B20A-806B6DD60F42}"/>
+              </a:ext>
+            </a:extLst>
+          </p:cNvPr>
+          <p:cNvSpPr txBox="1"/>
+          <p:nvPr/>
+        </p:nvSpPr>
+        <p:spPr>
+          <a:xfrm>
+            <a:off x="0" y="250222"/>
+            <a:ext cx="12192000" cy="523220"/>
+          </a:xfrm>
+          <a:prstGeom prst="rect">
+            <a:avLst/>
+          </a:prstGeom>
+          <a:noFill/>
+        </p:spPr>
+        <p:txBody>
+          <a:bodyPr wrap="square" rtlCol="0">
+            <a:spAutoFit/>
+          </a:bodyPr>
+          <a:lstStyle/>
+          <a:p>
+            <a:pPr algn="ctr"/>
+            <a:r>
+              <a:rPr lang="en-US" sz="2800" dirty="0">
+                <a:solidFill>
+                  <a:schemeClr val="accent6">
+                    <a:lumMod val="75000"/>
+                  </a:schemeClr>
+                </a:solidFill>
+              </a:rPr>
+              <a:t>Events vs. Polling</a:t>
+            </a:r>
+          </a:p>
+        </p:txBody>
+      </p:sp>
+      <p:grpSp>
+        <p:nvGrpSpPr>
+          <p:cNvPr id="49" name="Group 48">
+            <a:extLst>
+              <a:ext uri="{FF2B5EF4-FFF2-40B4-BE49-F238E27FC236}">
+                <a16:creationId xmlns:a16="http://schemas.microsoft.com/office/drawing/2014/main" id="{B8CE06AF-2806-4107-95D9-AAC286CC343B}"/>
+              </a:ext>
+            </a:extLst>
+          </p:cNvPr>
+          <p:cNvGrpSpPr/>
+          <p:nvPr/>
+        </p:nvGrpSpPr>
+        <p:grpSpPr>
+          <a:xfrm>
+            <a:off x="3766877" y="629685"/>
+            <a:ext cx="4498072" cy="297874"/>
+            <a:chOff x="3971469" y="624781"/>
+            <a:chExt cx="4498072" cy="297874"/>
+          </a:xfrm>
+        </p:grpSpPr>
+        <p:cxnSp>
+          <p:nvCxnSpPr>
+            <p:cNvPr id="40" name="Straight Connector 39">
+              <a:extLst>
+                <a:ext uri="{FF2B5EF4-FFF2-40B4-BE49-F238E27FC236}">
+                  <a16:creationId xmlns:a16="http://schemas.microsoft.com/office/drawing/2014/main" id="{D6E0AC31-61D0-4CE2-AA3B-3C6978E8704A}"/>
+                </a:ext>
+              </a:extLst>
+            </p:cNvPr>
+            <p:cNvCxnSpPr/>
+            <p:nvPr/>
+          </p:nvCxnSpPr>
+          <p:spPr>
+            <a:xfrm>
+              <a:off x="5170031" y="773442"/>
+              <a:ext cx="2057400" cy="0"/>
+            </a:xfrm>
+            <a:prstGeom prst="line">
+              <a:avLst/>
+            </a:prstGeom>
+            <a:ln cap="rnd"/>
+          </p:spPr>
+          <p:style>
+            <a:lnRef idx="3">
+              <a:schemeClr val="accent6"/>
+            </a:lnRef>
+            <a:fillRef idx="0">
+              <a:schemeClr val="accent6"/>
+            </a:fillRef>
+            <a:effectRef idx="2">
+              <a:schemeClr val="accent6"/>
+            </a:effectRef>
+            <a:fontRef idx="minor">
+              <a:schemeClr val="tx1"/>
+            </a:fontRef>
+          </p:style>
+        </p:cxnSp>
+        <p:cxnSp>
+          <p:nvCxnSpPr>
+            <p:cNvPr id="41" name="Straight Connector 40">
+              <a:extLst>
+                <a:ext uri="{FF2B5EF4-FFF2-40B4-BE49-F238E27FC236}">
+                  <a16:creationId xmlns:a16="http://schemas.microsoft.com/office/drawing/2014/main" id="{B388F3BF-FB37-4435-8519-443F06647178}"/>
+                </a:ext>
+              </a:extLst>
+            </p:cNvPr>
+            <p:cNvCxnSpPr>
+              <a:cxnSpLocks/>
+            </p:cNvCxnSpPr>
+            <p:nvPr/>
+          </p:nvCxnSpPr>
+          <p:spPr>
+            <a:xfrm>
+              <a:off x="7349270" y="697242"/>
+              <a:ext cx="1027511" cy="0"/>
+            </a:xfrm>
+            <a:prstGeom prst="line">
+              <a:avLst/>
+            </a:prstGeom>
+            <a:ln cap="rnd"/>
+          </p:spPr>
+          <p:style>
+            <a:lnRef idx="3">
+              <a:schemeClr val="accent6"/>
+            </a:lnRef>
+            <a:fillRef idx="0">
+              <a:schemeClr val="accent6"/>
+            </a:fillRef>
+            <a:effectRef idx="2">
+              <a:schemeClr val="accent6"/>
+            </a:effectRef>
+            <a:fontRef idx="minor">
+              <a:schemeClr val="tx1"/>
+            </a:fontRef>
+          </p:style>
+        </p:cxnSp>
+        <p:cxnSp>
+          <p:nvCxnSpPr>
+            <p:cNvPr id="43" name="Straight Connector 42">
+              <a:extLst>
+                <a:ext uri="{FF2B5EF4-FFF2-40B4-BE49-F238E27FC236}">
+                  <a16:creationId xmlns:a16="http://schemas.microsoft.com/office/drawing/2014/main" id="{EC5F7052-9710-4CD3-8A81-EEE0E9A7244C}"/>
+                </a:ext>
+              </a:extLst>
+            </p:cNvPr>
+            <p:cNvCxnSpPr>
+              <a:cxnSpLocks/>
+            </p:cNvCxnSpPr>
+            <p:nvPr/>
+          </p:nvCxnSpPr>
+          <p:spPr>
+            <a:xfrm flipV="1">
+              <a:off x="7227431" y="697242"/>
+              <a:ext cx="121839" cy="76200"/>
+            </a:xfrm>
+            <a:prstGeom prst="line">
+              <a:avLst/>
+            </a:prstGeom>
+            <a:ln cap="rnd"/>
+          </p:spPr>
+          <p:style>
+            <a:lnRef idx="3">
+              <a:schemeClr val="accent6"/>
+            </a:lnRef>
+            <a:fillRef idx="0">
+              <a:schemeClr val="accent6"/>
+            </a:fillRef>
+            <a:effectRef idx="2">
+              <a:schemeClr val="accent6"/>
+            </a:effectRef>
+            <a:fontRef idx="minor">
+              <a:schemeClr val="tx1"/>
+            </a:fontRef>
+          </p:style>
+        </p:cxnSp>
+        <p:cxnSp>
+          <p:nvCxnSpPr>
+            <p:cNvPr id="46" name="Straight Connector 45">
+              <a:extLst>
+                <a:ext uri="{FF2B5EF4-FFF2-40B4-BE49-F238E27FC236}">
+                  <a16:creationId xmlns:a16="http://schemas.microsoft.com/office/drawing/2014/main" id="{C86B609C-3E9D-4EA1-9D7B-7AD108C8C57B}"/>
+                </a:ext>
+              </a:extLst>
+            </p:cNvPr>
+            <p:cNvCxnSpPr>
+              <a:cxnSpLocks/>
+            </p:cNvCxnSpPr>
+            <p:nvPr/>
+          </p:nvCxnSpPr>
+          <p:spPr>
+            <a:xfrm flipV="1">
+              <a:off x="5048192" y="773442"/>
+              <a:ext cx="121839" cy="76200"/>
+            </a:xfrm>
+            <a:prstGeom prst="line">
+              <a:avLst/>
+            </a:prstGeom>
+            <a:ln cap="rnd"/>
+          </p:spPr>
+          <p:style>
+            <a:lnRef idx="3">
+              <a:schemeClr val="accent6"/>
+            </a:lnRef>
+            <a:fillRef idx="0">
+              <a:schemeClr val="accent6"/>
+            </a:fillRef>
+            <a:effectRef idx="2">
+              <a:schemeClr val="accent6"/>
+            </a:effectRef>
+            <a:fontRef idx="minor">
+              <a:schemeClr val="tx1"/>
+            </a:fontRef>
+          </p:style>
+        </p:cxnSp>
+        <p:cxnSp>
+          <p:nvCxnSpPr>
+            <p:cNvPr id="47" name="Straight Connector 46">
+              <a:extLst>
+                <a:ext uri="{FF2B5EF4-FFF2-40B4-BE49-F238E27FC236}">
+                  <a16:creationId xmlns:a16="http://schemas.microsoft.com/office/drawing/2014/main" id="{0D690C07-0109-4CEC-B0CC-434EED608911}"/>
+                </a:ext>
+              </a:extLst>
+            </p:cNvPr>
+            <p:cNvCxnSpPr>
+              <a:cxnSpLocks/>
+            </p:cNvCxnSpPr>
+            <p:nvPr/>
+          </p:nvCxnSpPr>
+          <p:spPr>
+            <a:xfrm flipV="1">
+              <a:off x="4021655" y="849642"/>
+              <a:ext cx="1026537" cy="11668"/>
+            </a:xfrm>
+            <a:prstGeom prst="line">
+              <a:avLst/>
+            </a:prstGeom>
+            <a:ln cap="rnd"/>
+          </p:spPr>
+          <p:style>
+            <a:lnRef idx="3">
+              <a:schemeClr val="accent6"/>
+            </a:lnRef>
+            <a:fillRef idx="0">
+              <a:schemeClr val="accent6"/>
+            </a:fillRef>
+            <a:effectRef idx="2">
+              <a:schemeClr val="accent6"/>
+            </a:effectRef>
+            <a:fontRef idx="minor">
+              <a:schemeClr val="tx1"/>
+            </a:fontRef>
+          </p:style>
+        </p:cxnSp>
+        <p:sp>
+          <p:nvSpPr>
+            <p:cNvPr id="50" name="Oval 49">
+              <a:extLst>
+                <a:ext uri="{FF2B5EF4-FFF2-40B4-BE49-F238E27FC236}">
+                  <a16:creationId xmlns:a16="http://schemas.microsoft.com/office/drawing/2014/main" id="{EEA3A56A-D77B-4804-9467-3C2325189A39}"/>
+                </a:ext>
+              </a:extLst>
+            </p:cNvPr>
+            <p:cNvSpPr/>
+            <p:nvPr/>
+          </p:nvSpPr>
+          <p:spPr>
+            <a:xfrm>
+              <a:off x="3971469" y="789305"/>
+              <a:ext cx="133350" cy="133350"/>
+            </a:xfrm>
+            <a:prstGeom prst="ellipse">
+              <a:avLst/>
+            </a:prstGeom>
+          </p:spPr>
+          <p:style>
+            <a:lnRef idx="2">
+              <a:schemeClr val="accent6"/>
+            </a:lnRef>
+            <a:fillRef idx="1">
+              <a:schemeClr val="lt1"/>
+            </a:fillRef>
+            <a:effectRef idx="0">
+              <a:schemeClr val="accent6"/>
+            </a:effectRef>
+            <a:fontRef idx="minor">
+              <a:schemeClr val="dk1"/>
+            </a:fontRef>
+          </p:style>
+          <p:txBody>
+            <a:bodyPr rtlCol="0" anchor="ctr"/>
+            <a:lstStyle/>
+            <a:p>
+              <a:pPr algn="ctr"/>
+              <a:endParaRPr lang="en-US" i="1" dirty="0"/>
+            </a:p>
+          </p:txBody>
+        </p:sp>
+        <p:sp>
+          <p:nvSpPr>
+            <p:cNvPr id="51" name="Oval 50">
+              <a:extLst>
+                <a:ext uri="{FF2B5EF4-FFF2-40B4-BE49-F238E27FC236}">
+                  <a16:creationId xmlns:a16="http://schemas.microsoft.com/office/drawing/2014/main" id="{488A40C9-3C11-477D-B0FB-19648893F367}"/>
+                </a:ext>
+              </a:extLst>
+            </p:cNvPr>
+            <p:cNvSpPr/>
+            <p:nvPr/>
+          </p:nvSpPr>
+          <p:spPr>
+            <a:xfrm>
+              <a:off x="8336191" y="624781"/>
+              <a:ext cx="133350" cy="133350"/>
+            </a:xfrm>
+            <a:prstGeom prst="ellipse">
+              <a:avLst/>
+            </a:prstGeom>
+          </p:spPr>
+          <p:style>
+            <a:lnRef idx="2">
+              <a:schemeClr val="accent6"/>
+            </a:lnRef>
+            <a:fillRef idx="1">
+              <a:schemeClr val="lt1"/>
+            </a:fillRef>
+            <a:effectRef idx="0">
+              <a:schemeClr val="accent6"/>
+            </a:effectRef>
+            <a:fontRef idx="minor">
+              <a:schemeClr val="dk1"/>
+            </a:fontRef>
+          </p:style>
+          <p:txBody>
+            <a:bodyPr rtlCol="0" anchor="ctr"/>
+            <a:lstStyle/>
+            <a:p>
+              <a:pPr algn="ctr"/>
+              <a:endParaRPr lang="en-US" i="1" dirty="0"/>
+            </a:p>
+          </p:txBody>
+        </p:sp>
+      </p:grpSp>
+      <p:grpSp>
+        <p:nvGrpSpPr>
+          <p:cNvPr id="68" name="Group 67">
+            <a:extLst>
+              <a:ext uri="{FF2B5EF4-FFF2-40B4-BE49-F238E27FC236}">
+                <a16:creationId xmlns:a16="http://schemas.microsoft.com/office/drawing/2014/main" id="{4C38A914-7C5E-45DB-97BE-E79CA2ECD5F8}"/>
+              </a:ext>
+            </a:extLst>
+          </p:cNvPr>
+          <p:cNvGrpSpPr/>
+          <p:nvPr/>
+        </p:nvGrpSpPr>
+        <p:grpSpPr>
+          <a:xfrm>
+            <a:off x="8044436" y="1039715"/>
+            <a:ext cx="2842861" cy="436350"/>
+            <a:chOff x="7886238" y="1326460"/>
+            <a:chExt cx="2842861" cy="436350"/>
+          </a:xfrm>
+        </p:grpSpPr>
+        <p:cxnSp>
+          <p:nvCxnSpPr>
+            <p:cNvPr id="82" name="Straight Connector 81">
+              <a:extLst>
+                <a:ext uri="{FF2B5EF4-FFF2-40B4-BE49-F238E27FC236}">
+                  <a16:creationId xmlns:a16="http://schemas.microsoft.com/office/drawing/2014/main" id="{B6731E9E-AA0A-4051-B5CF-CCBE60A4E81A}"/>
+                </a:ext>
+              </a:extLst>
+            </p:cNvPr>
+            <p:cNvCxnSpPr>
+              <a:cxnSpLocks/>
+            </p:cNvCxnSpPr>
+            <p:nvPr/>
+          </p:nvCxnSpPr>
+          <p:spPr>
+            <a:xfrm>
+              <a:off x="7995775" y="1695792"/>
+              <a:ext cx="2604577" cy="0"/>
+            </a:xfrm>
+            <a:prstGeom prst="line">
+              <a:avLst/>
+            </a:prstGeom>
+            <a:ln cap="rnd"/>
+          </p:spPr>
+          <p:style>
+            <a:lnRef idx="3">
+              <a:schemeClr val="accent6"/>
+            </a:lnRef>
+            <a:fillRef idx="0">
+              <a:schemeClr val="accent6"/>
+            </a:fillRef>
+            <a:effectRef idx="2">
+              <a:schemeClr val="accent6"/>
+            </a:effectRef>
+            <a:fontRef idx="minor">
+              <a:schemeClr val="tx1"/>
+            </a:fontRef>
+          </p:style>
+        </p:cxnSp>
+        <p:sp>
+          <p:nvSpPr>
+            <p:cNvPr id="83" name="Oval 82">
+              <a:extLst>
+                <a:ext uri="{FF2B5EF4-FFF2-40B4-BE49-F238E27FC236}">
+                  <a16:creationId xmlns:a16="http://schemas.microsoft.com/office/drawing/2014/main" id="{FA465960-DB0D-46CD-8325-5B378A260064}"/>
+                </a:ext>
+              </a:extLst>
+            </p:cNvPr>
+            <p:cNvSpPr/>
+            <p:nvPr/>
+          </p:nvSpPr>
+          <p:spPr>
+            <a:xfrm>
+              <a:off x="7886238" y="1629460"/>
+              <a:ext cx="133350" cy="133350"/>
+            </a:xfrm>
+            <a:prstGeom prst="ellipse">
+              <a:avLst/>
+            </a:prstGeom>
+          </p:spPr>
+          <p:style>
+            <a:lnRef idx="2">
+              <a:schemeClr val="accent6"/>
+            </a:lnRef>
+            <a:fillRef idx="1">
+              <a:schemeClr val="lt1"/>
+            </a:fillRef>
+            <a:effectRef idx="0">
+              <a:schemeClr val="accent6"/>
+            </a:effectRef>
+            <a:fontRef idx="minor">
+              <a:schemeClr val="dk1"/>
+            </a:fontRef>
+          </p:style>
+          <p:txBody>
+            <a:bodyPr rtlCol="0" anchor="ctr"/>
+            <a:lstStyle/>
+            <a:p>
+              <a:pPr algn="ctr"/>
+              <a:endParaRPr lang="en-US"/>
+            </a:p>
+          </p:txBody>
+        </p:sp>
+        <p:sp>
+          <p:nvSpPr>
+            <p:cNvPr id="84" name="TextBox 83">
+              <a:extLst>
+                <a:ext uri="{FF2B5EF4-FFF2-40B4-BE49-F238E27FC236}">
+                  <a16:creationId xmlns:a16="http://schemas.microsoft.com/office/drawing/2014/main" id="{B9C48476-7589-496A-86FB-05340FA07230}"/>
+                </a:ext>
+              </a:extLst>
+            </p:cNvPr>
+            <p:cNvSpPr txBox="1"/>
+            <p:nvPr/>
+          </p:nvSpPr>
+          <p:spPr>
+            <a:xfrm>
+              <a:off x="7910051" y="1326460"/>
+              <a:ext cx="2819048" cy="369332"/>
+            </a:xfrm>
+            <a:prstGeom prst="rect">
+              <a:avLst/>
+            </a:prstGeom>
+            <a:noFill/>
+          </p:spPr>
+          <p:txBody>
+            <a:bodyPr wrap="square" rtlCol="0">
+              <a:spAutoFit/>
+            </a:bodyPr>
+            <a:lstStyle/>
+            <a:p>
+              <a:pPr algn="r"/>
+              <a:r>
+                <a:rPr lang="en-US" dirty="0">
+                  <a:solidFill>
+                    <a:schemeClr val="accent6">
+                      <a:lumMod val="75000"/>
+                    </a:schemeClr>
+                  </a:solidFill>
+                </a:rPr>
+                <a:t>Polling</a:t>
+              </a:r>
+            </a:p>
+          </p:txBody>
+        </p:sp>
+      </p:grpSp>
+      <p:sp>
+        <p:nvSpPr>
+          <p:cNvPr id="56" name="TextBox 55">
+            <a:extLst>
+              <a:ext uri="{FF2B5EF4-FFF2-40B4-BE49-F238E27FC236}">
+                <a16:creationId xmlns:a16="http://schemas.microsoft.com/office/drawing/2014/main" id="{DC9E2662-5E83-424E-A577-4BDD9D1941B9}"/>
+              </a:ext>
+            </a:extLst>
+          </p:cNvPr>
+          <p:cNvSpPr txBox="1"/>
+          <p:nvPr/>
+        </p:nvSpPr>
+        <p:spPr>
+          <a:xfrm>
+            <a:off x="902235" y="1571045"/>
+            <a:ext cx="2799677" cy="923330"/>
+          </a:xfrm>
+          <a:prstGeom prst="rect">
+            <a:avLst/>
+          </a:prstGeom>
+          <a:noFill/>
+        </p:spPr>
+        <p:txBody>
+          <a:bodyPr wrap="none" rtlCol="0">
+            <a:spAutoFit/>
+          </a:bodyPr>
+          <a:lstStyle/>
+          <a:p>
+            <a:r>
+              <a:rPr lang="en-US" dirty="0"/>
+              <a:t>Best for discrete input</a:t>
+            </a:r>
+          </a:p>
+          <a:p>
+            <a:r>
+              <a:rPr lang="en-US" dirty="0"/>
+              <a:t>Called outside of game loop</a:t>
+            </a:r>
+          </a:p>
+          <a:p>
+            <a:r>
+              <a:rPr lang="en-US" dirty="0"/>
+              <a:t>Called by event system</a:t>
+            </a:r>
+          </a:p>
+        </p:txBody>
+      </p:sp>
+      <p:sp>
+        <p:nvSpPr>
+          <p:cNvPr id="48" name="TextBox 47">
+            <a:extLst>
+              <a:ext uri="{FF2B5EF4-FFF2-40B4-BE49-F238E27FC236}">
+                <a16:creationId xmlns:a16="http://schemas.microsoft.com/office/drawing/2014/main" id="{326B75DB-F559-4133-B94B-1883447448C2}"/>
+              </a:ext>
+            </a:extLst>
+          </p:cNvPr>
+          <p:cNvSpPr txBox="1"/>
+          <p:nvPr/>
+        </p:nvSpPr>
+        <p:spPr>
+          <a:xfrm>
+            <a:off x="8233494" y="1571045"/>
+            <a:ext cx="2653803" cy="923330"/>
+          </a:xfrm>
+          <a:prstGeom prst="rect">
+            <a:avLst/>
+          </a:prstGeom>
+          <a:noFill/>
+        </p:spPr>
+        <p:txBody>
+          <a:bodyPr wrap="none" rtlCol="0">
+            <a:spAutoFit/>
+          </a:bodyPr>
+          <a:lstStyle/>
+          <a:p>
+            <a:pPr algn="r"/>
+            <a:r>
+              <a:rPr lang="en-US" dirty="0"/>
+              <a:t>Best for continuous input</a:t>
+            </a:r>
+          </a:p>
+          <a:p>
+            <a:pPr algn="r"/>
+            <a:r>
+              <a:rPr lang="en-US" dirty="0"/>
+              <a:t>Called inside of game loop</a:t>
+            </a:r>
+          </a:p>
+          <a:p>
+            <a:pPr algn="r"/>
+            <a:r>
+              <a:rPr lang="en-US" dirty="0"/>
+              <a:t>Called by user code</a:t>
+            </a:r>
+          </a:p>
+        </p:txBody>
+      </p:sp>
+      <p:pic>
+        <p:nvPicPr>
+          <p:cNvPr id="52" name="Picture 2" descr="https://i5.walmartimages.com/asr/cc1e8142-7c0c-46c6-a2b2-df30d85d199a_1.5abf59f0479abdfb3bcb3c9faab2269e.jpeg?odnWidth=undefined&amp;odnHeight=undefined&amp;odnBg=ffffff">
+            <a:extLst>
+              <a:ext uri="{FF2B5EF4-FFF2-40B4-BE49-F238E27FC236}">
+                <a16:creationId xmlns:a16="http://schemas.microsoft.com/office/drawing/2014/main" id="{58C0C9E5-478C-4963-A9C3-1CDBBDE5A6DF}"/>
+              </a:ext>
+            </a:extLst>
+          </p:cNvPr>
+          <p:cNvPicPr>
+            <a:picLocks noChangeAspect="1" noChangeArrowheads="1"/>
+          </p:cNvPicPr>
+          <p:nvPr/>
+        </p:nvPicPr>
+        <p:blipFill>
+          <a:blip r:embed="rId2">
+            <a:extLst>
+              <a:ext uri="{28A0092B-C50C-407E-A947-70E740481C1C}">
+                <a14:useLocalDpi xmlns:a14="http://schemas.microsoft.com/office/drawing/2010/main" val="0"/>
+              </a:ext>
+            </a:extLst>
+          </a:blip>
+          <a:srcRect/>
+          <a:stretch>
+            <a:fillRect/>
+          </a:stretch>
+        </p:blipFill>
+        <p:spPr bwMode="auto">
+          <a:xfrm>
+            <a:off x="990385" y="2782641"/>
+            <a:ext cx="1071258" cy="1018673"/>
+          </a:xfrm>
+          <a:prstGeom prst="rect">
+            <a:avLst/>
+          </a:prstGeom>
+          <a:noFill/>
+          <a:extLst>
+            <a:ext uri="{909E8E84-426E-40DD-AFC4-6F175D3DCCD1}">
+              <a14:hiddenFill xmlns:a14="http://schemas.microsoft.com/office/drawing/2010/main">
+                <a:solidFill>
+                  <a:srgbClr val="FFFFFF"/>
+                </a:solidFill>
+              </a14:hiddenFill>
+            </a:ext>
+          </a:extLst>
+        </p:spPr>
+      </p:pic>
+      <p:sp>
+        <p:nvSpPr>
+          <p:cNvPr id="2" name="Rectangle: Rounded Corners 1">
+            <a:extLst>
+              <a:ext uri="{FF2B5EF4-FFF2-40B4-BE49-F238E27FC236}">
+                <a16:creationId xmlns:a16="http://schemas.microsoft.com/office/drawing/2014/main" id="{C39F9168-D38F-41E4-80D3-5A12DF0DC50E}"/>
+              </a:ext>
+            </a:extLst>
+          </p:cNvPr>
+          <p:cNvSpPr/>
+          <p:nvPr/>
+        </p:nvSpPr>
+        <p:spPr>
+          <a:xfrm>
+            <a:off x="2449895" y="2830311"/>
+            <a:ext cx="1086642" cy="923330"/>
+          </a:xfrm>
+          <a:prstGeom prst="roundRect">
+            <a:avLst/>
+          </a:prstGeom>
+        </p:spPr>
+        <p:style>
+          <a:lnRef idx="2">
+            <a:schemeClr val="accent6"/>
+          </a:lnRef>
+          <a:fillRef idx="1">
+            <a:schemeClr val="lt1"/>
+          </a:fillRef>
+          <a:effectRef idx="0">
+            <a:schemeClr val="accent6"/>
+          </a:effectRef>
+          <a:fontRef idx="minor">
+            <a:schemeClr val="dk1"/>
+          </a:fontRef>
+        </p:style>
+        <p:txBody>
+          <a:bodyPr rtlCol="0" anchor="ctr"/>
+          <a:lstStyle/>
+          <a:p>
+            <a:pPr algn="ctr"/>
+            <a:r>
+              <a:rPr lang="en-US" dirty="0"/>
+              <a:t>Game Engine</a:t>
+            </a:r>
+          </a:p>
+        </p:txBody>
+      </p:sp>
+      <p:sp>
+        <p:nvSpPr>
+          <p:cNvPr id="53" name="Rectangle: Rounded Corners 52">
+            <a:extLst>
+              <a:ext uri="{FF2B5EF4-FFF2-40B4-BE49-F238E27FC236}">
+                <a16:creationId xmlns:a16="http://schemas.microsoft.com/office/drawing/2014/main" id="{AC03B9F4-3A1D-48A7-B34B-81599FDF0C2D}"/>
+              </a:ext>
+            </a:extLst>
+          </p:cNvPr>
+          <p:cNvSpPr/>
+          <p:nvPr/>
+        </p:nvSpPr>
+        <p:spPr>
+          <a:xfrm>
+            <a:off x="2449895" y="4151882"/>
+            <a:ext cx="1086642" cy="923330"/>
+          </a:xfrm>
+          <a:prstGeom prst="roundRect">
+            <a:avLst/>
+          </a:prstGeom>
+        </p:spPr>
+        <p:style>
+          <a:lnRef idx="2">
+            <a:schemeClr val="accent6"/>
+          </a:lnRef>
+          <a:fillRef idx="1">
+            <a:schemeClr val="lt1"/>
+          </a:fillRef>
+          <a:effectRef idx="0">
+            <a:schemeClr val="accent6"/>
+          </a:effectRef>
+          <a:fontRef idx="minor">
+            <a:schemeClr val="dk1"/>
+          </a:fontRef>
+        </p:style>
+        <p:txBody>
+          <a:bodyPr rtlCol="0" anchor="ctr"/>
+          <a:lstStyle/>
+          <a:p>
+            <a:pPr algn="ctr"/>
+            <a:r>
+              <a:rPr lang="en-US" dirty="0"/>
+              <a:t>Event Listener</a:t>
+            </a:r>
+          </a:p>
+        </p:txBody>
+      </p:sp>
+      <p:cxnSp>
+        <p:nvCxnSpPr>
+          <p:cNvPr id="6" name="Straight Arrow Connector 5">
+            <a:extLst>
+              <a:ext uri="{FF2B5EF4-FFF2-40B4-BE49-F238E27FC236}">
+                <a16:creationId xmlns:a16="http://schemas.microsoft.com/office/drawing/2014/main" id="{C7606CB8-83CB-43BF-9ECC-EB8C532E8C39}"/>
+              </a:ext>
+            </a:extLst>
+          </p:cNvPr>
+          <p:cNvCxnSpPr>
+            <a:cxnSpLocks/>
+            <a:stCxn id="52" idx="3"/>
+            <a:endCxn id="2" idx="1"/>
+          </p:cNvCxnSpPr>
+          <p:nvPr/>
+        </p:nvCxnSpPr>
+        <p:spPr>
+          <a:xfrm flipV="1">
+            <a:off x="2061643" y="3291976"/>
+            <a:ext cx="388252" cy="2"/>
+          </a:xfrm>
+          <a:prstGeom prst="straightConnector1">
+            <a:avLst/>
+          </a:prstGeom>
+          <a:ln>
+            <a:tailEnd type="triangle"/>
+          </a:ln>
+        </p:spPr>
+        <p:style>
+          <a:lnRef idx="3">
+            <a:schemeClr val="accent6"/>
+          </a:lnRef>
+          <a:fillRef idx="0">
+            <a:schemeClr val="accent6"/>
+          </a:fillRef>
+          <a:effectRef idx="2">
+            <a:schemeClr val="accent6"/>
+          </a:effectRef>
+          <a:fontRef idx="minor">
+            <a:schemeClr val="tx1"/>
+          </a:fontRef>
+        </p:style>
+      </p:cxnSp>
+      <p:cxnSp>
+        <p:nvCxnSpPr>
+          <p:cNvPr id="54" name="Straight Arrow Connector 53">
+            <a:extLst>
+              <a:ext uri="{FF2B5EF4-FFF2-40B4-BE49-F238E27FC236}">
+                <a16:creationId xmlns:a16="http://schemas.microsoft.com/office/drawing/2014/main" id="{4F50C6DE-A798-46C7-948E-7F2722E3152A}"/>
+              </a:ext>
+            </a:extLst>
+          </p:cNvPr>
+          <p:cNvCxnSpPr>
+            <a:cxnSpLocks/>
+            <a:stCxn id="2" idx="2"/>
+            <a:endCxn id="53" idx="0"/>
+          </p:cNvCxnSpPr>
+          <p:nvPr/>
+        </p:nvCxnSpPr>
+        <p:spPr>
+          <a:xfrm>
+            <a:off x="2993216" y="3753641"/>
+            <a:ext cx="0" cy="398241"/>
+          </a:xfrm>
+          <a:prstGeom prst="straightConnector1">
+            <a:avLst/>
+          </a:prstGeom>
+          <a:ln>
+            <a:tailEnd type="triangle"/>
+          </a:ln>
+        </p:spPr>
+        <p:style>
+          <a:lnRef idx="3">
+            <a:schemeClr val="accent6"/>
+          </a:lnRef>
+          <a:fillRef idx="0">
+            <a:schemeClr val="accent6"/>
+          </a:fillRef>
+          <a:effectRef idx="2">
+            <a:schemeClr val="accent6"/>
+          </a:effectRef>
+          <a:fontRef idx="minor">
+            <a:schemeClr val="tx1"/>
+          </a:fontRef>
+        </p:style>
+      </p:cxnSp>
+      <p:pic>
+        <p:nvPicPr>
+          <p:cNvPr id="55" name="Picture 2" descr="https://i5.walmartimages.com/asr/cc1e8142-7c0c-46c6-a2b2-df30d85d199a_1.5abf59f0479abdfb3bcb3c9faab2269e.jpeg?odnWidth=undefined&amp;odnHeight=undefined&amp;odnBg=ffffff">
+            <a:extLst>
+              <a:ext uri="{FF2B5EF4-FFF2-40B4-BE49-F238E27FC236}">
+                <a16:creationId xmlns:a16="http://schemas.microsoft.com/office/drawing/2014/main" id="{56A5D29E-2196-4B77-987C-6EBE1062F973}"/>
+              </a:ext>
+            </a:extLst>
+          </p:cNvPr>
+          <p:cNvPicPr>
+            <a:picLocks noChangeAspect="1" noChangeArrowheads="1"/>
+          </p:cNvPicPr>
+          <p:nvPr/>
+        </p:nvPicPr>
+        <p:blipFill>
+          <a:blip r:embed="rId2">
+            <a:extLst>
+              <a:ext uri="{28A0092B-C50C-407E-A947-70E740481C1C}">
+                <a14:useLocalDpi xmlns:a14="http://schemas.microsoft.com/office/drawing/2010/main" val="0"/>
+              </a:ext>
+            </a:extLst>
+          </a:blip>
+          <a:srcRect/>
+          <a:stretch>
+            <a:fillRect/>
+          </a:stretch>
+        </p:blipFill>
+        <p:spPr bwMode="auto">
+          <a:xfrm>
+            <a:off x="9816039" y="2782640"/>
+            <a:ext cx="1071258" cy="1018673"/>
+          </a:xfrm>
+          <a:prstGeom prst="rect">
+            <a:avLst/>
+          </a:prstGeom>
+          <a:noFill/>
+          <a:extLst>
+            <a:ext uri="{909E8E84-426E-40DD-AFC4-6F175D3DCCD1}">
+              <a14:hiddenFill xmlns:a14="http://schemas.microsoft.com/office/drawing/2010/main">
+                <a:solidFill>
+                  <a:srgbClr val="FFFFFF"/>
+                </a:solidFill>
+              </a14:hiddenFill>
+            </a:ext>
+          </a:extLst>
+        </p:spPr>
+      </p:pic>
+      <p:sp>
+        <p:nvSpPr>
+          <p:cNvPr id="60" name="Rectangle: Rounded Corners 59">
+            <a:extLst>
+              <a:ext uri="{FF2B5EF4-FFF2-40B4-BE49-F238E27FC236}">
+                <a16:creationId xmlns:a16="http://schemas.microsoft.com/office/drawing/2014/main" id="{11E786E3-403E-427C-AF0F-3C8113AD6E31}"/>
+              </a:ext>
+            </a:extLst>
+          </p:cNvPr>
+          <p:cNvSpPr/>
+          <p:nvPr/>
+        </p:nvSpPr>
+        <p:spPr>
+          <a:xfrm>
+            <a:off x="8198274" y="2830311"/>
+            <a:ext cx="1086642" cy="923330"/>
+          </a:xfrm>
+          <a:prstGeom prst="roundRect">
+            <a:avLst/>
+          </a:prstGeom>
+        </p:spPr>
+        <p:style>
+          <a:lnRef idx="2">
+            <a:schemeClr val="accent6"/>
+          </a:lnRef>
+          <a:fillRef idx="1">
+            <a:schemeClr val="lt1"/>
+          </a:fillRef>
+          <a:effectRef idx="0">
+            <a:schemeClr val="accent6"/>
+          </a:effectRef>
+          <a:fontRef idx="minor">
+            <a:schemeClr val="dk1"/>
+          </a:fontRef>
+        </p:style>
+        <p:txBody>
+          <a:bodyPr rtlCol="0" anchor="ctr"/>
+          <a:lstStyle/>
+          <a:p>
+            <a:pPr algn="ctr"/>
+            <a:r>
+              <a:rPr lang="en-US" dirty="0"/>
+              <a:t>Stored Input State</a:t>
+            </a:r>
+          </a:p>
+        </p:txBody>
+      </p:sp>
+      <p:sp>
+        <p:nvSpPr>
+          <p:cNvPr id="61" name="Rectangle: Rounded Corners 60">
+            <a:extLst>
+              <a:ext uri="{FF2B5EF4-FFF2-40B4-BE49-F238E27FC236}">
+                <a16:creationId xmlns:a16="http://schemas.microsoft.com/office/drawing/2014/main" id="{3A8BC514-C7DE-4113-BFFF-59734FBC04CE}"/>
+              </a:ext>
+            </a:extLst>
+          </p:cNvPr>
+          <p:cNvSpPr/>
+          <p:nvPr/>
+        </p:nvSpPr>
+        <p:spPr>
+          <a:xfrm>
+            <a:off x="8198274" y="4151882"/>
+            <a:ext cx="1086642" cy="923330"/>
+          </a:xfrm>
+          <a:prstGeom prst="roundRect">
+            <a:avLst/>
+          </a:prstGeom>
+        </p:spPr>
+        <p:style>
+          <a:lnRef idx="2">
+            <a:schemeClr val="accent6"/>
+          </a:lnRef>
+          <a:fillRef idx="1">
+            <a:schemeClr val="lt1"/>
+          </a:fillRef>
+          <a:effectRef idx="0">
+            <a:schemeClr val="accent6"/>
+          </a:effectRef>
+          <a:fontRef idx="minor">
+            <a:schemeClr val="dk1"/>
+          </a:fontRef>
+        </p:style>
+        <p:txBody>
+          <a:bodyPr rtlCol="0" anchor="ctr"/>
+          <a:lstStyle/>
+          <a:p>
+            <a:pPr algn="ctr"/>
+            <a:r>
+              <a:rPr lang="en-US" dirty="0"/>
+              <a:t>Update</a:t>
+            </a:r>
+          </a:p>
+          <a:p>
+            <a:pPr algn="ctr"/>
+            <a:r>
+              <a:rPr lang="en-US" dirty="0"/>
+              <a:t>Method</a:t>
+            </a:r>
+          </a:p>
+        </p:txBody>
+      </p:sp>
+      <p:cxnSp>
+        <p:nvCxnSpPr>
+          <p:cNvPr id="62" name="Straight Arrow Connector 61">
+            <a:extLst>
+              <a:ext uri="{FF2B5EF4-FFF2-40B4-BE49-F238E27FC236}">
+                <a16:creationId xmlns:a16="http://schemas.microsoft.com/office/drawing/2014/main" id="{9B9E17CA-C4E9-40A4-B429-C46E6228FFE7}"/>
+              </a:ext>
+            </a:extLst>
+          </p:cNvPr>
+          <p:cNvCxnSpPr>
+            <a:cxnSpLocks/>
+            <a:stCxn id="55" idx="1"/>
+            <a:endCxn id="60" idx="3"/>
+          </p:cNvCxnSpPr>
+          <p:nvPr/>
+        </p:nvCxnSpPr>
+        <p:spPr>
+          <a:xfrm flipH="1" flipV="1">
+            <a:off x="9284916" y="3291976"/>
+            <a:ext cx="531123" cy="1"/>
+          </a:xfrm>
+          <a:prstGeom prst="straightConnector1">
+            <a:avLst/>
+          </a:prstGeom>
+          <a:ln>
+            <a:tailEnd type="triangle"/>
+          </a:ln>
+        </p:spPr>
+        <p:style>
+          <a:lnRef idx="3">
+            <a:schemeClr val="accent6"/>
+          </a:lnRef>
+          <a:fillRef idx="0">
+            <a:schemeClr val="accent6"/>
+          </a:fillRef>
+          <a:effectRef idx="2">
+            <a:schemeClr val="accent6"/>
+          </a:effectRef>
+          <a:fontRef idx="minor">
+            <a:schemeClr val="tx1"/>
+          </a:fontRef>
+        </p:style>
+      </p:cxnSp>
+      <p:cxnSp>
+        <p:nvCxnSpPr>
+          <p:cNvPr id="63" name="Straight Arrow Connector 62">
+            <a:extLst>
+              <a:ext uri="{FF2B5EF4-FFF2-40B4-BE49-F238E27FC236}">
+                <a16:creationId xmlns:a16="http://schemas.microsoft.com/office/drawing/2014/main" id="{6403A176-3EBA-4089-B383-79A5DBE38AC7}"/>
+              </a:ext>
+            </a:extLst>
+          </p:cNvPr>
+          <p:cNvCxnSpPr>
+            <a:cxnSpLocks/>
+            <a:stCxn id="61" idx="0"/>
+            <a:endCxn id="60" idx="2"/>
+          </p:cNvCxnSpPr>
+          <p:nvPr/>
+        </p:nvCxnSpPr>
+        <p:spPr>
+          <a:xfrm flipV="1">
+            <a:off x="8741595" y="3753641"/>
+            <a:ext cx="0" cy="398241"/>
+          </a:xfrm>
+          <a:prstGeom prst="straightConnector1">
+            <a:avLst/>
+          </a:prstGeom>
+          <a:ln>
+            <a:tailEnd type="triangle"/>
+          </a:ln>
+        </p:spPr>
+        <p:style>
+          <a:lnRef idx="3">
+            <a:schemeClr val="accent6"/>
+          </a:lnRef>
+          <a:fillRef idx="0">
+            <a:schemeClr val="accent6"/>
+          </a:fillRef>
+          <a:effectRef idx="2">
+            <a:schemeClr val="accent6"/>
+          </a:effectRef>
+          <a:fontRef idx="minor">
+            <a:schemeClr val="tx1"/>
+          </a:fontRef>
+        </p:style>
+      </p:cxnSp>
+      <p:sp>
+        <p:nvSpPr>
+          <p:cNvPr id="33" name="TextBox 32">
+            <a:extLst>
+              <a:ext uri="{FF2B5EF4-FFF2-40B4-BE49-F238E27FC236}">
+                <a16:creationId xmlns:a16="http://schemas.microsoft.com/office/drawing/2014/main" id="{049BB345-F4D9-42B4-B6E6-1A1B8B3C3539}"/>
+              </a:ext>
+            </a:extLst>
+          </p:cNvPr>
+          <p:cNvSpPr txBox="1"/>
+          <p:nvPr/>
+        </p:nvSpPr>
+        <p:spPr>
+          <a:xfrm>
+            <a:off x="4330331" y="6103051"/>
+            <a:ext cx="3145285" cy="369332"/>
+          </a:xfrm>
+          <a:prstGeom prst="rect">
+            <a:avLst/>
+          </a:prstGeom>
+          <a:noFill/>
+        </p:spPr>
+        <p:txBody>
+          <a:bodyPr wrap="none" rtlCol="0">
+            <a:spAutoFit/>
+          </a:bodyPr>
+          <a:lstStyle/>
+          <a:p>
+            <a:r>
+              <a:rPr lang="en-US" dirty="0"/>
+              <a:t>Similar event vs. polling choices</a:t>
+            </a:r>
+          </a:p>
+        </p:txBody>
+      </p:sp>
+    </p:spTree>
+    <p:extLst>
+      <p:ext uri="{BB962C8B-B14F-4D97-AF65-F5344CB8AC3E}">
+        <p14:creationId xmlns:p14="http://schemas.microsoft.com/office/powerpoint/2010/main" val="1721517673"/>
+      </p:ext>
+    </p:extLst>
+  </p:cSld>
+  <p:clrMapOvr>
+    <a:masterClrMapping/>
+  </p:clrMapOvr>
+</p:sld>
+</file>
+
+<file path=ppt/slides/slide11.xml><?xml version="1.0" encoding="utf-8"?>
+<p:sld xmlns:a="http://schemas.openxmlformats.org/drawingml/2006/main" xmlns:r="http://schemas.openxmlformats.org/officeDocument/2006/relationships" xmlns:p="http://schemas.openxmlformats.org/presentationml/2006/main">
+  <p:cSld>
+    <p:spTree>
+      <p:nvGrpSpPr>
+        <p:cNvPr id="1" name=""/>
+        <p:cNvGrpSpPr/>
+        <p:nvPr/>
+      </p:nvGrpSpPr>
+      <p:grpSpPr>
+        <a:xfrm>
+          <a:off x="0" y="0"/>
+          <a:ext cx="0" cy="0"/>
+          <a:chOff x="0" y="0"/>
+          <a:chExt cx="0" cy="0"/>
+        </a:xfrm>
+      </p:grpSpPr>
       <p:sp>
         <p:nvSpPr>
           <p:cNvPr id="67" name="Rectangle 66">
@@ -4967,7 +6205,7 @@
 </p:sld>
 </file>
 
-<file path=ppt/slides/slide11.xml><?xml version="1.0" encoding="utf-8"?>
+<file path=ppt/slides/slide12.xml><?xml version="1.0" encoding="utf-8"?>
 <p:sld xmlns:a="http://schemas.openxmlformats.org/drawingml/2006/main" xmlns:r="http://schemas.openxmlformats.org/officeDocument/2006/relationships" xmlns:p="http://schemas.openxmlformats.org/presentationml/2006/main">
   <p:cSld>
     <p:spTree>
@@ -6702,7 +7940,7 @@
 </p:sld>
 </file>
 
-<file path=ppt/slides/slide12.xml><?xml version="1.0" encoding="utf-8"?>
+<file path=ppt/slides/slide13.xml><?xml version="1.0" encoding="utf-8"?>
 <p:sld xmlns:a="http://schemas.openxmlformats.org/drawingml/2006/main" xmlns:r="http://schemas.openxmlformats.org/officeDocument/2006/relationships" xmlns:p="http://schemas.openxmlformats.org/presentationml/2006/main">
   <p:cSld>
     <p:spTree>
@@ -8144,7 +9382,7 @@
 </p:sld>
 </file>
 
-<file path=ppt/slides/slide13.xml><?xml version="1.0" encoding="utf-8"?>
+<file path=ppt/slides/slide14.xml><?xml version="1.0" encoding="utf-8"?>
 <p:sld xmlns:a="http://schemas.openxmlformats.org/drawingml/2006/main" xmlns:r="http://schemas.openxmlformats.org/officeDocument/2006/relationships" xmlns:p="http://schemas.openxmlformats.org/presentationml/2006/main">
   <p:cSld>
     <p:spTree>
@@ -11073,7 +12311,7 @@
 </p:sld>
 </file>
 
-<file path=ppt/slides/slide14.xml><?xml version="1.0" encoding="utf-8"?>
+<file path=ppt/slides/slide15.xml><?xml version="1.0" encoding="utf-8"?>
 <p:sld xmlns:a="http://schemas.openxmlformats.org/drawingml/2006/main" xmlns:r="http://schemas.openxmlformats.org/officeDocument/2006/relationships" xmlns:p="http://schemas.openxmlformats.org/presentationml/2006/main">
   <p:cSld>
     <p:spTree>
@@ -13200,7 +14438,7 @@
 </p:sld>
 </file>
 
-<file path=ppt/slides/slide15.xml><?xml version="1.0" encoding="utf-8"?>
+<file path=ppt/slides/slide16.xml><?xml version="1.0" encoding="utf-8"?>
 <p:sld xmlns:a="http://schemas.openxmlformats.org/drawingml/2006/main" xmlns:r="http://schemas.openxmlformats.org/officeDocument/2006/relationships" xmlns:p="http://schemas.openxmlformats.org/presentationml/2006/main">
   <p:cSld>
     <p:spTree>
@@ -15658,7 +16896,7 @@
 </p:sld>
 </file>
 
-<file path=ppt/slides/slide16.xml><?xml version="1.0" encoding="utf-8"?>
+<file path=ppt/slides/slide17.xml><?xml version="1.0" encoding="utf-8"?>
 <p:sld xmlns:a="http://schemas.openxmlformats.org/drawingml/2006/main" xmlns:r="http://schemas.openxmlformats.org/officeDocument/2006/relationships" xmlns:p="http://schemas.openxmlformats.org/presentationml/2006/main">
   <p:cSld>
     <p:spTree>
@@ -17004,7 +18242,7 @@
 </p:sld>
 </file>
 
-<file path=ppt/slides/slide17.xml><?xml version="1.0" encoding="utf-8"?>
+<file path=ppt/slides/slide18.xml><?xml version="1.0" encoding="utf-8"?>
 <p:sld xmlns:a="http://schemas.openxmlformats.org/drawingml/2006/main" xmlns:r="http://schemas.openxmlformats.org/officeDocument/2006/relationships" xmlns:p="http://schemas.openxmlformats.org/presentationml/2006/main">
   <p:cSld>
     <p:spTree>
@@ -19157,7 +20395,7 @@
 </p:sld>
 </file>
 
-<file path=ppt/slides/slide18.xml><?xml version="1.0" encoding="utf-8"?>
+<file path=ppt/slides/slide19.xml><?xml version="1.0" encoding="utf-8"?>
 <p:sld xmlns:a="http://schemas.openxmlformats.org/drawingml/2006/main" xmlns:r="http://schemas.openxmlformats.org/officeDocument/2006/relationships" xmlns:p="http://schemas.openxmlformats.org/presentationml/2006/main">
   <p:cSld>
     <p:spTree>
@@ -20987,7 +22225,770 @@
 </p:sld>
 </file>
 
-<file path=ppt/slides/slide19.xml><?xml version="1.0" encoding="utf-8"?>
+<file path=ppt/slides/slide2.xml><?xml version="1.0" encoding="utf-8"?>
+<p:sld xmlns:a="http://schemas.openxmlformats.org/drawingml/2006/main" xmlns:r="http://schemas.openxmlformats.org/officeDocument/2006/relationships" xmlns:p="http://schemas.openxmlformats.org/presentationml/2006/main">
+  <p:cSld>
+    <p:spTree>
+      <p:nvGrpSpPr>
+        <p:cNvPr id="1" name=""/>
+        <p:cNvGrpSpPr/>
+        <p:nvPr/>
+      </p:nvGrpSpPr>
+      <p:grpSpPr>
+        <a:xfrm>
+          <a:off x="0" y="0"/>
+          <a:ext cx="0" cy="0"/>
+          <a:chOff x="0" y="0"/>
+          <a:chExt cx="0" cy="0"/>
+        </a:xfrm>
+      </p:grpSpPr>
+      <p:sp>
+        <p:nvSpPr>
+          <p:cNvPr id="4" name="TextBox 3">
+            <a:extLst>
+              <a:ext uri="{FF2B5EF4-FFF2-40B4-BE49-F238E27FC236}">
+                <a16:creationId xmlns:a16="http://schemas.microsoft.com/office/drawing/2014/main" id="{DC95240C-647E-4C0A-85CF-03CF4EBF7F0A}"/>
+              </a:ext>
+            </a:extLst>
+          </p:cNvPr>
+          <p:cNvSpPr txBox="1"/>
+          <p:nvPr/>
+        </p:nvSpPr>
+        <p:spPr>
+          <a:xfrm>
+            <a:off x="0" y="250222"/>
+            <a:ext cx="12192000" cy="523220"/>
+          </a:xfrm>
+          <a:prstGeom prst="rect">
+            <a:avLst/>
+          </a:prstGeom>
+          <a:noFill/>
+        </p:spPr>
+        <p:txBody>
+          <a:bodyPr wrap="square" rtlCol="0">
+            <a:spAutoFit/>
+          </a:bodyPr>
+          <a:lstStyle/>
+          <a:p>
+            <a:pPr algn="ctr"/>
+            <a:r>
+              <a:rPr lang="en-US" sz="2800" dirty="0">
+                <a:solidFill>
+                  <a:schemeClr val="accent6">
+                    <a:lumMod val="75000"/>
+                  </a:schemeClr>
+                </a:solidFill>
+              </a:rPr>
+              <a:t>Visual Layers</a:t>
+            </a:r>
+          </a:p>
+        </p:txBody>
+      </p:sp>
+      <p:grpSp>
+        <p:nvGrpSpPr>
+          <p:cNvPr id="5" name="Group 4">
+            <a:extLst>
+              <a:ext uri="{FF2B5EF4-FFF2-40B4-BE49-F238E27FC236}">
+                <a16:creationId xmlns:a16="http://schemas.microsoft.com/office/drawing/2014/main" id="{7D4465E7-FBDA-4DCF-BE58-C99E87108B7A}"/>
+              </a:ext>
+            </a:extLst>
+          </p:cNvPr>
+          <p:cNvGrpSpPr/>
+          <p:nvPr/>
+        </p:nvGrpSpPr>
+        <p:grpSpPr>
+          <a:xfrm>
+            <a:off x="3766877" y="629685"/>
+            <a:ext cx="4498072" cy="297874"/>
+            <a:chOff x="3971469" y="624781"/>
+            <a:chExt cx="4498072" cy="297874"/>
+          </a:xfrm>
+        </p:grpSpPr>
+        <p:cxnSp>
+          <p:nvCxnSpPr>
+            <p:cNvPr id="6" name="Straight Connector 5">
+              <a:extLst>
+                <a:ext uri="{FF2B5EF4-FFF2-40B4-BE49-F238E27FC236}">
+                  <a16:creationId xmlns:a16="http://schemas.microsoft.com/office/drawing/2014/main" id="{45C4EE94-FB9D-4197-BA3C-B4166A1C3CF2}"/>
+                </a:ext>
+              </a:extLst>
+            </p:cNvPr>
+            <p:cNvCxnSpPr/>
+            <p:nvPr/>
+          </p:nvCxnSpPr>
+          <p:spPr>
+            <a:xfrm>
+              <a:off x="5170031" y="773442"/>
+              <a:ext cx="2057400" cy="0"/>
+            </a:xfrm>
+            <a:prstGeom prst="line">
+              <a:avLst/>
+            </a:prstGeom>
+            <a:ln cap="rnd"/>
+          </p:spPr>
+          <p:style>
+            <a:lnRef idx="3">
+              <a:schemeClr val="accent6"/>
+            </a:lnRef>
+            <a:fillRef idx="0">
+              <a:schemeClr val="accent6"/>
+            </a:fillRef>
+            <a:effectRef idx="2">
+              <a:schemeClr val="accent6"/>
+            </a:effectRef>
+            <a:fontRef idx="minor">
+              <a:schemeClr val="tx1"/>
+            </a:fontRef>
+          </p:style>
+        </p:cxnSp>
+        <p:cxnSp>
+          <p:nvCxnSpPr>
+            <p:cNvPr id="7" name="Straight Connector 6">
+              <a:extLst>
+                <a:ext uri="{FF2B5EF4-FFF2-40B4-BE49-F238E27FC236}">
+                  <a16:creationId xmlns:a16="http://schemas.microsoft.com/office/drawing/2014/main" id="{D182A16C-9D8A-4A17-BE3E-120AC8E4521A}"/>
+                </a:ext>
+              </a:extLst>
+            </p:cNvPr>
+            <p:cNvCxnSpPr>
+              <a:cxnSpLocks/>
+            </p:cNvCxnSpPr>
+            <p:nvPr/>
+          </p:nvCxnSpPr>
+          <p:spPr>
+            <a:xfrm>
+              <a:off x="7349270" y="697242"/>
+              <a:ext cx="1027511" cy="0"/>
+            </a:xfrm>
+            <a:prstGeom prst="line">
+              <a:avLst/>
+            </a:prstGeom>
+            <a:ln cap="rnd"/>
+          </p:spPr>
+          <p:style>
+            <a:lnRef idx="3">
+              <a:schemeClr val="accent6"/>
+            </a:lnRef>
+            <a:fillRef idx="0">
+              <a:schemeClr val="accent6"/>
+            </a:fillRef>
+            <a:effectRef idx="2">
+              <a:schemeClr val="accent6"/>
+            </a:effectRef>
+            <a:fontRef idx="minor">
+              <a:schemeClr val="tx1"/>
+            </a:fontRef>
+          </p:style>
+        </p:cxnSp>
+        <p:cxnSp>
+          <p:nvCxnSpPr>
+            <p:cNvPr id="8" name="Straight Connector 7">
+              <a:extLst>
+                <a:ext uri="{FF2B5EF4-FFF2-40B4-BE49-F238E27FC236}">
+                  <a16:creationId xmlns:a16="http://schemas.microsoft.com/office/drawing/2014/main" id="{06489087-E70A-4009-85AE-578FC4B8D162}"/>
+                </a:ext>
+              </a:extLst>
+            </p:cNvPr>
+            <p:cNvCxnSpPr>
+              <a:cxnSpLocks/>
+            </p:cNvCxnSpPr>
+            <p:nvPr/>
+          </p:nvCxnSpPr>
+          <p:spPr>
+            <a:xfrm flipV="1">
+              <a:off x="7227431" y="697242"/>
+              <a:ext cx="121839" cy="76200"/>
+            </a:xfrm>
+            <a:prstGeom prst="line">
+              <a:avLst/>
+            </a:prstGeom>
+            <a:ln cap="rnd"/>
+          </p:spPr>
+          <p:style>
+            <a:lnRef idx="3">
+              <a:schemeClr val="accent6"/>
+            </a:lnRef>
+            <a:fillRef idx="0">
+              <a:schemeClr val="accent6"/>
+            </a:fillRef>
+            <a:effectRef idx="2">
+              <a:schemeClr val="accent6"/>
+            </a:effectRef>
+            <a:fontRef idx="minor">
+              <a:schemeClr val="tx1"/>
+            </a:fontRef>
+          </p:style>
+        </p:cxnSp>
+        <p:cxnSp>
+          <p:nvCxnSpPr>
+            <p:cNvPr id="9" name="Straight Connector 8">
+              <a:extLst>
+                <a:ext uri="{FF2B5EF4-FFF2-40B4-BE49-F238E27FC236}">
+                  <a16:creationId xmlns:a16="http://schemas.microsoft.com/office/drawing/2014/main" id="{B5325AAF-DF5C-48B6-A56D-722EDE0B2680}"/>
+                </a:ext>
+              </a:extLst>
+            </p:cNvPr>
+            <p:cNvCxnSpPr>
+              <a:cxnSpLocks/>
+            </p:cNvCxnSpPr>
+            <p:nvPr/>
+          </p:nvCxnSpPr>
+          <p:spPr>
+            <a:xfrm flipV="1">
+              <a:off x="5048192" y="773442"/>
+              <a:ext cx="121839" cy="76200"/>
+            </a:xfrm>
+            <a:prstGeom prst="line">
+              <a:avLst/>
+            </a:prstGeom>
+            <a:ln cap="rnd"/>
+          </p:spPr>
+          <p:style>
+            <a:lnRef idx="3">
+              <a:schemeClr val="accent6"/>
+            </a:lnRef>
+            <a:fillRef idx="0">
+              <a:schemeClr val="accent6"/>
+            </a:fillRef>
+            <a:effectRef idx="2">
+              <a:schemeClr val="accent6"/>
+            </a:effectRef>
+            <a:fontRef idx="minor">
+              <a:schemeClr val="tx1"/>
+            </a:fontRef>
+          </p:style>
+        </p:cxnSp>
+        <p:cxnSp>
+          <p:nvCxnSpPr>
+            <p:cNvPr id="10" name="Straight Connector 9">
+              <a:extLst>
+                <a:ext uri="{FF2B5EF4-FFF2-40B4-BE49-F238E27FC236}">
+                  <a16:creationId xmlns:a16="http://schemas.microsoft.com/office/drawing/2014/main" id="{3C3D5A29-BF66-496B-9AEB-4E9DB808D6DD}"/>
+                </a:ext>
+              </a:extLst>
+            </p:cNvPr>
+            <p:cNvCxnSpPr>
+              <a:cxnSpLocks/>
+            </p:cNvCxnSpPr>
+            <p:nvPr/>
+          </p:nvCxnSpPr>
+          <p:spPr>
+            <a:xfrm flipV="1">
+              <a:off x="4021655" y="849642"/>
+              <a:ext cx="1026537" cy="11668"/>
+            </a:xfrm>
+            <a:prstGeom prst="line">
+              <a:avLst/>
+            </a:prstGeom>
+            <a:ln cap="rnd"/>
+          </p:spPr>
+          <p:style>
+            <a:lnRef idx="3">
+              <a:schemeClr val="accent6"/>
+            </a:lnRef>
+            <a:fillRef idx="0">
+              <a:schemeClr val="accent6"/>
+            </a:fillRef>
+            <a:effectRef idx="2">
+              <a:schemeClr val="accent6"/>
+            </a:effectRef>
+            <a:fontRef idx="minor">
+              <a:schemeClr val="tx1"/>
+            </a:fontRef>
+          </p:style>
+        </p:cxnSp>
+        <p:sp>
+          <p:nvSpPr>
+            <p:cNvPr id="11" name="Oval 10">
+              <a:extLst>
+                <a:ext uri="{FF2B5EF4-FFF2-40B4-BE49-F238E27FC236}">
+                  <a16:creationId xmlns:a16="http://schemas.microsoft.com/office/drawing/2014/main" id="{85674D68-9AC2-45C4-B953-5391FAE46330}"/>
+                </a:ext>
+              </a:extLst>
+            </p:cNvPr>
+            <p:cNvSpPr/>
+            <p:nvPr/>
+          </p:nvSpPr>
+          <p:spPr>
+            <a:xfrm>
+              <a:off x="3971469" y="789305"/>
+              <a:ext cx="133350" cy="133350"/>
+            </a:xfrm>
+            <a:prstGeom prst="ellipse">
+              <a:avLst/>
+            </a:prstGeom>
+          </p:spPr>
+          <p:style>
+            <a:lnRef idx="2">
+              <a:schemeClr val="accent6"/>
+            </a:lnRef>
+            <a:fillRef idx="1">
+              <a:schemeClr val="lt1"/>
+            </a:fillRef>
+            <a:effectRef idx="0">
+              <a:schemeClr val="accent6"/>
+            </a:effectRef>
+            <a:fontRef idx="minor">
+              <a:schemeClr val="dk1"/>
+            </a:fontRef>
+          </p:style>
+          <p:txBody>
+            <a:bodyPr rtlCol="0" anchor="ctr"/>
+            <a:lstStyle/>
+            <a:p>
+              <a:pPr algn="ctr"/>
+              <a:endParaRPr lang="en-US" i="1" dirty="0"/>
+            </a:p>
+          </p:txBody>
+        </p:sp>
+        <p:sp>
+          <p:nvSpPr>
+            <p:cNvPr id="12" name="Oval 11">
+              <a:extLst>
+                <a:ext uri="{FF2B5EF4-FFF2-40B4-BE49-F238E27FC236}">
+                  <a16:creationId xmlns:a16="http://schemas.microsoft.com/office/drawing/2014/main" id="{698AD4D7-A8B8-4A6B-9CBB-640B4289CDCA}"/>
+                </a:ext>
+              </a:extLst>
+            </p:cNvPr>
+            <p:cNvSpPr/>
+            <p:nvPr/>
+          </p:nvSpPr>
+          <p:spPr>
+            <a:xfrm>
+              <a:off x="8336191" y="624781"/>
+              <a:ext cx="133350" cy="133350"/>
+            </a:xfrm>
+            <a:prstGeom prst="ellipse">
+              <a:avLst/>
+            </a:prstGeom>
+          </p:spPr>
+          <p:style>
+            <a:lnRef idx="2">
+              <a:schemeClr val="accent6"/>
+            </a:lnRef>
+            <a:fillRef idx="1">
+              <a:schemeClr val="lt1"/>
+            </a:fillRef>
+            <a:effectRef idx="0">
+              <a:schemeClr val="accent6"/>
+            </a:effectRef>
+            <a:fontRef idx="minor">
+              <a:schemeClr val="dk1"/>
+            </a:fontRef>
+          </p:style>
+          <p:txBody>
+            <a:bodyPr rtlCol="0" anchor="ctr"/>
+            <a:lstStyle/>
+            <a:p>
+              <a:pPr algn="ctr"/>
+              <a:endParaRPr lang="en-US" i="1" dirty="0"/>
+            </a:p>
+          </p:txBody>
+        </p:sp>
+      </p:grpSp>
+      <p:sp>
+        <p:nvSpPr>
+          <p:cNvPr id="21" name="TextBox 20">
+            <a:extLst>
+              <a:ext uri="{FF2B5EF4-FFF2-40B4-BE49-F238E27FC236}">
+                <a16:creationId xmlns:a16="http://schemas.microsoft.com/office/drawing/2014/main" id="{574F3C03-D51A-4577-B090-16E9EDCB2EEE}"/>
+              </a:ext>
+            </a:extLst>
+          </p:cNvPr>
+          <p:cNvSpPr txBox="1"/>
+          <p:nvPr/>
+        </p:nvSpPr>
+        <p:spPr>
+          <a:xfrm>
+            <a:off x="286124" y="5578019"/>
+            <a:ext cx="1353447" cy="646331"/>
+          </a:xfrm>
+          <a:prstGeom prst="rect">
+            <a:avLst/>
+          </a:prstGeom>
+          <a:noFill/>
+        </p:spPr>
+        <p:txBody>
+          <a:bodyPr wrap="none" rtlCol="0">
+            <a:spAutoFit/>
+          </a:bodyPr>
+          <a:lstStyle/>
+          <a:p>
+            <a:r>
+              <a:rPr lang="en-US" dirty="0">
+                <a:solidFill>
+                  <a:schemeClr val="accent6">
+                    <a:lumMod val="75000"/>
+                  </a:schemeClr>
+                </a:solidFill>
+              </a:rPr>
+              <a:t>Clear Screen</a:t>
+            </a:r>
+          </a:p>
+          <a:p>
+            <a:r>
+              <a:rPr lang="en-US" dirty="0">
+                <a:solidFill>
+                  <a:schemeClr val="accent6">
+                    <a:lumMod val="75000"/>
+                  </a:schemeClr>
+                </a:solidFill>
+              </a:rPr>
+              <a:t>Background</a:t>
+            </a:r>
+          </a:p>
+        </p:txBody>
+      </p:sp>
+      <p:sp>
+        <p:nvSpPr>
+          <p:cNvPr id="22" name="TextBox 21">
+            <a:extLst>
+              <a:ext uri="{FF2B5EF4-FFF2-40B4-BE49-F238E27FC236}">
+                <a16:creationId xmlns:a16="http://schemas.microsoft.com/office/drawing/2014/main" id="{5427716D-12F5-4E17-992E-30D9A89F570D}"/>
+              </a:ext>
+            </a:extLst>
+          </p:cNvPr>
+          <p:cNvSpPr txBox="1"/>
+          <p:nvPr/>
+        </p:nvSpPr>
+        <p:spPr>
+          <a:xfrm>
+            <a:off x="1959945" y="5578019"/>
+            <a:ext cx="1295035" cy="646331"/>
+          </a:xfrm>
+          <a:prstGeom prst="rect">
+            <a:avLst/>
+          </a:prstGeom>
+          <a:noFill/>
+        </p:spPr>
+        <p:txBody>
+          <a:bodyPr wrap="none" rtlCol="0">
+            <a:spAutoFit/>
+          </a:bodyPr>
+          <a:lstStyle/>
+          <a:p>
+            <a:r>
+              <a:rPr lang="en-US" dirty="0">
+                <a:solidFill>
+                  <a:schemeClr val="accent6">
+                    <a:lumMod val="75000"/>
+                  </a:schemeClr>
+                </a:solidFill>
+              </a:rPr>
+              <a:t>World</a:t>
+            </a:r>
+          </a:p>
+          <a:p>
+            <a:r>
+              <a:rPr lang="en-US" dirty="0">
+                <a:solidFill>
+                  <a:schemeClr val="accent6">
+                    <a:lumMod val="75000"/>
+                  </a:schemeClr>
+                </a:solidFill>
+              </a:rPr>
+              <a:t>Background</a:t>
+            </a:r>
+          </a:p>
+        </p:txBody>
+      </p:sp>
+      <p:sp>
+        <p:nvSpPr>
+          <p:cNvPr id="23" name="TextBox 22">
+            <a:extLst>
+              <a:ext uri="{FF2B5EF4-FFF2-40B4-BE49-F238E27FC236}">
+                <a16:creationId xmlns:a16="http://schemas.microsoft.com/office/drawing/2014/main" id="{8898C8F9-74CB-493A-8732-619DD22C3A83}"/>
+              </a:ext>
+            </a:extLst>
+          </p:cNvPr>
+          <p:cNvSpPr txBox="1"/>
+          <p:nvPr/>
+        </p:nvSpPr>
+        <p:spPr>
+          <a:xfrm>
+            <a:off x="3600765" y="5578019"/>
+            <a:ext cx="1229311" cy="646331"/>
+          </a:xfrm>
+          <a:prstGeom prst="rect">
+            <a:avLst/>
+          </a:prstGeom>
+          <a:noFill/>
+        </p:spPr>
+        <p:txBody>
+          <a:bodyPr wrap="none" rtlCol="0">
+            <a:spAutoFit/>
+          </a:bodyPr>
+          <a:lstStyle/>
+          <a:p>
+            <a:r>
+              <a:rPr lang="en-US" dirty="0">
+                <a:solidFill>
+                  <a:schemeClr val="accent6">
+                    <a:lumMod val="75000"/>
+                  </a:schemeClr>
+                </a:solidFill>
+              </a:rPr>
+              <a:t>World </a:t>
+            </a:r>
+          </a:p>
+          <a:p>
+            <a:r>
+              <a:rPr lang="en-US" dirty="0">
+                <a:solidFill>
+                  <a:schemeClr val="accent6">
+                    <a:lumMod val="75000"/>
+                  </a:schemeClr>
+                </a:solidFill>
+              </a:rPr>
+              <a:t>Midground</a:t>
+            </a:r>
+          </a:p>
+        </p:txBody>
+      </p:sp>
+      <p:sp>
+        <p:nvSpPr>
+          <p:cNvPr id="24" name="TextBox 23">
+            <a:extLst>
+              <a:ext uri="{FF2B5EF4-FFF2-40B4-BE49-F238E27FC236}">
+                <a16:creationId xmlns:a16="http://schemas.microsoft.com/office/drawing/2014/main" id="{C32AD6D6-0827-47FD-B882-734E6662588A}"/>
+              </a:ext>
+            </a:extLst>
+          </p:cNvPr>
+          <p:cNvSpPr txBox="1"/>
+          <p:nvPr/>
+        </p:nvSpPr>
+        <p:spPr>
+          <a:xfrm>
+            <a:off x="5228921" y="5578019"/>
+            <a:ext cx="855491" cy="646331"/>
+          </a:xfrm>
+          <a:prstGeom prst="rect">
+            <a:avLst/>
+          </a:prstGeom>
+          <a:noFill/>
+        </p:spPr>
+        <p:txBody>
+          <a:bodyPr wrap="none" rtlCol="0">
+            <a:spAutoFit/>
+          </a:bodyPr>
+          <a:lstStyle/>
+          <a:p>
+            <a:r>
+              <a:rPr lang="en-US" dirty="0">
+                <a:solidFill>
+                  <a:schemeClr val="accent6">
+                    <a:lumMod val="75000"/>
+                  </a:schemeClr>
+                </a:solidFill>
+              </a:rPr>
+              <a:t>Effects </a:t>
+            </a:r>
+          </a:p>
+          <a:p>
+            <a:r>
+              <a:rPr lang="en-US" dirty="0">
+                <a:solidFill>
+                  <a:schemeClr val="accent6">
+                    <a:lumMod val="75000"/>
+                  </a:schemeClr>
+                </a:solidFill>
+              </a:rPr>
+              <a:t>Layer</a:t>
+            </a:r>
+          </a:p>
+        </p:txBody>
+      </p:sp>
+      <p:sp>
+        <p:nvSpPr>
+          <p:cNvPr id="25" name="TextBox 24">
+            <a:extLst>
+              <a:ext uri="{FF2B5EF4-FFF2-40B4-BE49-F238E27FC236}">
+                <a16:creationId xmlns:a16="http://schemas.microsoft.com/office/drawing/2014/main" id="{4FE2A25E-D62C-43B0-83A4-AD894E016C0F}"/>
+              </a:ext>
+            </a:extLst>
+          </p:cNvPr>
+          <p:cNvSpPr txBox="1"/>
+          <p:nvPr/>
+        </p:nvSpPr>
+        <p:spPr>
+          <a:xfrm>
+            <a:off x="6804017" y="5578019"/>
+            <a:ext cx="1274451" cy="646331"/>
+          </a:xfrm>
+          <a:prstGeom prst="rect">
+            <a:avLst/>
+          </a:prstGeom>
+          <a:noFill/>
+        </p:spPr>
+        <p:txBody>
+          <a:bodyPr wrap="none" rtlCol="0">
+            <a:spAutoFit/>
+          </a:bodyPr>
+          <a:lstStyle/>
+          <a:p>
+            <a:r>
+              <a:rPr lang="en-US" dirty="0">
+                <a:solidFill>
+                  <a:schemeClr val="accent6">
+                    <a:lumMod val="75000"/>
+                  </a:schemeClr>
+                </a:solidFill>
+              </a:rPr>
+              <a:t>World </a:t>
+            </a:r>
+          </a:p>
+          <a:p>
+            <a:r>
+              <a:rPr lang="en-US" dirty="0">
+                <a:solidFill>
+                  <a:schemeClr val="accent6">
+                    <a:lumMod val="75000"/>
+                  </a:schemeClr>
+                </a:solidFill>
+              </a:rPr>
+              <a:t>Foreground</a:t>
+            </a:r>
+          </a:p>
+        </p:txBody>
+      </p:sp>
+      <p:sp>
+        <p:nvSpPr>
+          <p:cNvPr id="26" name="TextBox 25">
+            <a:extLst>
+              <a:ext uri="{FF2B5EF4-FFF2-40B4-BE49-F238E27FC236}">
+                <a16:creationId xmlns:a16="http://schemas.microsoft.com/office/drawing/2014/main" id="{819E7DCF-AEE3-4800-9277-B53EA6E21C19}"/>
+              </a:ext>
+            </a:extLst>
+          </p:cNvPr>
+          <p:cNvSpPr txBox="1"/>
+          <p:nvPr/>
+        </p:nvSpPr>
+        <p:spPr>
+          <a:xfrm>
+            <a:off x="8406056" y="5578019"/>
+            <a:ext cx="1106585" cy="646331"/>
+          </a:xfrm>
+          <a:prstGeom prst="rect">
+            <a:avLst/>
+          </a:prstGeom>
+          <a:noFill/>
+        </p:spPr>
+        <p:txBody>
+          <a:bodyPr wrap="none" rtlCol="0">
+            <a:spAutoFit/>
+          </a:bodyPr>
+          <a:lstStyle/>
+          <a:p>
+            <a:r>
+              <a:rPr lang="en-US" dirty="0">
+                <a:solidFill>
+                  <a:schemeClr val="accent6">
+                    <a:lumMod val="75000"/>
+                  </a:schemeClr>
+                </a:solidFill>
+              </a:rPr>
+              <a:t>World/UI </a:t>
+            </a:r>
+          </a:p>
+          <a:p>
+            <a:r>
+              <a:rPr lang="en-US" dirty="0">
+                <a:solidFill>
+                  <a:schemeClr val="accent6">
+                    <a:lumMod val="75000"/>
+                  </a:schemeClr>
+                </a:solidFill>
+              </a:rPr>
+              <a:t>Transition</a:t>
+            </a:r>
+          </a:p>
+        </p:txBody>
+      </p:sp>
+      <p:sp>
+        <p:nvSpPr>
+          <p:cNvPr id="27" name="TextBox 26">
+            <a:extLst>
+              <a:ext uri="{FF2B5EF4-FFF2-40B4-BE49-F238E27FC236}">
+                <a16:creationId xmlns:a16="http://schemas.microsoft.com/office/drawing/2014/main" id="{3FF7035B-5F33-448F-8FBE-92DAFB7A7026}"/>
+              </a:ext>
+            </a:extLst>
+          </p:cNvPr>
+          <p:cNvSpPr txBox="1"/>
+          <p:nvPr/>
+        </p:nvSpPr>
+        <p:spPr>
+          <a:xfrm>
+            <a:off x="10037130" y="5578019"/>
+            <a:ext cx="389850" cy="369332"/>
+          </a:xfrm>
+          <a:prstGeom prst="rect">
+            <a:avLst/>
+          </a:prstGeom>
+          <a:noFill/>
+        </p:spPr>
+        <p:txBody>
+          <a:bodyPr wrap="none" rtlCol="0">
+            <a:spAutoFit/>
+          </a:bodyPr>
+          <a:lstStyle/>
+          <a:p>
+            <a:r>
+              <a:rPr lang="en-US" dirty="0">
+                <a:solidFill>
+                  <a:schemeClr val="accent6">
+                    <a:lumMod val="75000"/>
+                  </a:schemeClr>
+                </a:solidFill>
+              </a:rPr>
+              <a:t>UI</a:t>
+            </a:r>
+          </a:p>
+        </p:txBody>
+      </p:sp>
+      <p:pic>
+        <p:nvPicPr>
+          <p:cNvPr id="35" name="Picture 34">
+            <a:extLst>
+              <a:ext uri="{FF2B5EF4-FFF2-40B4-BE49-F238E27FC236}">
+                <a16:creationId xmlns:a16="http://schemas.microsoft.com/office/drawing/2014/main" id="{F31141E5-29F7-4B63-A6EA-12389F90BBD4}"/>
+              </a:ext>
+            </a:extLst>
+          </p:cNvPr>
+          <p:cNvPicPr>
+            <a:picLocks noChangeAspect="1"/>
+          </p:cNvPicPr>
+          <p:nvPr/>
+        </p:nvPicPr>
+        <p:blipFill>
+          <a:blip r:embed="rId2"/>
+          <a:stretch>
+            <a:fillRect/>
+          </a:stretch>
+        </p:blipFill>
+        <p:spPr>
+          <a:xfrm>
+            <a:off x="480060" y="1168462"/>
+            <a:ext cx="11231880" cy="4362366"/>
+          </a:xfrm>
+          <a:prstGeom prst="rect">
+            <a:avLst/>
+          </a:prstGeom>
+        </p:spPr>
+      </p:pic>
+    </p:spTree>
+    <p:extLst>
+      <p:ext uri="{BB962C8B-B14F-4D97-AF65-F5344CB8AC3E}">
+        <p14:creationId xmlns:p14="http://schemas.microsoft.com/office/powerpoint/2010/main" val="4029843772"/>
+      </p:ext>
+    </p:extLst>
+  </p:cSld>
+  <p:clrMapOvr>
+    <a:masterClrMapping/>
+  </p:clrMapOvr>
+</p:sld>
+</file>
+
+<file path=ppt/slides/slide20.xml><?xml version="1.0" encoding="utf-8"?>
 <p:sld xmlns:a="http://schemas.openxmlformats.org/drawingml/2006/main" xmlns:r="http://schemas.openxmlformats.org/officeDocument/2006/relationships" xmlns:p="http://schemas.openxmlformats.org/presentationml/2006/main">
   <p:cSld>
     <p:spTree>
@@ -24175,770 +26176,7 @@
 </p:sld>
 </file>
 
-<file path=ppt/slides/slide2.xml><?xml version="1.0" encoding="utf-8"?>
-<p:sld xmlns:a="http://schemas.openxmlformats.org/drawingml/2006/main" xmlns:r="http://schemas.openxmlformats.org/officeDocument/2006/relationships" xmlns:p="http://schemas.openxmlformats.org/presentationml/2006/main">
-  <p:cSld>
-    <p:spTree>
-      <p:nvGrpSpPr>
-        <p:cNvPr id="1" name=""/>
-        <p:cNvGrpSpPr/>
-        <p:nvPr/>
-      </p:nvGrpSpPr>
-      <p:grpSpPr>
-        <a:xfrm>
-          <a:off x="0" y="0"/>
-          <a:ext cx="0" cy="0"/>
-          <a:chOff x="0" y="0"/>
-          <a:chExt cx="0" cy="0"/>
-        </a:xfrm>
-      </p:grpSpPr>
-      <p:sp>
-        <p:nvSpPr>
-          <p:cNvPr id="4" name="TextBox 3">
-            <a:extLst>
-              <a:ext uri="{FF2B5EF4-FFF2-40B4-BE49-F238E27FC236}">
-                <a16:creationId xmlns:a16="http://schemas.microsoft.com/office/drawing/2014/main" id="{DC95240C-647E-4C0A-85CF-03CF4EBF7F0A}"/>
-              </a:ext>
-            </a:extLst>
-          </p:cNvPr>
-          <p:cNvSpPr txBox="1"/>
-          <p:nvPr/>
-        </p:nvSpPr>
-        <p:spPr>
-          <a:xfrm>
-            <a:off x="0" y="250222"/>
-            <a:ext cx="12192000" cy="523220"/>
-          </a:xfrm>
-          <a:prstGeom prst="rect">
-            <a:avLst/>
-          </a:prstGeom>
-          <a:noFill/>
-        </p:spPr>
-        <p:txBody>
-          <a:bodyPr wrap="square" rtlCol="0">
-            <a:spAutoFit/>
-          </a:bodyPr>
-          <a:lstStyle/>
-          <a:p>
-            <a:pPr algn="ctr"/>
-            <a:r>
-              <a:rPr lang="en-US" sz="2800" dirty="0">
-                <a:solidFill>
-                  <a:schemeClr val="accent6">
-                    <a:lumMod val="75000"/>
-                  </a:schemeClr>
-                </a:solidFill>
-              </a:rPr>
-              <a:t>Visual Layers</a:t>
-            </a:r>
-          </a:p>
-        </p:txBody>
-      </p:sp>
-      <p:grpSp>
-        <p:nvGrpSpPr>
-          <p:cNvPr id="5" name="Group 4">
-            <a:extLst>
-              <a:ext uri="{FF2B5EF4-FFF2-40B4-BE49-F238E27FC236}">
-                <a16:creationId xmlns:a16="http://schemas.microsoft.com/office/drawing/2014/main" id="{7D4465E7-FBDA-4DCF-BE58-C99E87108B7A}"/>
-              </a:ext>
-            </a:extLst>
-          </p:cNvPr>
-          <p:cNvGrpSpPr/>
-          <p:nvPr/>
-        </p:nvGrpSpPr>
-        <p:grpSpPr>
-          <a:xfrm>
-            <a:off x="3766877" y="629685"/>
-            <a:ext cx="4498072" cy="297874"/>
-            <a:chOff x="3971469" y="624781"/>
-            <a:chExt cx="4498072" cy="297874"/>
-          </a:xfrm>
-        </p:grpSpPr>
-        <p:cxnSp>
-          <p:nvCxnSpPr>
-            <p:cNvPr id="6" name="Straight Connector 5">
-              <a:extLst>
-                <a:ext uri="{FF2B5EF4-FFF2-40B4-BE49-F238E27FC236}">
-                  <a16:creationId xmlns:a16="http://schemas.microsoft.com/office/drawing/2014/main" id="{45C4EE94-FB9D-4197-BA3C-B4166A1C3CF2}"/>
-                </a:ext>
-              </a:extLst>
-            </p:cNvPr>
-            <p:cNvCxnSpPr/>
-            <p:nvPr/>
-          </p:nvCxnSpPr>
-          <p:spPr>
-            <a:xfrm>
-              <a:off x="5170031" y="773442"/>
-              <a:ext cx="2057400" cy="0"/>
-            </a:xfrm>
-            <a:prstGeom prst="line">
-              <a:avLst/>
-            </a:prstGeom>
-            <a:ln cap="rnd"/>
-          </p:spPr>
-          <p:style>
-            <a:lnRef idx="3">
-              <a:schemeClr val="accent6"/>
-            </a:lnRef>
-            <a:fillRef idx="0">
-              <a:schemeClr val="accent6"/>
-            </a:fillRef>
-            <a:effectRef idx="2">
-              <a:schemeClr val="accent6"/>
-            </a:effectRef>
-            <a:fontRef idx="minor">
-              <a:schemeClr val="tx1"/>
-            </a:fontRef>
-          </p:style>
-        </p:cxnSp>
-        <p:cxnSp>
-          <p:nvCxnSpPr>
-            <p:cNvPr id="7" name="Straight Connector 6">
-              <a:extLst>
-                <a:ext uri="{FF2B5EF4-FFF2-40B4-BE49-F238E27FC236}">
-                  <a16:creationId xmlns:a16="http://schemas.microsoft.com/office/drawing/2014/main" id="{D182A16C-9D8A-4A17-BE3E-120AC8E4521A}"/>
-                </a:ext>
-              </a:extLst>
-            </p:cNvPr>
-            <p:cNvCxnSpPr>
-              <a:cxnSpLocks/>
-            </p:cNvCxnSpPr>
-            <p:nvPr/>
-          </p:nvCxnSpPr>
-          <p:spPr>
-            <a:xfrm>
-              <a:off x="7349270" y="697242"/>
-              <a:ext cx="1027511" cy="0"/>
-            </a:xfrm>
-            <a:prstGeom prst="line">
-              <a:avLst/>
-            </a:prstGeom>
-            <a:ln cap="rnd"/>
-          </p:spPr>
-          <p:style>
-            <a:lnRef idx="3">
-              <a:schemeClr val="accent6"/>
-            </a:lnRef>
-            <a:fillRef idx="0">
-              <a:schemeClr val="accent6"/>
-            </a:fillRef>
-            <a:effectRef idx="2">
-              <a:schemeClr val="accent6"/>
-            </a:effectRef>
-            <a:fontRef idx="minor">
-              <a:schemeClr val="tx1"/>
-            </a:fontRef>
-          </p:style>
-        </p:cxnSp>
-        <p:cxnSp>
-          <p:nvCxnSpPr>
-            <p:cNvPr id="8" name="Straight Connector 7">
-              <a:extLst>
-                <a:ext uri="{FF2B5EF4-FFF2-40B4-BE49-F238E27FC236}">
-                  <a16:creationId xmlns:a16="http://schemas.microsoft.com/office/drawing/2014/main" id="{06489087-E70A-4009-85AE-578FC4B8D162}"/>
-                </a:ext>
-              </a:extLst>
-            </p:cNvPr>
-            <p:cNvCxnSpPr>
-              <a:cxnSpLocks/>
-            </p:cNvCxnSpPr>
-            <p:nvPr/>
-          </p:nvCxnSpPr>
-          <p:spPr>
-            <a:xfrm flipV="1">
-              <a:off x="7227431" y="697242"/>
-              <a:ext cx="121839" cy="76200"/>
-            </a:xfrm>
-            <a:prstGeom prst="line">
-              <a:avLst/>
-            </a:prstGeom>
-            <a:ln cap="rnd"/>
-          </p:spPr>
-          <p:style>
-            <a:lnRef idx="3">
-              <a:schemeClr val="accent6"/>
-            </a:lnRef>
-            <a:fillRef idx="0">
-              <a:schemeClr val="accent6"/>
-            </a:fillRef>
-            <a:effectRef idx="2">
-              <a:schemeClr val="accent6"/>
-            </a:effectRef>
-            <a:fontRef idx="minor">
-              <a:schemeClr val="tx1"/>
-            </a:fontRef>
-          </p:style>
-        </p:cxnSp>
-        <p:cxnSp>
-          <p:nvCxnSpPr>
-            <p:cNvPr id="9" name="Straight Connector 8">
-              <a:extLst>
-                <a:ext uri="{FF2B5EF4-FFF2-40B4-BE49-F238E27FC236}">
-                  <a16:creationId xmlns:a16="http://schemas.microsoft.com/office/drawing/2014/main" id="{B5325AAF-DF5C-48B6-A56D-722EDE0B2680}"/>
-                </a:ext>
-              </a:extLst>
-            </p:cNvPr>
-            <p:cNvCxnSpPr>
-              <a:cxnSpLocks/>
-            </p:cNvCxnSpPr>
-            <p:nvPr/>
-          </p:nvCxnSpPr>
-          <p:spPr>
-            <a:xfrm flipV="1">
-              <a:off x="5048192" y="773442"/>
-              <a:ext cx="121839" cy="76200"/>
-            </a:xfrm>
-            <a:prstGeom prst="line">
-              <a:avLst/>
-            </a:prstGeom>
-            <a:ln cap="rnd"/>
-          </p:spPr>
-          <p:style>
-            <a:lnRef idx="3">
-              <a:schemeClr val="accent6"/>
-            </a:lnRef>
-            <a:fillRef idx="0">
-              <a:schemeClr val="accent6"/>
-            </a:fillRef>
-            <a:effectRef idx="2">
-              <a:schemeClr val="accent6"/>
-            </a:effectRef>
-            <a:fontRef idx="minor">
-              <a:schemeClr val="tx1"/>
-            </a:fontRef>
-          </p:style>
-        </p:cxnSp>
-        <p:cxnSp>
-          <p:nvCxnSpPr>
-            <p:cNvPr id="10" name="Straight Connector 9">
-              <a:extLst>
-                <a:ext uri="{FF2B5EF4-FFF2-40B4-BE49-F238E27FC236}">
-                  <a16:creationId xmlns:a16="http://schemas.microsoft.com/office/drawing/2014/main" id="{3C3D5A29-BF66-496B-9AEB-4E9DB808D6DD}"/>
-                </a:ext>
-              </a:extLst>
-            </p:cNvPr>
-            <p:cNvCxnSpPr>
-              <a:cxnSpLocks/>
-            </p:cNvCxnSpPr>
-            <p:nvPr/>
-          </p:nvCxnSpPr>
-          <p:spPr>
-            <a:xfrm flipV="1">
-              <a:off x="4021655" y="849642"/>
-              <a:ext cx="1026537" cy="11668"/>
-            </a:xfrm>
-            <a:prstGeom prst="line">
-              <a:avLst/>
-            </a:prstGeom>
-            <a:ln cap="rnd"/>
-          </p:spPr>
-          <p:style>
-            <a:lnRef idx="3">
-              <a:schemeClr val="accent6"/>
-            </a:lnRef>
-            <a:fillRef idx="0">
-              <a:schemeClr val="accent6"/>
-            </a:fillRef>
-            <a:effectRef idx="2">
-              <a:schemeClr val="accent6"/>
-            </a:effectRef>
-            <a:fontRef idx="minor">
-              <a:schemeClr val="tx1"/>
-            </a:fontRef>
-          </p:style>
-        </p:cxnSp>
-        <p:sp>
-          <p:nvSpPr>
-            <p:cNvPr id="11" name="Oval 10">
-              <a:extLst>
-                <a:ext uri="{FF2B5EF4-FFF2-40B4-BE49-F238E27FC236}">
-                  <a16:creationId xmlns:a16="http://schemas.microsoft.com/office/drawing/2014/main" id="{85674D68-9AC2-45C4-B953-5391FAE46330}"/>
-                </a:ext>
-              </a:extLst>
-            </p:cNvPr>
-            <p:cNvSpPr/>
-            <p:nvPr/>
-          </p:nvSpPr>
-          <p:spPr>
-            <a:xfrm>
-              <a:off x="3971469" y="789305"/>
-              <a:ext cx="133350" cy="133350"/>
-            </a:xfrm>
-            <a:prstGeom prst="ellipse">
-              <a:avLst/>
-            </a:prstGeom>
-          </p:spPr>
-          <p:style>
-            <a:lnRef idx="2">
-              <a:schemeClr val="accent6"/>
-            </a:lnRef>
-            <a:fillRef idx="1">
-              <a:schemeClr val="lt1"/>
-            </a:fillRef>
-            <a:effectRef idx="0">
-              <a:schemeClr val="accent6"/>
-            </a:effectRef>
-            <a:fontRef idx="minor">
-              <a:schemeClr val="dk1"/>
-            </a:fontRef>
-          </p:style>
-          <p:txBody>
-            <a:bodyPr rtlCol="0" anchor="ctr"/>
-            <a:lstStyle/>
-            <a:p>
-              <a:pPr algn="ctr"/>
-              <a:endParaRPr lang="en-US" i="1" dirty="0"/>
-            </a:p>
-          </p:txBody>
-        </p:sp>
-        <p:sp>
-          <p:nvSpPr>
-            <p:cNvPr id="12" name="Oval 11">
-              <a:extLst>
-                <a:ext uri="{FF2B5EF4-FFF2-40B4-BE49-F238E27FC236}">
-                  <a16:creationId xmlns:a16="http://schemas.microsoft.com/office/drawing/2014/main" id="{698AD4D7-A8B8-4A6B-9CBB-640B4289CDCA}"/>
-                </a:ext>
-              </a:extLst>
-            </p:cNvPr>
-            <p:cNvSpPr/>
-            <p:nvPr/>
-          </p:nvSpPr>
-          <p:spPr>
-            <a:xfrm>
-              <a:off x="8336191" y="624781"/>
-              <a:ext cx="133350" cy="133350"/>
-            </a:xfrm>
-            <a:prstGeom prst="ellipse">
-              <a:avLst/>
-            </a:prstGeom>
-          </p:spPr>
-          <p:style>
-            <a:lnRef idx="2">
-              <a:schemeClr val="accent6"/>
-            </a:lnRef>
-            <a:fillRef idx="1">
-              <a:schemeClr val="lt1"/>
-            </a:fillRef>
-            <a:effectRef idx="0">
-              <a:schemeClr val="accent6"/>
-            </a:effectRef>
-            <a:fontRef idx="minor">
-              <a:schemeClr val="dk1"/>
-            </a:fontRef>
-          </p:style>
-          <p:txBody>
-            <a:bodyPr rtlCol="0" anchor="ctr"/>
-            <a:lstStyle/>
-            <a:p>
-              <a:pPr algn="ctr"/>
-              <a:endParaRPr lang="en-US" i="1" dirty="0"/>
-            </a:p>
-          </p:txBody>
-        </p:sp>
-      </p:grpSp>
-      <p:sp>
-        <p:nvSpPr>
-          <p:cNvPr id="21" name="TextBox 20">
-            <a:extLst>
-              <a:ext uri="{FF2B5EF4-FFF2-40B4-BE49-F238E27FC236}">
-                <a16:creationId xmlns:a16="http://schemas.microsoft.com/office/drawing/2014/main" id="{574F3C03-D51A-4577-B090-16E9EDCB2EEE}"/>
-              </a:ext>
-            </a:extLst>
-          </p:cNvPr>
-          <p:cNvSpPr txBox="1"/>
-          <p:nvPr/>
-        </p:nvSpPr>
-        <p:spPr>
-          <a:xfrm>
-            <a:off x="286124" y="5578019"/>
-            <a:ext cx="1353447" cy="646331"/>
-          </a:xfrm>
-          <a:prstGeom prst="rect">
-            <a:avLst/>
-          </a:prstGeom>
-          <a:noFill/>
-        </p:spPr>
-        <p:txBody>
-          <a:bodyPr wrap="none" rtlCol="0">
-            <a:spAutoFit/>
-          </a:bodyPr>
-          <a:lstStyle/>
-          <a:p>
-            <a:r>
-              <a:rPr lang="en-US" dirty="0">
-                <a:solidFill>
-                  <a:schemeClr val="accent6">
-                    <a:lumMod val="75000"/>
-                  </a:schemeClr>
-                </a:solidFill>
-              </a:rPr>
-              <a:t>Clear Screen</a:t>
-            </a:r>
-          </a:p>
-          <a:p>
-            <a:r>
-              <a:rPr lang="en-US" dirty="0">
-                <a:solidFill>
-                  <a:schemeClr val="accent6">
-                    <a:lumMod val="75000"/>
-                  </a:schemeClr>
-                </a:solidFill>
-              </a:rPr>
-              <a:t>Background</a:t>
-            </a:r>
-          </a:p>
-        </p:txBody>
-      </p:sp>
-      <p:sp>
-        <p:nvSpPr>
-          <p:cNvPr id="22" name="TextBox 21">
-            <a:extLst>
-              <a:ext uri="{FF2B5EF4-FFF2-40B4-BE49-F238E27FC236}">
-                <a16:creationId xmlns:a16="http://schemas.microsoft.com/office/drawing/2014/main" id="{5427716D-12F5-4E17-992E-30D9A89F570D}"/>
-              </a:ext>
-            </a:extLst>
-          </p:cNvPr>
-          <p:cNvSpPr txBox="1"/>
-          <p:nvPr/>
-        </p:nvSpPr>
-        <p:spPr>
-          <a:xfrm>
-            <a:off x="1959945" y="5578019"/>
-            <a:ext cx="1295035" cy="646331"/>
-          </a:xfrm>
-          <a:prstGeom prst="rect">
-            <a:avLst/>
-          </a:prstGeom>
-          <a:noFill/>
-        </p:spPr>
-        <p:txBody>
-          <a:bodyPr wrap="none" rtlCol="0">
-            <a:spAutoFit/>
-          </a:bodyPr>
-          <a:lstStyle/>
-          <a:p>
-            <a:r>
-              <a:rPr lang="en-US" dirty="0">
-                <a:solidFill>
-                  <a:schemeClr val="accent6">
-                    <a:lumMod val="75000"/>
-                  </a:schemeClr>
-                </a:solidFill>
-              </a:rPr>
-              <a:t>World</a:t>
-            </a:r>
-          </a:p>
-          <a:p>
-            <a:r>
-              <a:rPr lang="en-US" dirty="0">
-                <a:solidFill>
-                  <a:schemeClr val="accent6">
-                    <a:lumMod val="75000"/>
-                  </a:schemeClr>
-                </a:solidFill>
-              </a:rPr>
-              <a:t>Background</a:t>
-            </a:r>
-          </a:p>
-        </p:txBody>
-      </p:sp>
-      <p:sp>
-        <p:nvSpPr>
-          <p:cNvPr id="23" name="TextBox 22">
-            <a:extLst>
-              <a:ext uri="{FF2B5EF4-FFF2-40B4-BE49-F238E27FC236}">
-                <a16:creationId xmlns:a16="http://schemas.microsoft.com/office/drawing/2014/main" id="{8898C8F9-74CB-493A-8732-619DD22C3A83}"/>
-              </a:ext>
-            </a:extLst>
-          </p:cNvPr>
-          <p:cNvSpPr txBox="1"/>
-          <p:nvPr/>
-        </p:nvSpPr>
-        <p:spPr>
-          <a:xfrm>
-            <a:off x="3600765" y="5578019"/>
-            <a:ext cx="1229311" cy="646331"/>
-          </a:xfrm>
-          <a:prstGeom prst="rect">
-            <a:avLst/>
-          </a:prstGeom>
-          <a:noFill/>
-        </p:spPr>
-        <p:txBody>
-          <a:bodyPr wrap="none" rtlCol="0">
-            <a:spAutoFit/>
-          </a:bodyPr>
-          <a:lstStyle/>
-          <a:p>
-            <a:r>
-              <a:rPr lang="en-US" dirty="0">
-                <a:solidFill>
-                  <a:schemeClr val="accent6">
-                    <a:lumMod val="75000"/>
-                  </a:schemeClr>
-                </a:solidFill>
-              </a:rPr>
-              <a:t>World </a:t>
-            </a:r>
-          </a:p>
-          <a:p>
-            <a:r>
-              <a:rPr lang="en-US" dirty="0">
-                <a:solidFill>
-                  <a:schemeClr val="accent6">
-                    <a:lumMod val="75000"/>
-                  </a:schemeClr>
-                </a:solidFill>
-              </a:rPr>
-              <a:t>Midground</a:t>
-            </a:r>
-          </a:p>
-        </p:txBody>
-      </p:sp>
-      <p:sp>
-        <p:nvSpPr>
-          <p:cNvPr id="24" name="TextBox 23">
-            <a:extLst>
-              <a:ext uri="{FF2B5EF4-FFF2-40B4-BE49-F238E27FC236}">
-                <a16:creationId xmlns:a16="http://schemas.microsoft.com/office/drawing/2014/main" id="{C32AD6D6-0827-47FD-B882-734E6662588A}"/>
-              </a:ext>
-            </a:extLst>
-          </p:cNvPr>
-          <p:cNvSpPr txBox="1"/>
-          <p:nvPr/>
-        </p:nvSpPr>
-        <p:spPr>
-          <a:xfrm>
-            <a:off x="5228921" y="5578019"/>
-            <a:ext cx="855491" cy="646331"/>
-          </a:xfrm>
-          <a:prstGeom prst="rect">
-            <a:avLst/>
-          </a:prstGeom>
-          <a:noFill/>
-        </p:spPr>
-        <p:txBody>
-          <a:bodyPr wrap="none" rtlCol="0">
-            <a:spAutoFit/>
-          </a:bodyPr>
-          <a:lstStyle/>
-          <a:p>
-            <a:r>
-              <a:rPr lang="en-US" dirty="0">
-                <a:solidFill>
-                  <a:schemeClr val="accent6">
-                    <a:lumMod val="75000"/>
-                  </a:schemeClr>
-                </a:solidFill>
-              </a:rPr>
-              <a:t>Effects </a:t>
-            </a:r>
-          </a:p>
-          <a:p>
-            <a:r>
-              <a:rPr lang="en-US" dirty="0">
-                <a:solidFill>
-                  <a:schemeClr val="accent6">
-                    <a:lumMod val="75000"/>
-                  </a:schemeClr>
-                </a:solidFill>
-              </a:rPr>
-              <a:t>Layer</a:t>
-            </a:r>
-          </a:p>
-        </p:txBody>
-      </p:sp>
-      <p:sp>
-        <p:nvSpPr>
-          <p:cNvPr id="25" name="TextBox 24">
-            <a:extLst>
-              <a:ext uri="{FF2B5EF4-FFF2-40B4-BE49-F238E27FC236}">
-                <a16:creationId xmlns:a16="http://schemas.microsoft.com/office/drawing/2014/main" id="{4FE2A25E-D62C-43B0-83A4-AD894E016C0F}"/>
-              </a:ext>
-            </a:extLst>
-          </p:cNvPr>
-          <p:cNvSpPr txBox="1"/>
-          <p:nvPr/>
-        </p:nvSpPr>
-        <p:spPr>
-          <a:xfrm>
-            <a:off x="6804017" y="5578019"/>
-            <a:ext cx="1274451" cy="646331"/>
-          </a:xfrm>
-          <a:prstGeom prst="rect">
-            <a:avLst/>
-          </a:prstGeom>
-          <a:noFill/>
-        </p:spPr>
-        <p:txBody>
-          <a:bodyPr wrap="none" rtlCol="0">
-            <a:spAutoFit/>
-          </a:bodyPr>
-          <a:lstStyle/>
-          <a:p>
-            <a:r>
-              <a:rPr lang="en-US" dirty="0">
-                <a:solidFill>
-                  <a:schemeClr val="accent6">
-                    <a:lumMod val="75000"/>
-                  </a:schemeClr>
-                </a:solidFill>
-              </a:rPr>
-              <a:t>World </a:t>
-            </a:r>
-          </a:p>
-          <a:p>
-            <a:r>
-              <a:rPr lang="en-US" dirty="0">
-                <a:solidFill>
-                  <a:schemeClr val="accent6">
-                    <a:lumMod val="75000"/>
-                  </a:schemeClr>
-                </a:solidFill>
-              </a:rPr>
-              <a:t>Foreground</a:t>
-            </a:r>
-          </a:p>
-        </p:txBody>
-      </p:sp>
-      <p:sp>
-        <p:nvSpPr>
-          <p:cNvPr id="26" name="TextBox 25">
-            <a:extLst>
-              <a:ext uri="{FF2B5EF4-FFF2-40B4-BE49-F238E27FC236}">
-                <a16:creationId xmlns:a16="http://schemas.microsoft.com/office/drawing/2014/main" id="{819E7DCF-AEE3-4800-9277-B53EA6E21C19}"/>
-              </a:ext>
-            </a:extLst>
-          </p:cNvPr>
-          <p:cNvSpPr txBox="1"/>
-          <p:nvPr/>
-        </p:nvSpPr>
-        <p:spPr>
-          <a:xfrm>
-            <a:off x="8406056" y="5578019"/>
-            <a:ext cx="1106585" cy="646331"/>
-          </a:xfrm>
-          <a:prstGeom prst="rect">
-            <a:avLst/>
-          </a:prstGeom>
-          <a:noFill/>
-        </p:spPr>
-        <p:txBody>
-          <a:bodyPr wrap="none" rtlCol="0">
-            <a:spAutoFit/>
-          </a:bodyPr>
-          <a:lstStyle/>
-          <a:p>
-            <a:r>
-              <a:rPr lang="en-US" dirty="0">
-                <a:solidFill>
-                  <a:schemeClr val="accent6">
-                    <a:lumMod val="75000"/>
-                  </a:schemeClr>
-                </a:solidFill>
-              </a:rPr>
-              <a:t>World/UI </a:t>
-            </a:r>
-          </a:p>
-          <a:p>
-            <a:r>
-              <a:rPr lang="en-US" dirty="0">
-                <a:solidFill>
-                  <a:schemeClr val="accent6">
-                    <a:lumMod val="75000"/>
-                  </a:schemeClr>
-                </a:solidFill>
-              </a:rPr>
-              <a:t>Transition</a:t>
-            </a:r>
-          </a:p>
-        </p:txBody>
-      </p:sp>
-      <p:sp>
-        <p:nvSpPr>
-          <p:cNvPr id="27" name="TextBox 26">
-            <a:extLst>
-              <a:ext uri="{FF2B5EF4-FFF2-40B4-BE49-F238E27FC236}">
-                <a16:creationId xmlns:a16="http://schemas.microsoft.com/office/drawing/2014/main" id="{3FF7035B-5F33-448F-8FBE-92DAFB7A7026}"/>
-              </a:ext>
-            </a:extLst>
-          </p:cNvPr>
-          <p:cNvSpPr txBox="1"/>
-          <p:nvPr/>
-        </p:nvSpPr>
-        <p:spPr>
-          <a:xfrm>
-            <a:off x="10037130" y="5578019"/>
-            <a:ext cx="389850" cy="369332"/>
-          </a:xfrm>
-          <a:prstGeom prst="rect">
-            <a:avLst/>
-          </a:prstGeom>
-          <a:noFill/>
-        </p:spPr>
-        <p:txBody>
-          <a:bodyPr wrap="none" rtlCol="0">
-            <a:spAutoFit/>
-          </a:bodyPr>
-          <a:lstStyle/>
-          <a:p>
-            <a:r>
-              <a:rPr lang="en-US" dirty="0">
-                <a:solidFill>
-                  <a:schemeClr val="accent6">
-                    <a:lumMod val="75000"/>
-                  </a:schemeClr>
-                </a:solidFill>
-              </a:rPr>
-              <a:t>UI</a:t>
-            </a:r>
-          </a:p>
-        </p:txBody>
-      </p:sp>
-      <p:pic>
-        <p:nvPicPr>
-          <p:cNvPr id="35" name="Picture 34">
-            <a:extLst>
-              <a:ext uri="{FF2B5EF4-FFF2-40B4-BE49-F238E27FC236}">
-                <a16:creationId xmlns:a16="http://schemas.microsoft.com/office/drawing/2014/main" id="{F31141E5-29F7-4B63-A6EA-12389F90BBD4}"/>
-              </a:ext>
-            </a:extLst>
-          </p:cNvPr>
-          <p:cNvPicPr>
-            <a:picLocks noChangeAspect="1"/>
-          </p:cNvPicPr>
-          <p:nvPr/>
-        </p:nvPicPr>
-        <p:blipFill>
-          <a:blip r:embed="rId2"/>
-          <a:stretch>
-            <a:fillRect/>
-          </a:stretch>
-        </p:blipFill>
-        <p:spPr>
-          <a:xfrm>
-            <a:off x="480060" y="1168462"/>
-            <a:ext cx="11231880" cy="4362366"/>
-          </a:xfrm>
-          <a:prstGeom prst="rect">
-            <a:avLst/>
-          </a:prstGeom>
-        </p:spPr>
-      </p:pic>
-    </p:spTree>
-    <p:extLst>
-      <p:ext uri="{BB962C8B-B14F-4D97-AF65-F5344CB8AC3E}">
-        <p14:creationId xmlns:p14="http://schemas.microsoft.com/office/powerpoint/2010/main" val="4029843772"/>
-      </p:ext>
-    </p:extLst>
-  </p:cSld>
-  <p:clrMapOvr>
-    <a:masterClrMapping/>
-  </p:clrMapOvr>
-</p:sld>
-</file>
-
-<file path=ppt/slides/slide20.xml><?xml version="1.0" encoding="utf-8"?>
+<file path=ppt/slides/slide21.xml><?xml version="1.0" encoding="utf-8"?>
 <p:sld xmlns:a="http://schemas.openxmlformats.org/drawingml/2006/main" xmlns:r="http://schemas.openxmlformats.org/officeDocument/2006/relationships" xmlns:p="http://schemas.openxmlformats.org/presentationml/2006/main">
   <p:cSld>
     <p:spTree>
@@ -29520,7 +30758,7 @@
 </p:sld>
 </file>
 
-<file path=ppt/slides/slide21.xml><?xml version="1.0" encoding="utf-8"?>
+<file path=ppt/slides/slide22.xml><?xml version="1.0" encoding="utf-8"?>
 <p:sld xmlns:a="http://schemas.openxmlformats.org/drawingml/2006/main" xmlns:r="http://schemas.openxmlformats.org/officeDocument/2006/relationships" xmlns:p="http://schemas.openxmlformats.org/presentationml/2006/main">
   <p:cSld>
     <p:spTree>
@@ -35849,7 +37087,7 @@
 </p:sld>
 </file>
 
-<file path=ppt/slides/slide22.xml><?xml version="1.0" encoding="utf-8"?>
+<file path=ppt/slides/slide23.xml><?xml version="1.0" encoding="utf-8"?>
 <p:sld xmlns:a="http://schemas.openxmlformats.org/drawingml/2006/main" xmlns:r="http://schemas.openxmlformats.org/officeDocument/2006/relationships" xmlns:p="http://schemas.openxmlformats.org/presentationml/2006/main">
   <p:cSld>
     <p:spTree>
@@ -38616,7 +39854,7 @@
                   </a:schemeClr>
                 </a:solidFill>
               </a:rPr>
-              <a:t>Games v. Inheritance</a:t>
+              <a:t>Composition v. Inheritance</a:t>
             </a:r>
           </a:p>
         </p:txBody>
@@ -38966,7 +40204,7 @@
         </p:nvSpPr>
         <p:spPr>
           <a:xfrm>
-            <a:off x="370067" y="5923357"/>
+            <a:off x="352773" y="5939674"/>
             <a:ext cx="9782569" cy="276999"/>
           </a:xfrm>
           <a:prstGeom prst="rect">
@@ -39013,361 +40251,6 @@
           </a:p>
         </p:txBody>
       </p:sp>
-      <p:pic>
-        <p:nvPicPr>
-          <p:cNvPr id="3" name="Graphic 2">
-            <a:extLst>
-              <a:ext uri="{FF2B5EF4-FFF2-40B4-BE49-F238E27FC236}">
-                <a16:creationId xmlns:a16="http://schemas.microsoft.com/office/drawing/2014/main" id="{7991A83D-9BF2-4062-BD6B-3617FF893505}"/>
-              </a:ext>
-            </a:extLst>
-          </p:cNvPr>
-          <p:cNvPicPr>
-            <a:picLocks noChangeAspect="1"/>
-          </p:cNvPicPr>
-          <p:nvPr/>
-        </p:nvPicPr>
-        <p:blipFill>
-          <a:blip r:embed="rId3">
-            <a:extLst>
-              <a:ext uri="{28A0092B-C50C-407E-A947-70E740481C1C}">
-                <a14:useLocalDpi xmlns:a14="http://schemas.microsoft.com/office/drawing/2010/main" val="0"/>
-              </a:ext>
-              <a:ext uri="{96DAC541-7B7A-43D3-8B79-37D633B846F1}">
-                <asvg:svgBlip xmlns:asvg="http://schemas.microsoft.com/office/drawing/2016/SVG/main" r:embed="rId4"/>
-              </a:ext>
-            </a:extLst>
-          </a:blip>
-          <a:stretch>
-            <a:fillRect/>
-          </a:stretch>
-        </p:blipFill>
-        <p:spPr>
-          <a:xfrm>
-            <a:off x="455093" y="1134880"/>
-            <a:ext cx="1477879" cy="1477879"/>
-          </a:xfrm>
-          <a:prstGeom prst="rect">
-            <a:avLst/>
-          </a:prstGeom>
-        </p:spPr>
-      </p:pic>
-      <p:pic>
-        <p:nvPicPr>
-          <p:cNvPr id="85" name="Graphic 84">
-            <a:extLst>
-              <a:ext uri="{FF2B5EF4-FFF2-40B4-BE49-F238E27FC236}">
-                <a16:creationId xmlns:a16="http://schemas.microsoft.com/office/drawing/2014/main" id="{1F47E0A1-B21F-44CD-9622-3FBAF18EE7B8}"/>
-              </a:ext>
-            </a:extLst>
-          </p:cNvPr>
-          <p:cNvPicPr>
-            <a:picLocks noChangeAspect="1"/>
-          </p:cNvPicPr>
-          <p:nvPr/>
-        </p:nvPicPr>
-        <p:blipFill>
-          <a:blip r:embed="rId5">
-            <a:extLst>
-              <a:ext uri="{28A0092B-C50C-407E-A947-70E740481C1C}">
-                <a14:useLocalDpi xmlns:a14="http://schemas.microsoft.com/office/drawing/2010/main" val="0"/>
-              </a:ext>
-              <a:ext uri="{96DAC541-7B7A-43D3-8B79-37D633B846F1}">
-                <asvg:svgBlip xmlns:asvg="http://schemas.microsoft.com/office/drawing/2016/SVG/main" r:embed="rId6"/>
-              </a:ext>
-            </a:extLst>
-          </a:blip>
-          <a:stretch>
-            <a:fillRect/>
-          </a:stretch>
-        </p:blipFill>
-        <p:spPr>
-          <a:xfrm>
-            <a:off x="1410678" y="3808116"/>
-            <a:ext cx="1411492" cy="1411492"/>
-          </a:xfrm>
-          <a:prstGeom prst="rect">
-            <a:avLst/>
-          </a:prstGeom>
-        </p:spPr>
-      </p:pic>
-      <p:grpSp>
-        <p:nvGrpSpPr>
-          <p:cNvPr id="28" name="Group 27">
-            <a:extLst>
-              <a:ext uri="{FF2B5EF4-FFF2-40B4-BE49-F238E27FC236}">
-                <a16:creationId xmlns:a16="http://schemas.microsoft.com/office/drawing/2014/main" id="{8EC43D6D-9573-4026-AFE3-12DBFD065EBA}"/>
-              </a:ext>
-            </a:extLst>
-          </p:cNvPr>
-          <p:cNvGrpSpPr/>
-          <p:nvPr/>
-        </p:nvGrpSpPr>
-        <p:grpSpPr>
-          <a:xfrm>
-            <a:off x="2556739" y="1273320"/>
-            <a:ext cx="1343488" cy="1343488"/>
-            <a:chOff x="2493081" y="1637285"/>
-            <a:chExt cx="1477879" cy="1477879"/>
-          </a:xfrm>
-        </p:grpSpPr>
-        <p:pic>
-          <p:nvPicPr>
-            <p:cNvPr id="24" name="Graphic 23">
-              <a:extLst>
-                <a:ext uri="{FF2B5EF4-FFF2-40B4-BE49-F238E27FC236}">
-                  <a16:creationId xmlns:a16="http://schemas.microsoft.com/office/drawing/2014/main" id="{0DA268A5-5414-46B5-9837-75D75968304B}"/>
-                </a:ext>
-              </a:extLst>
-            </p:cNvPr>
-            <p:cNvPicPr>
-              <a:picLocks noChangeAspect="1"/>
-            </p:cNvPicPr>
-            <p:nvPr/>
-          </p:nvPicPr>
-          <p:blipFill>
-            <a:blip r:embed="rId7">
-              <a:extLst>
-                <a:ext uri="{28A0092B-C50C-407E-A947-70E740481C1C}">
-                  <a14:useLocalDpi xmlns:a14="http://schemas.microsoft.com/office/drawing/2010/main" val="0"/>
-                </a:ext>
-                <a:ext uri="{96DAC541-7B7A-43D3-8B79-37D633B846F1}">
-                  <asvg:svgBlip xmlns:asvg="http://schemas.microsoft.com/office/drawing/2016/SVG/main" r:embed="rId8"/>
-                </a:ext>
-              </a:extLst>
-            </a:blip>
-            <a:stretch>
-              <a:fillRect/>
-            </a:stretch>
-          </p:blipFill>
-          <p:spPr>
-            <a:xfrm>
-              <a:off x="2493081" y="1637285"/>
-              <a:ext cx="1477879" cy="1477879"/>
-            </a:xfrm>
-            <a:prstGeom prst="rect">
-              <a:avLst/>
-            </a:prstGeom>
-          </p:spPr>
-        </p:pic>
-        <p:sp>
-          <p:nvSpPr>
-            <p:cNvPr id="25" name="Oval 24">
-              <a:extLst>
-                <a:ext uri="{FF2B5EF4-FFF2-40B4-BE49-F238E27FC236}">
-                  <a16:creationId xmlns:a16="http://schemas.microsoft.com/office/drawing/2014/main" id="{1505FC8B-404F-42CA-A2CC-75756A315324}"/>
-                </a:ext>
-              </a:extLst>
-            </p:cNvPr>
-            <p:cNvSpPr/>
-            <p:nvPr/>
-          </p:nvSpPr>
-          <p:spPr>
-            <a:xfrm>
-              <a:off x="3784037" y="1965960"/>
-              <a:ext cx="181172" cy="176164"/>
-            </a:xfrm>
-            <a:prstGeom prst="ellipse">
-              <a:avLst/>
-            </a:prstGeom>
-            <a:solidFill>
-              <a:srgbClr val="FF0000"/>
-            </a:solidFill>
-            <a:ln>
-              <a:solidFill>
-                <a:srgbClr val="FF0000"/>
-              </a:solidFill>
-            </a:ln>
-          </p:spPr>
-          <p:style>
-            <a:lnRef idx="2">
-              <a:schemeClr val="accent6"/>
-            </a:lnRef>
-            <a:fillRef idx="1">
-              <a:schemeClr val="lt1"/>
-            </a:fillRef>
-            <a:effectRef idx="0">
-              <a:schemeClr val="accent6"/>
-            </a:effectRef>
-            <a:fontRef idx="minor">
-              <a:schemeClr val="dk1"/>
-            </a:fontRef>
-          </p:style>
-          <p:txBody>
-            <a:bodyPr rtlCol="0" anchor="ctr"/>
-            <a:lstStyle/>
-            <a:p>
-              <a:pPr algn="ctr"/>
-              <a:endParaRPr lang="en-US"/>
-            </a:p>
-          </p:txBody>
-        </p:sp>
-      </p:grpSp>
-      <p:sp>
-        <p:nvSpPr>
-          <p:cNvPr id="27" name="TextBox 26">
-            <a:extLst>
-              <a:ext uri="{FF2B5EF4-FFF2-40B4-BE49-F238E27FC236}">
-                <a16:creationId xmlns:a16="http://schemas.microsoft.com/office/drawing/2014/main" id="{6058A2F9-E530-446C-BF3C-FE6320DC2147}"/>
-              </a:ext>
-            </a:extLst>
-          </p:cNvPr>
-          <p:cNvSpPr txBox="1"/>
-          <p:nvPr/>
-        </p:nvSpPr>
-        <p:spPr>
-          <a:xfrm>
-            <a:off x="320868" y="2642115"/>
-            <a:ext cx="1795556" cy="646331"/>
-          </a:xfrm>
-          <a:prstGeom prst="rect">
-            <a:avLst/>
-          </a:prstGeom>
-          <a:noFill/>
-        </p:spPr>
-        <p:txBody>
-          <a:bodyPr wrap="none" rtlCol="0">
-            <a:spAutoFit/>
-          </a:bodyPr>
-          <a:lstStyle/>
-          <a:p>
-            <a:pPr algn="ctr"/>
-            <a:r>
-              <a:rPr lang="en-US" dirty="0"/>
-              <a:t>Frosty,</a:t>
-            </a:r>
-          </a:p>
-          <a:p>
-            <a:pPr algn="ctr"/>
-            <a:r>
-              <a:rPr lang="en-US" dirty="0"/>
-              <a:t>Player Controlled</a:t>
-            </a:r>
-          </a:p>
-        </p:txBody>
-      </p:sp>
-      <p:sp>
-        <p:nvSpPr>
-          <p:cNvPr id="86" name="TextBox 85">
-            <a:extLst>
-              <a:ext uri="{FF2B5EF4-FFF2-40B4-BE49-F238E27FC236}">
-                <a16:creationId xmlns:a16="http://schemas.microsoft.com/office/drawing/2014/main" id="{BBE89414-ABEA-46E8-B5AC-97DFF9CB21DA}"/>
-              </a:ext>
-            </a:extLst>
-          </p:cNvPr>
-          <p:cNvSpPr txBox="1"/>
-          <p:nvPr/>
-        </p:nvSpPr>
-        <p:spPr>
-          <a:xfrm>
-            <a:off x="2263088" y="2623233"/>
-            <a:ext cx="1411540" cy="646331"/>
-          </a:xfrm>
-          <a:prstGeom prst="rect">
-            <a:avLst/>
-          </a:prstGeom>
-          <a:noFill/>
-        </p:spPr>
-        <p:txBody>
-          <a:bodyPr wrap="none" rtlCol="0">
-            <a:spAutoFit/>
-          </a:bodyPr>
-          <a:lstStyle/>
-          <a:p>
-            <a:pPr algn="ctr"/>
-            <a:r>
-              <a:rPr lang="en-US" dirty="0"/>
-              <a:t>Rudolph,</a:t>
-            </a:r>
-          </a:p>
-          <a:p>
-            <a:pPr algn="ctr"/>
-            <a:r>
-              <a:rPr lang="en-US" dirty="0"/>
-              <a:t>AI Controlled</a:t>
-            </a:r>
-          </a:p>
-        </p:txBody>
-      </p:sp>
-      <p:sp>
-        <p:nvSpPr>
-          <p:cNvPr id="87" name="TextBox 86">
-            <a:extLst>
-              <a:ext uri="{FF2B5EF4-FFF2-40B4-BE49-F238E27FC236}">
-                <a16:creationId xmlns:a16="http://schemas.microsoft.com/office/drawing/2014/main" id="{A538B00B-0440-4B24-802F-57719F33394D}"/>
-              </a:ext>
-            </a:extLst>
-          </p:cNvPr>
-          <p:cNvSpPr txBox="1"/>
-          <p:nvPr/>
-        </p:nvSpPr>
-        <p:spPr>
-          <a:xfrm>
-            <a:off x="1882172" y="2995502"/>
-            <a:ext cx="615168" cy="923330"/>
-          </a:xfrm>
-          <a:prstGeom prst="rect">
-            <a:avLst/>
-          </a:prstGeom>
-          <a:noFill/>
-        </p:spPr>
-        <p:txBody>
-          <a:bodyPr wrap="none" rtlCol="0">
-            <a:spAutoFit/>
-          </a:bodyPr>
-          <a:lstStyle/>
-          <a:p>
-            <a:pPr algn="ctr"/>
-            <a:r>
-              <a:rPr lang="en-US" sz="5400" dirty="0"/>
-              <a:t>v.</a:t>
-            </a:r>
-          </a:p>
-        </p:txBody>
-      </p:sp>
-      <p:sp>
-        <p:nvSpPr>
-          <p:cNvPr id="88" name="TextBox 87">
-            <a:extLst>
-              <a:ext uri="{FF2B5EF4-FFF2-40B4-BE49-F238E27FC236}">
-                <a16:creationId xmlns:a16="http://schemas.microsoft.com/office/drawing/2014/main" id="{955C22DB-0273-47F6-9CCA-DC67F5957E12}"/>
-              </a:ext>
-            </a:extLst>
-          </p:cNvPr>
-          <p:cNvSpPr txBox="1"/>
-          <p:nvPr/>
-        </p:nvSpPr>
-        <p:spPr>
-          <a:xfrm>
-            <a:off x="1345131" y="5239050"/>
-            <a:ext cx="1542538" cy="646331"/>
-          </a:xfrm>
-          <a:prstGeom prst="rect">
-            <a:avLst/>
-          </a:prstGeom>
-          <a:noFill/>
-        </p:spPr>
-        <p:txBody>
-          <a:bodyPr wrap="none" rtlCol="0">
-            <a:spAutoFit/>
-          </a:bodyPr>
-          <a:lstStyle/>
-          <a:p>
-            <a:pPr algn="ctr"/>
-            <a:r>
-              <a:rPr lang="en-US" dirty="0"/>
-              <a:t>Evil Snowman,</a:t>
-            </a:r>
-          </a:p>
-          <a:p>
-            <a:pPr algn="ctr"/>
-            <a:r>
-              <a:rPr lang="en-US" dirty="0"/>
-              <a:t>AI Controlled</a:t>
-            </a:r>
-          </a:p>
-        </p:txBody>
-      </p:sp>
       <p:cxnSp>
         <p:nvCxnSpPr>
           <p:cNvPr id="89" name="Straight Connector 88">
@@ -39422,7 +40305,7 @@
         <p:spPr>
           <a:xfrm>
             <a:off x="4888847" y="2156110"/>
-            <a:ext cx="2370329" cy="1077218"/>
+            <a:ext cx="2610779" cy="830997"/>
           </a:xfrm>
           <a:prstGeom prst="rect">
             <a:avLst/>
@@ -39465,17 +40348,7 @@
                   <a:srgbClr val="FFFF00"/>
                 </a:highlight>
               </a:rPr>
-              <a:t>Snowman</a:t>
-            </a:r>
-          </a:p>
-          <a:p>
-            <a:pPr marL="1657350" lvl="3" indent="-285750">
-              <a:buFont typeface="Arial" panose="020B0604020202020204" pitchFamily="34" charset="0"/>
-              <a:buChar char="•"/>
-            </a:pPr>
-            <a:r>
-              <a:rPr lang="en-US" sz="1600" dirty="0"/>
-              <a:t>Frosty</a:t>
+              <a:t>Snowman Geo</a:t>
             </a:r>
           </a:p>
         </p:txBody>
@@ -39495,7 +40368,7 @@
         <p:spPr>
           <a:xfrm>
             <a:off x="4888847" y="3159695"/>
-            <a:ext cx="2555508" cy="1077218"/>
+            <a:ext cx="2188420" cy="830997"/>
           </a:xfrm>
           <a:prstGeom prst="rect">
             <a:avLst/>
@@ -39534,17 +40407,7 @@
             </a:pPr>
             <a:r>
               <a:rPr lang="en-US" sz="1600" dirty="0"/>
-              <a:t>Deer</a:t>
-            </a:r>
-          </a:p>
-          <a:p>
-            <a:pPr marL="1657350" lvl="3" indent="-285750">
-              <a:buFont typeface="Arial" panose="020B0604020202020204" pitchFamily="34" charset="0"/>
-              <a:buChar char="•"/>
-            </a:pPr>
-            <a:r>
-              <a:rPr lang="en-US" sz="1600" dirty="0"/>
-              <a:t>Rudolph</a:t>
+              <a:t>Deer Geo</a:t>
             </a:r>
           </a:p>
         </p:txBody>
@@ -39564,7 +40427,7 @@
         <p:spPr>
           <a:xfrm>
             <a:off x="4880419" y="4285363"/>
-            <a:ext cx="3013133" cy="1077218"/>
+            <a:ext cx="2610779" cy="830997"/>
           </a:xfrm>
           <a:prstGeom prst="rect">
             <a:avLst/>
@@ -39607,17 +40470,7 @@
                   <a:srgbClr val="FFFF00"/>
                 </a:highlight>
               </a:rPr>
-              <a:t>Snowman</a:t>
-            </a:r>
-          </a:p>
-          <a:p>
-            <a:pPr marL="1657350" lvl="3" indent="-285750">
-              <a:buFont typeface="Arial" panose="020B0604020202020204" pitchFamily="34" charset="0"/>
-              <a:buChar char="•"/>
-            </a:pPr>
-            <a:r>
-              <a:rPr lang="en-US" sz="1600" dirty="0"/>
-              <a:t>Evil Snowman</a:t>
+              <a:t>Snowman Geo</a:t>
             </a:r>
           </a:p>
         </p:txBody>
@@ -39637,7 +40490,7 @@
         <p:spPr>
           <a:xfrm>
             <a:off x="8652355" y="2140053"/>
-            <a:ext cx="2827697" cy="1107996"/>
+            <a:ext cx="2827697" cy="830997"/>
           </a:xfrm>
           <a:prstGeom prst="rect">
             <a:avLst/>
@@ -39666,7 +40519,7 @@
             </a:pPr>
             <a:r>
               <a:rPr lang="en-US" sz="1600" dirty="0"/>
-              <a:t>Snowman</a:t>
+              <a:t>Snowman Geo</a:t>
             </a:r>
           </a:p>
           <a:p>
@@ -39679,16 +40532,6 @@
               <a:t>Player Controlled</a:t>
             </a:r>
           </a:p>
-          <a:p>
-            <a:pPr marL="1657350" lvl="3" indent="-285750">
-              <a:buFont typeface="Arial" panose="020B0604020202020204" pitchFamily="34" charset="0"/>
-              <a:buChar char="•"/>
-            </a:pPr>
-            <a:r>
-              <a:rPr lang="en-US" sz="1600" dirty="0"/>
-              <a:t>Frosty</a:t>
-            </a:r>
-          </a:p>
         </p:txBody>
       </p:sp>
       <p:sp>
@@ -39706,7 +40549,7 @@
         <p:spPr>
           <a:xfrm>
             <a:off x="8652355" y="3167231"/>
-            <a:ext cx="2555508" cy="1077218"/>
+            <a:ext cx="2486130" cy="830997"/>
           </a:xfrm>
           <a:prstGeom prst="rect">
             <a:avLst/>
@@ -39735,7 +40578,7 @@
             </a:pPr>
             <a:r>
               <a:rPr lang="en-US" sz="1600" dirty="0"/>
-              <a:t>Deer</a:t>
+              <a:t>Deer Geo</a:t>
             </a:r>
           </a:p>
           <a:p>
@@ -39752,16 +40595,6 @@
               <a:t>AI Controlled</a:t>
             </a:r>
           </a:p>
-          <a:p>
-            <a:pPr marL="1657350" lvl="3" indent="-285750">
-              <a:buFont typeface="Arial" panose="020B0604020202020204" pitchFamily="34" charset="0"/>
-              <a:buChar char="•"/>
-            </a:pPr>
-            <a:r>
-              <a:rPr lang="en-US" sz="1600" dirty="0"/>
-              <a:t>Rudolph</a:t>
-            </a:r>
-          </a:p>
         </p:txBody>
       </p:sp>
       <p:sp>
@@ -39779,7 +40612,7 @@
         <p:spPr>
           <a:xfrm>
             <a:off x="8627071" y="4274889"/>
-            <a:ext cx="3013133" cy="1077218"/>
+            <a:ext cx="2486130" cy="830997"/>
           </a:xfrm>
           <a:prstGeom prst="rect">
             <a:avLst/>
@@ -39808,7 +40641,7 @@
             </a:pPr>
             <a:r>
               <a:rPr lang="en-US" sz="1600" dirty="0"/>
-              <a:t>Snowman</a:t>
+              <a:t>Snowman Geo</a:t>
             </a:r>
           </a:p>
           <a:p>
@@ -39825,16 +40658,6 @@
               <a:t>AI Controlled</a:t>
             </a:r>
           </a:p>
-          <a:p>
-            <a:pPr marL="1657350" lvl="3" indent="-285750">
-              <a:buFont typeface="Arial" panose="020B0604020202020204" pitchFamily="34" charset="0"/>
-              <a:buChar char="•"/>
-            </a:pPr>
-            <a:r>
-              <a:rPr lang="en-US" sz="1600" dirty="0"/>
-              <a:t>Evil Snowman</a:t>
-            </a:r>
-          </a:p>
         </p:txBody>
       </p:sp>
       <p:sp>
@@ -39851,7 +40674,7 @@
         </p:nvSpPr>
         <p:spPr>
           <a:xfrm>
-            <a:off x="5437224" y="978349"/>
+            <a:off x="5437224" y="1012061"/>
             <a:ext cx="5655449" cy="697843"/>
           </a:xfrm>
           <a:prstGeom prst="roundRect">
@@ -40063,6 +40886,382 @@
           </a:p>
         </p:txBody>
       </p:sp>
+      <p:pic>
+        <p:nvPicPr>
+          <p:cNvPr id="43" name="Graphic 42">
+            <a:extLst>
+              <a:ext uri="{FF2B5EF4-FFF2-40B4-BE49-F238E27FC236}">
+                <a16:creationId xmlns:a16="http://schemas.microsoft.com/office/drawing/2014/main" id="{025B9075-2167-4DE9-84EE-D5EED00C6A4E}"/>
+              </a:ext>
+            </a:extLst>
+          </p:cNvPr>
+          <p:cNvPicPr>
+            <a:picLocks noChangeAspect="1"/>
+          </p:cNvPicPr>
+          <p:nvPr/>
+        </p:nvPicPr>
+        <p:blipFill>
+          <a:blip r:embed="rId3">
+            <a:extLst>
+              <a:ext uri="{28A0092B-C50C-407E-A947-70E740481C1C}">
+                <a14:useLocalDpi xmlns:a14="http://schemas.microsoft.com/office/drawing/2010/main" val="0"/>
+              </a:ext>
+              <a:ext uri="{96DAC541-7B7A-43D3-8B79-37D633B846F1}">
+                <asvg:svgBlip xmlns:asvg="http://schemas.microsoft.com/office/drawing/2016/SVG/main" r:embed="rId4"/>
+              </a:ext>
+            </a:extLst>
+          </a:blip>
+          <a:stretch>
+            <a:fillRect/>
+          </a:stretch>
+        </p:blipFill>
+        <p:spPr>
+          <a:xfrm>
+            <a:off x="476163" y="1012762"/>
+            <a:ext cx="1477879" cy="1477879"/>
+          </a:xfrm>
+          <a:prstGeom prst="rect">
+            <a:avLst/>
+          </a:prstGeom>
+        </p:spPr>
+      </p:pic>
+      <p:pic>
+        <p:nvPicPr>
+          <p:cNvPr id="44" name="Graphic 43">
+            <a:extLst>
+              <a:ext uri="{FF2B5EF4-FFF2-40B4-BE49-F238E27FC236}">
+                <a16:creationId xmlns:a16="http://schemas.microsoft.com/office/drawing/2014/main" id="{2C8EE59D-0177-4CD6-9CE3-B1CBFB059B98}"/>
+              </a:ext>
+            </a:extLst>
+          </p:cNvPr>
+          <p:cNvPicPr>
+            <a:picLocks noChangeAspect="1"/>
+          </p:cNvPicPr>
+          <p:nvPr/>
+        </p:nvPicPr>
+        <p:blipFill>
+          <a:blip r:embed="rId5">
+            <a:extLst>
+              <a:ext uri="{28A0092B-C50C-407E-A947-70E740481C1C}">
+                <a14:useLocalDpi xmlns:a14="http://schemas.microsoft.com/office/drawing/2010/main" val="0"/>
+              </a:ext>
+              <a:ext uri="{96DAC541-7B7A-43D3-8B79-37D633B846F1}">
+                <asvg:svgBlip xmlns:asvg="http://schemas.microsoft.com/office/drawing/2016/SVG/main" r:embed="rId6"/>
+              </a:ext>
+            </a:extLst>
+          </a:blip>
+          <a:stretch>
+            <a:fillRect/>
+          </a:stretch>
+        </p:blipFill>
+        <p:spPr>
+          <a:xfrm>
+            <a:off x="724683" y="4036864"/>
+            <a:ext cx="1411492" cy="1411492"/>
+          </a:xfrm>
+          <a:prstGeom prst="rect">
+            <a:avLst/>
+          </a:prstGeom>
+        </p:spPr>
+      </p:pic>
+      <p:grpSp>
+        <p:nvGrpSpPr>
+          <p:cNvPr id="45" name="Group 44">
+            <a:extLst>
+              <a:ext uri="{FF2B5EF4-FFF2-40B4-BE49-F238E27FC236}">
+                <a16:creationId xmlns:a16="http://schemas.microsoft.com/office/drawing/2014/main" id="{F977270F-4013-4D2C-A8EA-65C005F2B746}"/>
+              </a:ext>
+            </a:extLst>
+          </p:cNvPr>
+          <p:cNvGrpSpPr/>
+          <p:nvPr/>
+        </p:nvGrpSpPr>
+        <p:grpSpPr>
+          <a:xfrm>
+            <a:off x="2577809" y="1151202"/>
+            <a:ext cx="1343488" cy="1343488"/>
+            <a:chOff x="2493081" y="1637285"/>
+            <a:chExt cx="1477879" cy="1477879"/>
+          </a:xfrm>
+        </p:grpSpPr>
+        <p:pic>
+          <p:nvPicPr>
+            <p:cNvPr id="46" name="Graphic 45">
+              <a:extLst>
+                <a:ext uri="{FF2B5EF4-FFF2-40B4-BE49-F238E27FC236}">
+                  <a16:creationId xmlns:a16="http://schemas.microsoft.com/office/drawing/2014/main" id="{635B7B9B-1DB6-4929-B3B9-40680BE3065B}"/>
+                </a:ext>
+              </a:extLst>
+            </p:cNvPr>
+            <p:cNvPicPr>
+              <a:picLocks noChangeAspect="1"/>
+            </p:cNvPicPr>
+            <p:nvPr/>
+          </p:nvPicPr>
+          <p:blipFill>
+            <a:blip r:embed="rId7">
+              <a:extLst>
+                <a:ext uri="{28A0092B-C50C-407E-A947-70E740481C1C}">
+                  <a14:useLocalDpi xmlns:a14="http://schemas.microsoft.com/office/drawing/2010/main" val="0"/>
+                </a:ext>
+                <a:ext uri="{96DAC541-7B7A-43D3-8B79-37D633B846F1}">
+                  <asvg:svgBlip xmlns:asvg="http://schemas.microsoft.com/office/drawing/2016/SVG/main" r:embed="rId8"/>
+                </a:ext>
+              </a:extLst>
+            </a:blip>
+            <a:stretch>
+              <a:fillRect/>
+            </a:stretch>
+          </p:blipFill>
+          <p:spPr>
+            <a:xfrm>
+              <a:off x="2493081" y="1637285"/>
+              <a:ext cx="1477879" cy="1477879"/>
+            </a:xfrm>
+            <a:prstGeom prst="rect">
+              <a:avLst/>
+            </a:prstGeom>
+          </p:spPr>
+        </p:pic>
+        <p:sp>
+          <p:nvSpPr>
+            <p:cNvPr id="47" name="Oval 46">
+              <a:extLst>
+                <a:ext uri="{FF2B5EF4-FFF2-40B4-BE49-F238E27FC236}">
+                  <a16:creationId xmlns:a16="http://schemas.microsoft.com/office/drawing/2014/main" id="{7CC9B96F-D94B-42D8-9C3A-424CF1C2CDCB}"/>
+                </a:ext>
+              </a:extLst>
+            </p:cNvPr>
+            <p:cNvSpPr/>
+            <p:nvPr/>
+          </p:nvSpPr>
+          <p:spPr>
+            <a:xfrm>
+              <a:off x="3784037" y="1965960"/>
+              <a:ext cx="181172" cy="176164"/>
+            </a:xfrm>
+            <a:prstGeom prst="ellipse">
+              <a:avLst/>
+            </a:prstGeom>
+            <a:solidFill>
+              <a:srgbClr val="FF0000"/>
+            </a:solidFill>
+            <a:ln>
+              <a:solidFill>
+                <a:srgbClr val="FF0000"/>
+              </a:solidFill>
+            </a:ln>
+          </p:spPr>
+          <p:style>
+            <a:lnRef idx="2">
+              <a:schemeClr val="accent6"/>
+            </a:lnRef>
+            <a:fillRef idx="1">
+              <a:schemeClr val="lt1"/>
+            </a:fillRef>
+            <a:effectRef idx="0">
+              <a:schemeClr val="accent6"/>
+            </a:effectRef>
+            <a:fontRef idx="minor">
+              <a:schemeClr val="dk1"/>
+            </a:fontRef>
+          </p:style>
+          <p:txBody>
+            <a:bodyPr rtlCol="0" anchor="ctr"/>
+            <a:lstStyle/>
+            <a:p>
+              <a:pPr algn="ctr"/>
+              <a:endParaRPr lang="en-US"/>
+            </a:p>
+          </p:txBody>
+        </p:sp>
+      </p:grpSp>
+      <p:sp>
+        <p:nvSpPr>
+          <p:cNvPr id="48" name="TextBox 47">
+            <a:extLst>
+              <a:ext uri="{FF2B5EF4-FFF2-40B4-BE49-F238E27FC236}">
+                <a16:creationId xmlns:a16="http://schemas.microsoft.com/office/drawing/2014/main" id="{112D9912-2F7B-444D-81DB-43409F808C90}"/>
+              </a:ext>
+            </a:extLst>
+          </p:cNvPr>
+          <p:cNvSpPr txBox="1"/>
+          <p:nvPr/>
+        </p:nvSpPr>
+        <p:spPr>
+          <a:xfrm>
+            <a:off x="341938" y="2519997"/>
+            <a:ext cx="1795556" cy="923330"/>
+          </a:xfrm>
+          <a:prstGeom prst="rect">
+            <a:avLst/>
+          </a:prstGeom>
+          <a:noFill/>
+        </p:spPr>
+        <p:txBody>
+          <a:bodyPr wrap="none" rtlCol="0">
+            <a:spAutoFit/>
+          </a:bodyPr>
+          <a:lstStyle/>
+          <a:p>
+            <a:pPr algn="ctr"/>
+            <a:r>
+              <a:rPr lang="en-US" dirty="0"/>
+              <a:t>“Frosty”,</a:t>
+            </a:r>
+          </a:p>
+          <a:p>
+            <a:pPr algn="ctr"/>
+            <a:r>
+              <a:rPr lang="en-US" dirty="0"/>
+              <a:t>Snowman Geo +</a:t>
+            </a:r>
+          </a:p>
+          <a:p>
+            <a:pPr algn="ctr"/>
+            <a:r>
+              <a:rPr lang="en-US" dirty="0"/>
+              <a:t>Player Controlled</a:t>
+            </a:r>
+          </a:p>
+        </p:txBody>
+      </p:sp>
+      <p:sp>
+        <p:nvSpPr>
+          <p:cNvPr id="49" name="TextBox 48">
+            <a:extLst>
+              <a:ext uri="{FF2B5EF4-FFF2-40B4-BE49-F238E27FC236}">
+                <a16:creationId xmlns:a16="http://schemas.microsoft.com/office/drawing/2014/main" id="{40C7EB0C-BCF8-44A3-A3B7-085170E407F3}"/>
+              </a:ext>
+            </a:extLst>
+          </p:cNvPr>
+          <p:cNvSpPr txBox="1"/>
+          <p:nvPr/>
+        </p:nvSpPr>
+        <p:spPr>
+          <a:xfrm>
+            <a:off x="2284159" y="2501115"/>
+            <a:ext cx="1411540" cy="923330"/>
+          </a:xfrm>
+          <a:prstGeom prst="rect">
+            <a:avLst/>
+          </a:prstGeom>
+          <a:noFill/>
+        </p:spPr>
+        <p:txBody>
+          <a:bodyPr wrap="none" rtlCol="0">
+            <a:spAutoFit/>
+          </a:bodyPr>
+          <a:lstStyle/>
+          <a:p>
+            <a:pPr algn="ctr"/>
+            <a:r>
+              <a:rPr lang="en-US" dirty="0"/>
+              <a:t>“Rudolph”,</a:t>
+            </a:r>
+          </a:p>
+          <a:p>
+            <a:pPr algn="ctr"/>
+            <a:r>
+              <a:rPr lang="en-US" dirty="0"/>
+              <a:t>Deer Geo +</a:t>
+            </a:r>
+          </a:p>
+          <a:p>
+            <a:pPr algn="ctr"/>
+            <a:r>
+              <a:rPr lang="en-US" dirty="0"/>
+              <a:t>AI Controlled</a:t>
+            </a:r>
+          </a:p>
+        </p:txBody>
+      </p:sp>
+      <p:sp>
+        <p:nvSpPr>
+          <p:cNvPr id="50" name="TextBox 49">
+            <a:extLst>
+              <a:ext uri="{FF2B5EF4-FFF2-40B4-BE49-F238E27FC236}">
+                <a16:creationId xmlns:a16="http://schemas.microsoft.com/office/drawing/2014/main" id="{1127AC59-CC9C-491B-BB2F-0E7C45CC738D}"/>
+              </a:ext>
+            </a:extLst>
+          </p:cNvPr>
+          <p:cNvSpPr txBox="1"/>
+          <p:nvPr/>
+        </p:nvSpPr>
+        <p:spPr>
+          <a:xfrm>
+            <a:off x="1903242" y="3148479"/>
+            <a:ext cx="615168" cy="923330"/>
+          </a:xfrm>
+          <a:prstGeom prst="rect">
+            <a:avLst/>
+          </a:prstGeom>
+          <a:noFill/>
+        </p:spPr>
+        <p:txBody>
+          <a:bodyPr wrap="none" rtlCol="0">
+            <a:spAutoFit/>
+          </a:bodyPr>
+          <a:lstStyle/>
+          <a:p>
+            <a:pPr algn="ctr"/>
+            <a:r>
+              <a:rPr lang="en-US" sz="5400" dirty="0"/>
+              <a:t>v.</a:t>
+            </a:r>
+          </a:p>
+        </p:txBody>
+      </p:sp>
+      <p:sp>
+        <p:nvSpPr>
+          <p:cNvPr id="51" name="TextBox 50">
+            <a:extLst>
+              <a:ext uri="{FF2B5EF4-FFF2-40B4-BE49-F238E27FC236}">
+                <a16:creationId xmlns:a16="http://schemas.microsoft.com/office/drawing/2014/main" id="{005700F6-247F-4194-9077-2718792E3D4E}"/>
+              </a:ext>
+            </a:extLst>
+          </p:cNvPr>
+          <p:cNvSpPr txBox="1"/>
+          <p:nvPr/>
+        </p:nvSpPr>
+        <p:spPr>
+          <a:xfrm>
+            <a:off x="2127467" y="4360601"/>
+            <a:ext cx="1712584" cy="923330"/>
+          </a:xfrm>
+          <a:prstGeom prst="rect">
+            <a:avLst/>
+          </a:prstGeom>
+          <a:noFill/>
+        </p:spPr>
+        <p:txBody>
+          <a:bodyPr wrap="none" rtlCol="0">
+            <a:spAutoFit/>
+          </a:bodyPr>
+          <a:lstStyle/>
+          <a:p>
+            <a:pPr algn="ctr"/>
+            <a:r>
+              <a:rPr lang="en-US" dirty="0"/>
+              <a:t>“Evil Snowman”,</a:t>
+            </a:r>
+          </a:p>
+          <a:p>
+            <a:pPr algn="ctr"/>
+            <a:r>
+              <a:rPr lang="en-US" dirty="0"/>
+              <a:t>Snowman Geo +</a:t>
+            </a:r>
+          </a:p>
+          <a:p>
+            <a:pPr algn="ctr"/>
+            <a:r>
+              <a:rPr lang="en-US" dirty="0"/>
+              <a:t>AI Controlled</a:t>
+            </a:r>
+          </a:p>
+        </p:txBody>
+      </p:sp>
     </p:spTree>
     <p:extLst>
       <p:ext uri="{BB962C8B-B14F-4D97-AF65-F5344CB8AC3E}">
@@ -40077,6 +41276,2050 @@
 </file>
 
 <file path=ppt/slides/slide5.xml><?xml version="1.0" encoding="utf-8"?>
+<p:sld xmlns:a="http://schemas.openxmlformats.org/drawingml/2006/main" xmlns:r="http://schemas.openxmlformats.org/officeDocument/2006/relationships" xmlns:p="http://schemas.openxmlformats.org/presentationml/2006/main">
+  <p:cSld>
+    <p:spTree>
+      <p:nvGrpSpPr>
+        <p:cNvPr id="1" name=""/>
+        <p:cNvGrpSpPr/>
+        <p:nvPr/>
+      </p:nvGrpSpPr>
+      <p:grpSpPr>
+        <a:xfrm>
+          <a:off x="0" y="0"/>
+          <a:ext cx="0" cy="0"/>
+          <a:chOff x="0" y="0"/>
+          <a:chExt cx="0" cy="0"/>
+        </a:xfrm>
+      </p:grpSpPr>
+      <p:grpSp>
+        <p:nvGrpSpPr>
+          <p:cNvPr id="56" name="Group 55" hidden="1">
+            <a:extLst>
+              <a:ext uri="{FF2B5EF4-FFF2-40B4-BE49-F238E27FC236}">
+                <a16:creationId xmlns:a16="http://schemas.microsoft.com/office/drawing/2014/main" id="{54026DAA-36F8-422F-9520-AD84DB6DAFDF}"/>
+              </a:ext>
+            </a:extLst>
+          </p:cNvPr>
+          <p:cNvGrpSpPr/>
+          <p:nvPr/>
+        </p:nvGrpSpPr>
+        <p:grpSpPr>
+          <a:xfrm>
+            <a:off x="-13842" y="0"/>
+            <a:ext cx="12205842" cy="6879530"/>
+            <a:chOff x="-13842" y="0"/>
+            <a:chExt cx="12205842" cy="6879530"/>
+          </a:xfrm>
+        </p:grpSpPr>
+        <p:sp>
+          <p:nvSpPr>
+            <p:cNvPr id="57" name="Rectangle 56">
+              <a:extLst>
+                <a:ext uri="{FF2B5EF4-FFF2-40B4-BE49-F238E27FC236}">
+                  <a16:creationId xmlns:a16="http://schemas.microsoft.com/office/drawing/2014/main" id="{46B7B7D0-A4FD-4FBC-9CA4-F1069F2DC0EB}"/>
+                </a:ext>
+              </a:extLst>
+            </p:cNvPr>
+            <p:cNvSpPr/>
+            <p:nvPr/>
+          </p:nvSpPr>
+          <p:spPr>
+            <a:xfrm>
+              <a:off x="10143129" y="5933963"/>
+              <a:ext cx="365760" cy="562475"/>
+            </a:xfrm>
+            <a:prstGeom prst="rect">
+              <a:avLst/>
+            </a:prstGeom>
+            <a:solidFill>
+              <a:srgbClr val="000000">
+                <a:alpha val="50196"/>
+              </a:srgbClr>
+            </a:solidFill>
+            <a:ln>
+              <a:solidFill>
+                <a:schemeClr val="tx1"/>
+              </a:solidFill>
+            </a:ln>
+          </p:spPr>
+          <p:style>
+            <a:lnRef idx="2">
+              <a:schemeClr val="accent6"/>
+            </a:lnRef>
+            <a:fillRef idx="1">
+              <a:schemeClr val="lt1"/>
+            </a:fillRef>
+            <a:effectRef idx="0">
+              <a:schemeClr val="accent6"/>
+            </a:effectRef>
+            <a:fontRef idx="minor">
+              <a:schemeClr val="dk1"/>
+            </a:fontRef>
+          </p:style>
+          <p:txBody>
+            <a:bodyPr rtlCol="0" anchor="ctr"/>
+            <a:lstStyle/>
+            <a:p>
+              <a:pPr algn="ctr"/>
+              <a:endParaRPr lang="en-US" dirty="0"/>
+            </a:p>
+          </p:txBody>
+        </p:sp>
+        <p:grpSp>
+          <p:nvGrpSpPr>
+            <p:cNvPr id="63" name="Group 62">
+              <a:extLst>
+                <a:ext uri="{FF2B5EF4-FFF2-40B4-BE49-F238E27FC236}">
+                  <a16:creationId xmlns:a16="http://schemas.microsoft.com/office/drawing/2014/main" id="{576166AA-A5A6-4D59-B3BE-6FD151115DB4}"/>
+                </a:ext>
+              </a:extLst>
+            </p:cNvPr>
+            <p:cNvGrpSpPr/>
+            <p:nvPr/>
+          </p:nvGrpSpPr>
+          <p:grpSpPr>
+            <a:xfrm>
+              <a:off x="-13842" y="0"/>
+              <a:ext cx="12205842" cy="6879530"/>
+              <a:chOff x="-6921" y="-5526"/>
+              <a:chExt cx="12205842" cy="6879530"/>
+            </a:xfrm>
+          </p:grpSpPr>
+          <p:sp>
+            <p:nvSpPr>
+              <p:cNvPr id="65" name="Rectangle 64">
+                <a:extLst>
+                  <a:ext uri="{FF2B5EF4-FFF2-40B4-BE49-F238E27FC236}">
+                    <a16:creationId xmlns:a16="http://schemas.microsoft.com/office/drawing/2014/main" id="{D19A85FF-A0C0-4B1A-9D89-5B5CFC8B20D3}"/>
+                  </a:ext>
+                </a:extLst>
+              </p:cNvPr>
+              <p:cNvSpPr/>
+              <p:nvPr/>
+            </p:nvSpPr>
+            <p:spPr>
+              <a:xfrm>
+                <a:off x="-6921" y="-5526"/>
+                <a:ext cx="12198921" cy="365760"/>
+              </a:xfrm>
+              <a:prstGeom prst="rect">
+                <a:avLst/>
+              </a:prstGeom>
+              <a:solidFill>
+                <a:srgbClr val="000000">
+                  <a:alpha val="50196"/>
+                </a:srgbClr>
+              </a:solidFill>
+              <a:ln>
+                <a:solidFill>
+                  <a:schemeClr val="tx1"/>
+                </a:solidFill>
+              </a:ln>
+            </p:spPr>
+            <p:style>
+              <a:lnRef idx="2">
+                <a:schemeClr val="accent6"/>
+              </a:lnRef>
+              <a:fillRef idx="1">
+                <a:schemeClr val="lt1"/>
+              </a:fillRef>
+              <a:effectRef idx="0">
+                <a:schemeClr val="accent6"/>
+              </a:effectRef>
+              <a:fontRef idx="minor">
+                <a:schemeClr val="dk1"/>
+              </a:fontRef>
+            </p:style>
+            <p:txBody>
+              <a:bodyPr rtlCol="0" anchor="ctr"/>
+              <a:lstStyle/>
+              <a:p>
+                <a:pPr algn="ctr"/>
+                <a:endParaRPr lang="en-US"/>
+              </a:p>
+            </p:txBody>
+          </p:sp>
+          <p:sp>
+            <p:nvSpPr>
+              <p:cNvPr id="74" name="Rectangle 73">
+                <a:extLst>
+                  <a:ext uri="{FF2B5EF4-FFF2-40B4-BE49-F238E27FC236}">
+                    <a16:creationId xmlns:a16="http://schemas.microsoft.com/office/drawing/2014/main" id="{E0EF62C4-9490-42CE-A98F-8961813D8B13}"/>
+                  </a:ext>
+                </a:extLst>
+              </p:cNvPr>
+              <p:cNvSpPr/>
+              <p:nvPr/>
+            </p:nvSpPr>
+            <p:spPr>
+              <a:xfrm>
+                <a:off x="0" y="356110"/>
+                <a:ext cx="365760" cy="6509075"/>
+              </a:xfrm>
+              <a:prstGeom prst="rect">
+                <a:avLst/>
+              </a:prstGeom>
+              <a:solidFill>
+                <a:srgbClr val="000000">
+                  <a:alpha val="50196"/>
+                </a:srgbClr>
+              </a:solidFill>
+              <a:ln>
+                <a:solidFill>
+                  <a:schemeClr val="tx1"/>
+                </a:solidFill>
+              </a:ln>
+            </p:spPr>
+            <p:style>
+              <a:lnRef idx="2">
+                <a:schemeClr val="accent6"/>
+              </a:lnRef>
+              <a:fillRef idx="1">
+                <a:schemeClr val="lt1"/>
+              </a:fillRef>
+              <a:effectRef idx="0">
+                <a:schemeClr val="accent6"/>
+              </a:effectRef>
+              <a:fontRef idx="minor">
+                <a:schemeClr val="dk1"/>
+              </a:fontRef>
+            </p:style>
+            <p:txBody>
+              <a:bodyPr rtlCol="0" anchor="ctr"/>
+              <a:lstStyle/>
+              <a:p>
+                <a:pPr algn="ctr"/>
+                <a:endParaRPr lang="en-US"/>
+              </a:p>
+            </p:txBody>
+          </p:sp>
+          <p:sp>
+            <p:nvSpPr>
+              <p:cNvPr id="77" name="Rectangle 76">
+                <a:extLst>
+                  <a:ext uri="{FF2B5EF4-FFF2-40B4-BE49-F238E27FC236}">
+                    <a16:creationId xmlns:a16="http://schemas.microsoft.com/office/drawing/2014/main" id="{FB3DB8EB-539C-40B1-9D22-F3623EAC545F}"/>
+                  </a:ext>
+                </a:extLst>
+              </p:cNvPr>
+              <p:cNvSpPr/>
+              <p:nvPr/>
+            </p:nvSpPr>
+            <p:spPr>
+              <a:xfrm>
+                <a:off x="11833161" y="356111"/>
+                <a:ext cx="365760" cy="6517893"/>
+              </a:xfrm>
+              <a:prstGeom prst="rect">
+                <a:avLst/>
+              </a:prstGeom>
+              <a:solidFill>
+                <a:srgbClr val="000000">
+                  <a:alpha val="50196"/>
+                </a:srgbClr>
+              </a:solidFill>
+              <a:ln>
+                <a:solidFill>
+                  <a:schemeClr val="tx1"/>
+                </a:solidFill>
+              </a:ln>
+            </p:spPr>
+            <p:style>
+              <a:lnRef idx="2">
+                <a:schemeClr val="accent6"/>
+              </a:lnRef>
+              <a:fillRef idx="1">
+                <a:schemeClr val="lt1"/>
+              </a:fillRef>
+              <a:effectRef idx="0">
+                <a:schemeClr val="accent6"/>
+              </a:effectRef>
+              <a:fontRef idx="minor">
+                <a:schemeClr val="dk1"/>
+              </a:fontRef>
+            </p:style>
+            <p:txBody>
+              <a:bodyPr rtlCol="0" anchor="ctr"/>
+              <a:lstStyle/>
+              <a:p>
+                <a:pPr algn="ctr"/>
+                <a:endParaRPr lang="en-US" dirty="0"/>
+              </a:p>
+            </p:txBody>
+          </p:sp>
+          <p:sp>
+            <p:nvSpPr>
+              <p:cNvPr id="78" name="Rectangle 77">
+                <a:extLst>
+                  <a:ext uri="{FF2B5EF4-FFF2-40B4-BE49-F238E27FC236}">
+                    <a16:creationId xmlns:a16="http://schemas.microsoft.com/office/drawing/2014/main" id="{A8F3C442-4590-4ACE-A6BB-26671AE1261C}"/>
+                  </a:ext>
+                </a:extLst>
+              </p:cNvPr>
+              <p:cNvSpPr/>
+              <p:nvPr/>
+            </p:nvSpPr>
+            <p:spPr>
+              <a:xfrm>
+                <a:off x="359277" y="6497894"/>
+                <a:ext cx="11473884" cy="365760"/>
+              </a:xfrm>
+              <a:prstGeom prst="rect">
+                <a:avLst/>
+              </a:prstGeom>
+              <a:solidFill>
+                <a:srgbClr val="000000">
+                  <a:alpha val="50196"/>
+                </a:srgbClr>
+              </a:solidFill>
+              <a:ln>
+                <a:solidFill>
+                  <a:schemeClr val="tx1"/>
+                </a:solidFill>
+              </a:ln>
+            </p:spPr>
+            <p:style>
+              <a:lnRef idx="2">
+                <a:schemeClr val="accent6"/>
+              </a:lnRef>
+              <a:fillRef idx="1">
+                <a:schemeClr val="lt1"/>
+              </a:fillRef>
+              <a:effectRef idx="0">
+                <a:schemeClr val="accent6"/>
+              </a:effectRef>
+              <a:fontRef idx="minor">
+                <a:schemeClr val="dk1"/>
+              </a:fontRef>
+            </p:style>
+            <p:txBody>
+              <a:bodyPr rtlCol="0" anchor="ctr"/>
+              <a:lstStyle/>
+              <a:p>
+                <a:pPr algn="ctr"/>
+                <a:endParaRPr lang="en-US"/>
+              </a:p>
+            </p:txBody>
+          </p:sp>
+          <p:sp>
+            <p:nvSpPr>
+              <p:cNvPr id="79" name="Rectangle 78">
+                <a:extLst>
+                  <a:ext uri="{FF2B5EF4-FFF2-40B4-BE49-F238E27FC236}">
+                    <a16:creationId xmlns:a16="http://schemas.microsoft.com/office/drawing/2014/main" id="{62729420-B9A6-48DD-BDA3-EB3DF7B11758}"/>
+                  </a:ext>
+                </a:extLst>
+              </p:cNvPr>
+              <p:cNvSpPr/>
+              <p:nvPr/>
+            </p:nvSpPr>
+            <p:spPr>
+              <a:xfrm>
+                <a:off x="365761" y="633324"/>
+                <a:ext cx="11474322" cy="365760"/>
+              </a:xfrm>
+              <a:prstGeom prst="rect">
+                <a:avLst/>
+              </a:prstGeom>
+              <a:solidFill>
+                <a:srgbClr val="000000">
+                  <a:alpha val="50196"/>
+                </a:srgbClr>
+              </a:solidFill>
+              <a:ln>
+                <a:solidFill>
+                  <a:schemeClr val="tx1"/>
+                </a:solidFill>
+              </a:ln>
+            </p:spPr>
+            <p:style>
+              <a:lnRef idx="2">
+                <a:schemeClr val="accent6"/>
+              </a:lnRef>
+              <a:fillRef idx="1">
+                <a:schemeClr val="lt1"/>
+              </a:fillRef>
+              <a:effectRef idx="0">
+                <a:schemeClr val="accent6"/>
+              </a:effectRef>
+              <a:fontRef idx="minor">
+                <a:schemeClr val="dk1"/>
+              </a:fontRef>
+            </p:style>
+            <p:txBody>
+              <a:bodyPr rtlCol="0" anchor="ctr"/>
+              <a:lstStyle/>
+              <a:p>
+                <a:pPr algn="ctr"/>
+                <a:endParaRPr lang="en-US"/>
+              </a:p>
+            </p:txBody>
+          </p:sp>
+          <p:sp>
+            <p:nvSpPr>
+              <p:cNvPr id="82" name="Rectangle 81">
+                <a:extLst>
+                  <a:ext uri="{FF2B5EF4-FFF2-40B4-BE49-F238E27FC236}">
+                    <a16:creationId xmlns:a16="http://schemas.microsoft.com/office/drawing/2014/main" id="{1AF5FF56-4F22-4FC4-8C60-483BD43E6DBE}"/>
+                  </a:ext>
+                </a:extLst>
+              </p:cNvPr>
+              <p:cNvSpPr/>
+              <p:nvPr/>
+            </p:nvSpPr>
+            <p:spPr>
+              <a:xfrm>
+                <a:off x="359277" y="5923357"/>
+                <a:ext cx="9788189" cy="562475"/>
+              </a:xfrm>
+              <a:prstGeom prst="rect">
+                <a:avLst/>
+              </a:prstGeom>
+              <a:solidFill>
+                <a:srgbClr val="000000">
+                  <a:alpha val="23137"/>
+                </a:srgbClr>
+              </a:solidFill>
+              <a:ln>
+                <a:solidFill>
+                  <a:schemeClr val="tx1"/>
+                </a:solidFill>
+              </a:ln>
+            </p:spPr>
+            <p:style>
+              <a:lnRef idx="2">
+                <a:schemeClr val="accent6"/>
+              </a:lnRef>
+              <a:fillRef idx="1">
+                <a:schemeClr val="lt1"/>
+              </a:fillRef>
+              <a:effectRef idx="0">
+                <a:schemeClr val="accent6"/>
+              </a:effectRef>
+              <a:fontRef idx="minor">
+                <a:schemeClr val="dk1"/>
+              </a:fontRef>
+            </p:style>
+            <p:txBody>
+              <a:bodyPr rtlCol="0" anchor="ctr"/>
+              <a:lstStyle/>
+              <a:p>
+                <a:pPr algn="ctr"/>
+                <a:endParaRPr lang="en-US"/>
+              </a:p>
+            </p:txBody>
+          </p:sp>
+        </p:grpSp>
+      </p:grpSp>
+      <p:sp>
+        <p:nvSpPr>
+          <p:cNvPr id="4" name="TextBox 3">
+            <a:extLst>
+              <a:ext uri="{FF2B5EF4-FFF2-40B4-BE49-F238E27FC236}">
+                <a16:creationId xmlns:a16="http://schemas.microsoft.com/office/drawing/2014/main" id="{3274F10B-2894-4A33-A5B9-4AC884052E9E}"/>
+              </a:ext>
+            </a:extLst>
+          </p:cNvPr>
+          <p:cNvSpPr txBox="1"/>
+          <p:nvPr/>
+        </p:nvSpPr>
+        <p:spPr>
+          <a:xfrm>
+            <a:off x="0" y="250222"/>
+            <a:ext cx="12192000" cy="523220"/>
+          </a:xfrm>
+          <a:prstGeom prst="rect">
+            <a:avLst/>
+          </a:prstGeom>
+          <a:noFill/>
+        </p:spPr>
+        <p:txBody>
+          <a:bodyPr wrap="square" rtlCol="0">
+            <a:spAutoFit/>
+          </a:bodyPr>
+          <a:lstStyle/>
+          <a:p>
+            <a:pPr algn="ctr"/>
+            <a:r>
+              <a:rPr lang="en-US" sz="2800" dirty="0">
+                <a:solidFill>
+                  <a:schemeClr val="accent6">
+                    <a:lumMod val="75000"/>
+                  </a:schemeClr>
+                </a:solidFill>
+              </a:rPr>
+              <a:t>Object Composition</a:t>
+            </a:r>
+          </a:p>
+        </p:txBody>
+      </p:sp>
+      <p:grpSp>
+        <p:nvGrpSpPr>
+          <p:cNvPr id="5" name="Group 4">
+            <a:extLst>
+              <a:ext uri="{FF2B5EF4-FFF2-40B4-BE49-F238E27FC236}">
+                <a16:creationId xmlns:a16="http://schemas.microsoft.com/office/drawing/2014/main" id="{78C035D4-93A6-45F4-87ED-F5F6540844BF}"/>
+              </a:ext>
+            </a:extLst>
+          </p:cNvPr>
+          <p:cNvGrpSpPr/>
+          <p:nvPr/>
+        </p:nvGrpSpPr>
+        <p:grpSpPr>
+          <a:xfrm>
+            <a:off x="3766877" y="629685"/>
+            <a:ext cx="4498072" cy="297874"/>
+            <a:chOff x="3971469" y="624781"/>
+            <a:chExt cx="4498072" cy="297874"/>
+          </a:xfrm>
+        </p:grpSpPr>
+        <p:cxnSp>
+          <p:nvCxnSpPr>
+            <p:cNvPr id="6" name="Straight Connector 5">
+              <a:extLst>
+                <a:ext uri="{FF2B5EF4-FFF2-40B4-BE49-F238E27FC236}">
+                  <a16:creationId xmlns:a16="http://schemas.microsoft.com/office/drawing/2014/main" id="{C246D23C-CF90-4758-B1F8-E2B8A19949F9}"/>
+                </a:ext>
+              </a:extLst>
+            </p:cNvPr>
+            <p:cNvCxnSpPr/>
+            <p:nvPr/>
+          </p:nvCxnSpPr>
+          <p:spPr>
+            <a:xfrm>
+              <a:off x="5170031" y="773442"/>
+              <a:ext cx="2057400" cy="0"/>
+            </a:xfrm>
+            <a:prstGeom prst="line">
+              <a:avLst/>
+            </a:prstGeom>
+            <a:ln cap="rnd"/>
+          </p:spPr>
+          <p:style>
+            <a:lnRef idx="3">
+              <a:schemeClr val="accent6"/>
+            </a:lnRef>
+            <a:fillRef idx="0">
+              <a:schemeClr val="accent6"/>
+            </a:fillRef>
+            <a:effectRef idx="2">
+              <a:schemeClr val="accent6"/>
+            </a:effectRef>
+            <a:fontRef idx="minor">
+              <a:schemeClr val="tx1"/>
+            </a:fontRef>
+          </p:style>
+        </p:cxnSp>
+        <p:cxnSp>
+          <p:nvCxnSpPr>
+            <p:cNvPr id="7" name="Straight Connector 6">
+              <a:extLst>
+                <a:ext uri="{FF2B5EF4-FFF2-40B4-BE49-F238E27FC236}">
+                  <a16:creationId xmlns:a16="http://schemas.microsoft.com/office/drawing/2014/main" id="{B9F27479-26E7-415D-A833-DF039479F770}"/>
+                </a:ext>
+              </a:extLst>
+            </p:cNvPr>
+            <p:cNvCxnSpPr>
+              <a:cxnSpLocks/>
+            </p:cNvCxnSpPr>
+            <p:nvPr/>
+          </p:nvCxnSpPr>
+          <p:spPr>
+            <a:xfrm>
+              <a:off x="7349270" y="697242"/>
+              <a:ext cx="1027511" cy="0"/>
+            </a:xfrm>
+            <a:prstGeom prst="line">
+              <a:avLst/>
+            </a:prstGeom>
+            <a:ln cap="rnd"/>
+          </p:spPr>
+          <p:style>
+            <a:lnRef idx="3">
+              <a:schemeClr val="accent6"/>
+            </a:lnRef>
+            <a:fillRef idx="0">
+              <a:schemeClr val="accent6"/>
+            </a:fillRef>
+            <a:effectRef idx="2">
+              <a:schemeClr val="accent6"/>
+            </a:effectRef>
+            <a:fontRef idx="minor">
+              <a:schemeClr val="tx1"/>
+            </a:fontRef>
+          </p:style>
+        </p:cxnSp>
+        <p:cxnSp>
+          <p:nvCxnSpPr>
+            <p:cNvPr id="8" name="Straight Connector 7">
+              <a:extLst>
+                <a:ext uri="{FF2B5EF4-FFF2-40B4-BE49-F238E27FC236}">
+                  <a16:creationId xmlns:a16="http://schemas.microsoft.com/office/drawing/2014/main" id="{B25D1468-1F4D-4FA8-B622-E5ACA0EF1F2A}"/>
+                </a:ext>
+              </a:extLst>
+            </p:cNvPr>
+            <p:cNvCxnSpPr>
+              <a:cxnSpLocks/>
+            </p:cNvCxnSpPr>
+            <p:nvPr/>
+          </p:nvCxnSpPr>
+          <p:spPr>
+            <a:xfrm flipV="1">
+              <a:off x="7227431" y="697242"/>
+              <a:ext cx="121839" cy="76200"/>
+            </a:xfrm>
+            <a:prstGeom prst="line">
+              <a:avLst/>
+            </a:prstGeom>
+            <a:ln cap="rnd"/>
+          </p:spPr>
+          <p:style>
+            <a:lnRef idx="3">
+              <a:schemeClr val="accent6"/>
+            </a:lnRef>
+            <a:fillRef idx="0">
+              <a:schemeClr val="accent6"/>
+            </a:fillRef>
+            <a:effectRef idx="2">
+              <a:schemeClr val="accent6"/>
+            </a:effectRef>
+            <a:fontRef idx="minor">
+              <a:schemeClr val="tx1"/>
+            </a:fontRef>
+          </p:style>
+        </p:cxnSp>
+        <p:cxnSp>
+          <p:nvCxnSpPr>
+            <p:cNvPr id="9" name="Straight Connector 8">
+              <a:extLst>
+                <a:ext uri="{FF2B5EF4-FFF2-40B4-BE49-F238E27FC236}">
+                  <a16:creationId xmlns:a16="http://schemas.microsoft.com/office/drawing/2014/main" id="{85EEBEB7-06CF-488D-A660-43C6E804709E}"/>
+                </a:ext>
+              </a:extLst>
+            </p:cNvPr>
+            <p:cNvCxnSpPr>
+              <a:cxnSpLocks/>
+            </p:cNvCxnSpPr>
+            <p:nvPr/>
+          </p:nvCxnSpPr>
+          <p:spPr>
+            <a:xfrm flipV="1">
+              <a:off x="5048192" y="773442"/>
+              <a:ext cx="121839" cy="76200"/>
+            </a:xfrm>
+            <a:prstGeom prst="line">
+              <a:avLst/>
+            </a:prstGeom>
+            <a:ln cap="rnd"/>
+          </p:spPr>
+          <p:style>
+            <a:lnRef idx="3">
+              <a:schemeClr val="accent6"/>
+            </a:lnRef>
+            <a:fillRef idx="0">
+              <a:schemeClr val="accent6"/>
+            </a:fillRef>
+            <a:effectRef idx="2">
+              <a:schemeClr val="accent6"/>
+            </a:effectRef>
+            <a:fontRef idx="minor">
+              <a:schemeClr val="tx1"/>
+            </a:fontRef>
+          </p:style>
+        </p:cxnSp>
+        <p:cxnSp>
+          <p:nvCxnSpPr>
+            <p:cNvPr id="10" name="Straight Connector 9">
+              <a:extLst>
+                <a:ext uri="{FF2B5EF4-FFF2-40B4-BE49-F238E27FC236}">
+                  <a16:creationId xmlns:a16="http://schemas.microsoft.com/office/drawing/2014/main" id="{67142379-A086-417C-AF8E-4262CBB80507}"/>
+                </a:ext>
+              </a:extLst>
+            </p:cNvPr>
+            <p:cNvCxnSpPr>
+              <a:cxnSpLocks/>
+            </p:cNvCxnSpPr>
+            <p:nvPr/>
+          </p:nvCxnSpPr>
+          <p:spPr>
+            <a:xfrm flipV="1">
+              <a:off x="4021655" y="849642"/>
+              <a:ext cx="1026537" cy="11668"/>
+            </a:xfrm>
+            <a:prstGeom prst="line">
+              <a:avLst/>
+            </a:prstGeom>
+            <a:ln cap="rnd"/>
+          </p:spPr>
+          <p:style>
+            <a:lnRef idx="3">
+              <a:schemeClr val="accent6"/>
+            </a:lnRef>
+            <a:fillRef idx="0">
+              <a:schemeClr val="accent6"/>
+            </a:fillRef>
+            <a:effectRef idx="2">
+              <a:schemeClr val="accent6"/>
+            </a:effectRef>
+            <a:fontRef idx="minor">
+              <a:schemeClr val="tx1"/>
+            </a:fontRef>
+          </p:style>
+        </p:cxnSp>
+        <p:sp>
+          <p:nvSpPr>
+            <p:cNvPr id="11" name="Oval 10">
+              <a:extLst>
+                <a:ext uri="{FF2B5EF4-FFF2-40B4-BE49-F238E27FC236}">
+                  <a16:creationId xmlns:a16="http://schemas.microsoft.com/office/drawing/2014/main" id="{3240238A-DFC1-45C7-AA80-8B2C02C06738}"/>
+                </a:ext>
+              </a:extLst>
+            </p:cNvPr>
+            <p:cNvSpPr/>
+            <p:nvPr/>
+          </p:nvSpPr>
+          <p:spPr>
+            <a:xfrm>
+              <a:off x="3971469" y="789305"/>
+              <a:ext cx="133350" cy="133350"/>
+            </a:xfrm>
+            <a:prstGeom prst="ellipse">
+              <a:avLst/>
+            </a:prstGeom>
+          </p:spPr>
+          <p:style>
+            <a:lnRef idx="2">
+              <a:schemeClr val="accent6"/>
+            </a:lnRef>
+            <a:fillRef idx="1">
+              <a:schemeClr val="lt1"/>
+            </a:fillRef>
+            <a:effectRef idx="0">
+              <a:schemeClr val="accent6"/>
+            </a:effectRef>
+            <a:fontRef idx="minor">
+              <a:schemeClr val="dk1"/>
+            </a:fontRef>
+          </p:style>
+          <p:txBody>
+            <a:bodyPr rtlCol="0" anchor="ctr"/>
+            <a:lstStyle/>
+            <a:p>
+              <a:pPr algn="ctr"/>
+              <a:endParaRPr lang="en-US" i="1" dirty="0"/>
+            </a:p>
+          </p:txBody>
+        </p:sp>
+        <p:sp>
+          <p:nvSpPr>
+            <p:cNvPr id="12" name="Oval 11">
+              <a:extLst>
+                <a:ext uri="{FF2B5EF4-FFF2-40B4-BE49-F238E27FC236}">
+                  <a16:creationId xmlns:a16="http://schemas.microsoft.com/office/drawing/2014/main" id="{7196F688-258B-4B8C-BDAB-2BA8EEF9A4F9}"/>
+                </a:ext>
+              </a:extLst>
+            </p:cNvPr>
+            <p:cNvSpPr/>
+            <p:nvPr/>
+          </p:nvSpPr>
+          <p:spPr>
+            <a:xfrm>
+              <a:off x="8336191" y="624781"/>
+              <a:ext cx="133350" cy="133350"/>
+            </a:xfrm>
+            <a:prstGeom prst="ellipse">
+              <a:avLst/>
+            </a:prstGeom>
+          </p:spPr>
+          <p:style>
+            <a:lnRef idx="2">
+              <a:schemeClr val="accent6"/>
+            </a:lnRef>
+            <a:fillRef idx="1">
+              <a:schemeClr val="lt1"/>
+            </a:fillRef>
+            <a:effectRef idx="0">
+              <a:schemeClr val="accent6"/>
+            </a:effectRef>
+            <a:fontRef idx="minor">
+              <a:schemeClr val="dk1"/>
+            </a:fontRef>
+          </p:style>
+          <p:txBody>
+            <a:bodyPr rtlCol="0" anchor="ctr"/>
+            <a:lstStyle/>
+            <a:p>
+              <a:pPr algn="ctr"/>
+              <a:endParaRPr lang="en-US" i="1" dirty="0"/>
+            </a:p>
+          </p:txBody>
+        </p:sp>
+      </p:grpSp>
+      <p:pic>
+        <p:nvPicPr>
+          <p:cNvPr id="83" name="Picture 82">
+            <a:extLst>
+              <a:ext uri="{FF2B5EF4-FFF2-40B4-BE49-F238E27FC236}">
+                <a16:creationId xmlns:a16="http://schemas.microsoft.com/office/drawing/2014/main" id="{DF5591B0-ECBA-4392-BE30-83DB83D3D01C}"/>
+              </a:ext>
+            </a:extLst>
+          </p:cNvPr>
+          <p:cNvPicPr>
+            <a:picLocks noChangeAspect="1"/>
+          </p:cNvPicPr>
+          <p:nvPr/>
+        </p:nvPicPr>
+        <p:blipFill rotWithShape="1">
+          <a:blip r:embed="rId2"/>
+          <a:srcRect b="6200"/>
+          <a:stretch/>
+        </p:blipFill>
+        <p:spPr>
+          <a:xfrm>
+            <a:off x="10511473" y="5933887"/>
+            <a:ext cx="1321688" cy="562475"/>
+          </a:xfrm>
+          <a:prstGeom prst="rect">
+            <a:avLst/>
+          </a:prstGeom>
+        </p:spPr>
+      </p:pic>
+      <p:sp>
+        <p:nvSpPr>
+          <p:cNvPr id="84" name="Credits">
+            <a:extLst>
+              <a:ext uri="{FF2B5EF4-FFF2-40B4-BE49-F238E27FC236}">
+                <a16:creationId xmlns:a16="http://schemas.microsoft.com/office/drawing/2014/main" id="{49EBF729-52F2-431B-BFFE-1C414F25BF1C}"/>
+              </a:ext>
+            </a:extLst>
+          </p:cNvPr>
+          <p:cNvSpPr txBox="1"/>
+          <p:nvPr/>
+        </p:nvSpPr>
+        <p:spPr>
+          <a:xfrm>
+            <a:off x="345873" y="5936806"/>
+            <a:ext cx="9782569" cy="276999"/>
+          </a:xfrm>
+          <a:prstGeom prst="rect">
+            <a:avLst/>
+          </a:prstGeom>
+          <a:noFill/>
+        </p:spPr>
+        <p:txBody>
+          <a:bodyPr wrap="square">
+            <a:spAutoFit/>
+          </a:bodyPr>
+          <a:lstStyle/>
+          <a:p>
+            <a:r>
+              <a:rPr lang="en-US" sz="1200" dirty="0">
+                <a:solidFill>
+                  <a:schemeClr val="bg1">
+                    <a:lumMod val="50000"/>
+                  </a:schemeClr>
+                </a:solidFill>
+              </a:rPr>
+              <a:t>Icons courtesy </a:t>
+            </a:r>
+            <a:r>
+              <a:rPr lang="en-US" sz="1200" dirty="0" err="1">
+                <a:solidFill>
+                  <a:schemeClr val="bg1">
+                    <a:lumMod val="50000"/>
+                  </a:schemeClr>
+                </a:solidFill>
+              </a:rPr>
+              <a:t>FontAwesome</a:t>
+            </a:r>
+            <a:r>
+              <a:rPr lang="en-US" sz="1200" dirty="0">
+                <a:solidFill>
+                  <a:schemeClr val="bg1">
+                    <a:lumMod val="50000"/>
+                  </a:schemeClr>
+                </a:solidFill>
+              </a:rPr>
+              <a:t> Pro Account.</a:t>
+            </a:r>
+          </a:p>
+        </p:txBody>
+      </p:sp>
+      <p:cxnSp>
+        <p:nvCxnSpPr>
+          <p:cNvPr id="89" name="Straight Connector 88">
+            <a:extLst>
+              <a:ext uri="{FF2B5EF4-FFF2-40B4-BE49-F238E27FC236}">
+                <a16:creationId xmlns:a16="http://schemas.microsoft.com/office/drawing/2014/main" id="{9F072EFC-D3DC-46C4-8DDF-FF43A684226E}"/>
+              </a:ext>
+            </a:extLst>
+          </p:cNvPr>
+          <p:cNvCxnSpPr>
+            <a:cxnSpLocks/>
+          </p:cNvCxnSpPr>
+          <p:nvPr/>
+        </p:nvCxnSpPr>
+        <p:spPr>
+          <a:xfrm>
+            <a:off x="4332587" y="1273320"/>
+            <a:ext cx="0" cy="4558614"/>
+          </a:xfrm>
+          <a:prstGeom prst="line">
+            <a:avLst/>
+          </a:prstGeom>
+          <a:ln cap="rnd"/>
+        </p:spPr>
+        <p:style>
+          <a:lnRef idx="3">
+            <a:schemeClr val="accent6"/>
+          </a:lnRef>
+          <a:fillRef idx="0">
+            <a:schemeClr val="accent6"/>
+          </a:fillRef>
+          <a:effectRef idx="2">
+            <a:schemeClr val="accent6"/>
+          </a:effectRef>
+          <a:fontRef idx="minor">
+            <a:schemeClr val="tx1"/>
+          </a:fontRef>
+        </p:style>
+      </p:cxnSp>
+      <p:sp>
+        <p:nvSpPr>
+          <p:cNvPr id="35" name="TextBox 34">
+            <a:extLst>
+              <a:ext uri="{FF2B5EF4-FFF2-40B4-BE49-F238E27FC236}">
+                <a16:creationId xmlns:a16="http://schemas.microsoft.com/office/drawing/2014/main" id="{1FC437C3-4201-4020-8157-5A8CF20BF5C4}"/>
+              </a:ext>
+            </a:extLst>
+          </p:cNvPr>
+          <p:cNvSpPr txBox="1"/>
+          <p:nvPr/>
+        </p:nvSpPr>
+        <p:spPr>
+          <a:xfrm>
+            <a:off x="4888847" y="2156110"/>
+            <a:ext cx="2827697" cy="1077218"/>
+          </a:xfrm>
+          <a:prstGeom prst="rect">
+            <a:avLst/>
+          </a:prstGeom>
+          <a:noFill/>
+        </p:spPr>
+        <p:txBody>
+          <a:bodyPr wrap="none" rtlCol="0">
+            <a:spAutoFit/>
+          </a:bodyPr>
+          <a:lstStyle/>
+          <a:p>
+            <a:pPr marL="285750" indent="-285750">
+              <a:buFont typeface="Arial" panose="020B0604020202020204" pitchFamily="34" charset="0"/>
+              <a:buChar char="•"/>
+            </a:pPr>
+            <a:r>
+              <a:rPr lang="en-US" sz="1600" dirty="0"/>
+              <a:t>Game Object</a:t>
+            </a:r>
+          </a:p>
+          <a:p>
+            <a:pPr marL="742950" lvl="1" indent="-285750">
+              <a:buFont typeface="Arial" panose="020B0604020202020204" pitchFamily="34" charset="0"/>
+              <a:buChar char="•"/>
+            </a:pPr>
+            <a:r>
+              <a:rPr lang="en-US" sz="1600" dirty="0"/>
+              <a:t>Components</a:t>
+            </a:r>
+          </a:p>
+          <a:p>
+            <a:pPr marL="1200150" lvl="2" indent="-285750">
+              <a:buFont typeface="Arial" panose="020B0604020202020204" pitchFamily="34" charset="0"/>
+              <a:buChar char="•"/>
+            </a:pPr>
+            <a:r>
+              <a:rPr lang="en-US" sz="1600" dirty="0"/>
+              <a:t>Snowman Geo</a:t>
+            </a:r>
+          </a:p>
+          <a:p>
+            <a:pPr marL="1200150" lvl="2" indent="-285750">
+              <a:buFont typeface="Arial" panose="020B0604020202020204" pitchFamily="34" charset="0"/>
+              <a:buChar char="•"/>
+            </a:pPr>
+            <a:r>
+              <a:rPr lang="en-US" sz="1600" dirty="0"/>
+              <a:t>Player Controlled</a:t>
+            </a:r>
+          </a:p>
+        </p:txBody>
+      </p:sp>
+      <p:sp>
+        <p:nvSpPr>
+          <p:cNvPr id="90" name="TextBox 89">
+            <a:extLst>
+              <a:ext uri="{FF2B5EF4-FFF2-40B4-BE49-F238E27FC236}">
+                <a16:creationId xmlns:a16="http://schemas.microsoft.com/office/drawing/2014/main" id="{1B69FE56-1663-4DF2-BAC3-29D7AFA69011}"/>
+              </a:ext>
+            </a:extLst>
+          </p:cNvPr>
+          <p:cNvSpPr txBox="1"/>
+          <p:nvPr/>
+        </p:nvSpPr>
+        <p:spPr>
+          <a:xfrm>
+            <a:off x="4888847" y="3159695"/>
+            <a:ext cx="2486130" cy="1077218"/>
+          </a:xfrm>
+          <a:prstGeom prst="rect">
+            <a:avLst/>
+          </a:prstGeom>
+          <a:noFill/>
+        </p:spPr>
+        <p:txBody>
+          <a:bodyPr wrap="none" rtlCol="0">
+            <a:spAutoFit/>
+          </a:bodyPr>
+          <a:lstStyle/>
+          <a:p>
+            <a:pPr marL="285750" indent="-285750">
+              <a:buFont typeface="Arial" panose="020B0604020202020204" pitchFamily="34" charset="0"/>
+              <a:buChar char="•"/>
+            </a:pPr>
+            <a:r>
+              <a:rPr lang="en-US" sz="1600" dirty="0"/>
+              <a:t>Game Object</a:t>
+            </a:r>
+          </a:p>
+          <a:p>
+            <a:pPr marL="742950" lvl="1" indent="-285750">
+              <a:buFont typeface="Arial" panose="020B0604020202020204" pitchFamily="34" charset="0"/>
+              <a:buChar char="•"/>
+            </a:pPr>
+            <a:r>
+              <a:rPr lang="en-US" sz="1600" dirty="0"/>
+              <a:t>Components</a:t>
+            </a:r>
+          </a:p>
+          <a:p>
+            <a:pPr marL="1200150" lvl="2" indent="-285750">
+              <a:buFont typeface="Arial" panose="020B0604020202020204" pitchFamily="34" charset="0"/>
+              <a:buChar char="•"/>
+            </a:pPr>
+            <a:r>
+              <a:rPr lang="en-US" sz="1600" dirty="0"/>
+              <a:t>Deer Geo</a:t>
+            </a:r>
+          </a:p>
+          <a:p>
+            <a:pPr marL="1200150" lvl="2" indent="-285750">
+              <a:buFont typeface="Arial" panose="020B0604020202020204" pitchFamily="34" charset="0"/>
+              <a:buChar char="•"/>
+            </a:pPr>
+            <a:r>
+              <a:rPr lang="en-US" sz="1600" dirty="0"/>
+              <a:t>AI Controlled</a:t>
+            </a:r>
+          </a:p>
+        </p:txBody>
+      </p:sp>
+      <p:sp>
+        <p:nvSpPr>
+          <p:cNvPr id="91" name="TextBox 90">
+            <a:extLst>
+              <a:ext uri="{FF2B5EF4-FFF2-40B4-BE49-F238E27FC236}">
+                <a16:creationId xmlns:a16="http://schemas.microsoft.com/office/drawing/2014/main" id="{56AF5425-5998-494A-A253-1047593F2321}"/>
+              </a:ext>
+            </a:extLst>
+          </p:cNvPr>
+          <p:cNvSpPr txBox="1"/>
+          <p:nvPr/>
+        </p:nvSpPr>
+        <p:spPr>
+          <a:xfrm>
+            <a:off x="4880419" y="4285363"/>
+            <a:ext cx="2610779" cy="1077218"/>
+          </a:xfrm>
+          <a:prstGeom prst="rect">
+            <a:avLst/>
+          </a:prstGeom>
+          <a:noFill/>
+        </p:spPr>
+        <p:txBody>
+          <a:bodyPr wrap="none" rtlCol="0">
+            <a:spAutoFit/>
+          </a:bodyPr>
+          <a:lstStyle/>
+          <a:p>
+            <a:pPr marL="285750" indent="-285750">
+              <a:buFont typeface="Arial" panose="020B0604020202020204" pitchFamily="34" charset="0"/>
+              <a:buChar char="•"/>
+            </a:pPr>
+            <a:r>
+              <a:rPr lang="en-US" sz="1600" dirty="0"/>
+              <a:t>Game Object</a:t>
+            </a:r>
+          </a:p>
+          <a:p>
+            <a:pPr marL="742950" lvl="1" indent="-285750">
+              <a:buFont typeface="Arial" panose="020B0604020202020204" pitchFamily="34" charset="0"/>
+              <a:buChar char="•"/>
+            </a:pPr>
+            <a:r>
+              <a:rPr lang="en-US" sz="1600" dirty="0"/>
+              <a:t>Components</a:t>
+            </a:r>
+          </a:p>
+          <a:p>
+            <a:pPr marL="1200150" lvl="2" indent="-285750">
+              <a:buFont typeface="Arial" panose="020B0604020202020204" pitchFamily="34" charset="0"/>
+              <a:buChar char="•"/>
+            </a:pPr>
+            <a:r>
+              <a:rPr lang="en-US" sz="1600" dirty="0"/>
+              <a:t>Snowman Geo</a:t>
+            </a:r>
+          </a:p>
+          <a:p>
+            <a:pPr marL="1200150" lvl="2" indent="-285750">
+              <a:buFont typeface="Arial" panose="020B0604020202020204" pitchFamily="34" charset="0"/>
+              <a:buChar char="•"/>
+            </a:pPr>
+            <a:r>
+              <a:rPr lang="en-US" sz="1600" dirty="0"/>
+              <a:t>AI Controlled</a:t>
+            </a:r>
+          </a:p>
+        </p:txBody>
+      </p:sp>
+      <p:sp>
+        <p:nvSpPr>
+          <p:cNvPr id="99" name="Rectangle: Rounded Corners 98">
+            <a:extLst>
+              <a:ext uri="{FF2B5EF4-FFF2-40B4-BE49-F238E27FC236}">
+                <a16:creationId xmlns:a16="http://schemas.microsoft.com/office/drawing/2014/main" id="{4392242B-7264-44D7-B56D-CD9E0EFF7024}"/>
+              </a:ext>
+            </a:extLst>
+          </p:cNvPr>
+          <p:cNvSpPr/>
+          <p:nvPr/>
+        </p:nvSpPr>
+        <p:spPr>
+          <a:xfrm>
+            <a:off x="4622566" y="1978776"/>
+            <a:ext cx="3406351" cy="3527325"/>
+          </a:xfrm>
+          <a:prstGeom prst="roundRect">
+            <a:avLst>
+              <a:gd name="adj" fmla="val 6276"/>
+            </a:avLst>
+          </a:prstGeom>
+          <a:noFill/>
+        </p:spPr>
+        <p:style>
+          <a:lnRef idx="2">
+            <a:schemeClr val="accent6"/>
+          </a:lnRef>
+          <a:fillRef idx="1">
+            <a:schemeClr val="lt1"/>
+          </a:fillRef>
+          <a:effectRef idx="0">
+            <a:schemeClr val="accent6"/>
+          </a:effectRef>
+          <a:fontRef idx="minor">
+            <a:schemeClr val="dk1"/>
+          </a:fontRef>
+        </p:style>
+        <p:txBody>
+          <a:bodyPr rtlCol="0" anchor="ctr"/>
+          <a:lstStyle/>
+          <a:p>
+            <a:pPr algn="ctr"/>
+            <a:endParaRPr lang="en-US"/>
+          </a:p>
+        </p:txBody>
+      </p:sp>
+      <p:sp>
+        <p:nvSpPr>
+          <p:cNvPr id="92" name="TextBox 91">
+            <a:extLst>
+              <a:ext uri="{FF2B5EF4-FFF2-40B4-BE49-F238E27FC236}">
+                <a16:creationId xmlns:a16="http://schemas.microsoft.com/office/drawing/2014/main" id="{A2A19372-90E8-4121-90A7-A491E4BF9603}"/>
+              </a:ext>
+            </a:extLst>
+          </p:cNvPr>
+          <p:cNvSpPr txBox="1"/>
+          <p:nvPr/>
+        </p:nvSpPr>
+        <p:spPr>
+          <a:xfrm>
+            <a:off x="5345145" y="1778654"/>
+            <a:ext cx="2045753" cy="369332"/>
+          </a:xfrm>
+          <a:prstGeom prst="rect">
+            <a:avLst/>
+          </a:prstGeom>
+          <a:solidFill>
+            <a:schemeClr val="bg1"/>
+          </a:solidFill>
+        </p:spPr>
+        <p:txBody>
+          <a:bodyPr wrap="none" rtlCol="0">
+            <a:spAutoFit/>
+          </a:bodyPr>
+          <a:lstStyle/>
+          <a:p>
+            <a:r>
+              <a:rPr lang="en-US" dirty="0"/>
+              <a:t>Object Composition</a:t>
+            </a:r>
+          </a:p>
+        </p:txBody>
+      </p:sp>
+      <p:pic>
+        <p:nvPicPr>
+          <p:cNvPr id="69" name="Graphic 68">
+            <a:extLst>
+              <a:ext uri="{FF2B5EF4-FFF2-40B4-BE49-F238E27FC236}">
+                <a16:creationId xmlns:a16="http://schemas.microsoft.com/office/drawing/2014/main" id="{4523B049-E41E-4BDC-864B-FFCD82BCD577}"/>
+              </a:ext>
+            </a:extLst>
+          </p:cNvPr>
+          <p:cNvPicPr>
+            <a:picLocks noChangeAspect="1"/>
+          </p:cNvPicPr>
+          <p:nvPr/>
+        </p:nvPicPr>
+        <p:blipFill>
+          <a:blip r:embed="rId3">
+            <a:extLst>
+              <a:ext uri="{28A0092B-C50C-407E-A947-70E740481C1C}">
+                <a14:useLocalDpi xmlns:a14="http://schemas.microsoft.com/office/drawing/2010/main" val="0"/>
+              </a:ext>
+              <a:ext uri="{96DAC541-7B7A-43D3-8B79-37D633B846F1}">
+                <asvg:svgBlip xmlns:asvg="http://schemas.microsoft.com/office/drawing/2016/SVG/main" r:embed="rId4"/>
+              </a:ext>
+            </a:extLst>
+          </a:blip>
+          <a:stretch>
+            <a:fillRect/>
+          </a:stretch>
+        </p:blipFill>
+        <p:spPr>
+          <a:xfrm>
+            <a:off x="476163" y="1012762"/>
+            <a:ext cx="1477879" cy="1477879"/>
+          </a:xfrm>
+          <a:prstGeom prst="rect">
+            <a:avLst/>
+          </a:prstGeom>
+        </p:spPr>
+      </p:pic>
+      <p:pic>
+        <p:nvPicPr>
+          <p:cNvPr id="70" name="Graphic 69">
+            <a:extLst>
+              <a:ext uri="{FF2B5EF4-FFF2-40B4-BE49-F238E27FC236}">
+                <a16:creationId xmlns:a16="http://schemas.microsoft.com/office/drawing/2014/main" id="{4A785052-940B-4DEC-B6ED-C06A78876F5A}"/>
+              </a:ext>
+            </a:extLst>
+          </p:cNvPr>
+          <p:cNvPicPr>
+            <a:picLocks noChangeAspect="1"/>
+          </p:cNvPicPr>
+          <p:nvPr/>
+        </p:nvPicPr>
+        <p:blipFill>
+          <a:blip r:embed="rId5">
+            <a:extLst>
+              <a:ext uri="{28A0092B-C50C-407E-A947-70E740481C1C}">
+                <a14:useLocalDpi xmlns:a14="http://schemas.microsoft.com/office/drawing/2010/main" val="0"/>
+              </a:ext>
+              <a:ext uri="{96DAC541-7B7A-43D3-8B79-37D633B846F1}">
+                <asvg:svgBlip xmlns:asvg="http://schemas.microsoft.com/office/drawing/2016/SVG/main" r:embed="rId6"/>
+              </a:ext>
+            </a:extLst>
+          </a:blip>
+          <a:stretch>
+            <a:fillRect/>
+          </a:stretch>
+        </p:blipFill>
+        <p:spPr>
+          <a:xfrm>
+            <a:off x="724683" y="4036864"/>
+            <a:ext cx="1411492" cy="1411492"/>
+          </a:xfrm>
+          <a:prstGeom prst="rect">
+            <a:avLst/>
+          </a:prstGeom>
+        </p:spPr>
+      </p:pic>
+      <p:grpSp>
+        <p:nvGrpSpPr>
+          <p:cNvPr id="71" name="Group 70">
+            <a:extLst>
+              <a:ext uri="{FF2B5EF4-FFF2-40B4-BE49-F238E27FC236}">
+                <a16:creationId xmlns:a16="http://schemas.microsoft.com/office/drawing/2014/main" id="{63FD22AB-0F3B-44DA-86B7-9905018FDF85}"/>
+              </a:ext>
+            </a:extLst>
+          </p:cNvPr>
+          <p:cNvGrpSpPr/>
+          <p:nvPr/>
+        </p:nvGrpSpPr>
+        <p:grpSpPr>
+          <a:xfrm>
+            <a:off x="2577809" y="1151202"/>
+            <a:ext cx="1343488" cy="1343488"/>
+            <a:chOff x="2493081" y="1637285"/>
+            <a:chExt cx="1477879" cy="1477879"/>
+          </a:xfrm>
+        </p:grpSpPr>
+        <p:pic>
+          <p:nvPicPr>
+            <p:cNvPr id="72" name="Graphic 71">
+              <a:extLst>
+                <a:ext uri="{FF2B5EF4-FFF2-40B4-BE49-F238E27FC236}">
+                  <a16:creationId xmlns:a16="http://schemas.microsoft.com/office/drawing/2014/main" id="{4EFB3727-1591-4148-84AF-2FFB35B65AC7}"/>
+                </a:ext>
+              </a:extLst>
+            </p:cNvPr>
+            <p:cNvPicPr>
+              <a:picLocks noChangeAspect="1"/>
+            </p:cNvPicPr>
+            <p:nvPr/>
+          </p:nvPicPr>
+          <p:blipFill>
+            <a:blip r:embed="rId7">
+              <a:extLst>
+                <a:ext uri="{28A0092B-C50C-407E-A947-70E740481C1C}">
+                  <a14:useLocalDpi xmlns:a14="http://schemas.microsoft.com/office/drawing/2010/main" val="0"/>
+                </a:ext>
+                <a:ext uri="{96DAC541-7B7A-43D3-8B79-37D633B846F1}">
+                  <asvg:svgBlip xmlns:asvg="http://schemas.microsoft.com/office/drawing/2016/SVG/main" r:embed="rId8"/>
+                </a:ext>
+              </a:extLst>
+            </a:blip>
+            <a:stretch>
+              <a:fillRect/>
+            </a:stretch>
+          </p:blipFill>
+          <p:spPr>
+            <a:xfrm>
+              <a:off x="2493081" y="1637285"/>
+              <a:ext cx="1477879" cy="1477879"/>
+            </a:xfrm>
+            <a:prstGeom prst="rect">
+              <a:avLst/>
+            </a:prstGeom>
+          </p:spPr>
+        </p:pic>
+        <p:sp>
+          <p:nvSpPr>
+            <p:cNvPr id="73" name="Oval 72">
+              <a:extLst>
+                <a:ext uri="{FF2B5EF4-FFF2-40B4-BE49-F238E27FC236}">
+                  <a16:creationId xmlns:a16="http://schemas.microsoft.com/office/drawing/2014/main" id="{182995B8-4B6D-4A7A-B2B1-D543BE9790D0}"/>
+                </a:ext>
+              </a:extLst>
+            </p:cNvPr>
+            <p:cNvSpPr/>
+            <p:nvPr/>
+          </p:nvSpPr>
+          <p:spPr>
+            <a:xfrm>
+              <a:off x="3784037" y="1965960"/>
+              <a:ext cx="181172" cy="176164"/>
+            </a:xfrm>
+            <a:prstGeom prst="ellipse">
+              <a:avLst/>
+            </a:prstGeom>
+            <a:solidFill>
+              <a:srgbClr val="FF0000"/>
+            </a:solidFill>
+            <a:ln>
+              <a:solidFill>
+                <a:srgbClr val="FF0000"/>
+              </a:solidFill>
+            </a:ln>
+          </p:spPr>
+          <p:style>
+            <a:lnRef idx="2">
+              <a:schemeClr val="accent6"/>
+            </a:lnRef>
+            <a:fillRef idx="1">
+              <a:schemeClr val="lt1"/>
+            </a:fillRef>
+            <a:effectRef idx="0">
+              <a:schemeClr val="accent6"/>
+            </a:effectRef>
+            <a:fontRef idx="minor">
+              <a:schemeClr val="dk1"/>
+            </a:fontRef>
+          </p:style>
+          <p:txBody>
+            <a:bodyPr rtlCol="0" anchor="ctr"/>
+            <a:lstStyle/>
+            <a:p>
+              <a:pPr algn="ctr"/>
+              <a:endParaRPr lang="en-US"/>
+            </a:p>
+          </p:txBody>
+        </p:sp>
+      </p:grpSp>
+      <p:sp>
+        <p:nvSpPr>
+          <p:cNvPr id="75" name="TextBox 74">
+            <a:extLst>
+              <a:ext uri="{FF2B5EF4-FFF2-40B4-BE49-F238E27FC236}">
+                <a16:creationId xmlns:a16="http://schemas.microsoft.com/office/drawing/2014/main" id="{C1FFC695-5C87-42B6-8111-61BFBF109658}"/>
+              </a:ext>
+            </a:extLst>
+          </p:cNvPr>
+          <p:cNvSpPr txBox="1"/>
+          <p:nvPr/>
+        </p:nvSpPr>
+        <p:spPr>
+          <a:xfrm>
+            <a:off x="341938" y="2519997"/>
+            <a:ext cx="1795556" cy="923330"/>
+          </a:xfrm>
+          <a:prstGeom prst="rect">
+            <a:avLst/>
+          </a:prstGeom>
+          <a:noFill/>
+        </p:spPr>
+        <p:txBody>
+          <a:bodyPr wrap="none" rtlCol="0">
+            <a:spAutoFit/>
+          </a:bodyPr>
+          <a:lstStyle/>
+          <a:p>
+            <a:pPr algn="ctr"/>
+            <a:r>
+              <a:rPr lang="en-US" dirty="0"/>
+              <a:t>“Frosty”,</a:t>
+            </a:r>
+          </a:p>
+          <a:p>
+            <a:pPr algn="ctr"/>
+            <a:r>
+              <a:rPr lang="en-US" dirty="0"/>
+              <a:t>Snowman Geo +</a:t>
+            </a:r>
+          </a:p>
+          <a:p>
+            <a:pPr algn="ctr"/>
+            <a:r>
+              <a:rPr lang="en-US" dirty="0"/>
+              <a:t>Player Controlled</a:t>
+            </a:r>
+          </a:p>
+        </p:txBody>
+      </p:sp>
+      <p:sp>
+        <p:nvSpPr>
+          <p:cNvPr id="76" name="TextBox 75">
+            <a:extLst>
+              <a:ext uri="{FF2B5EF4-FFF2-40B4-BE49-F238E27FC236}">
+                <a16:creationId xmlns:a16="http://schemas.microsoft.com/office/drawing/2014/main" id="{FFDF5D72-6407-49BB-B712-09A85951D830}"/>
+              </a:ext>
+            </a:extLst>
+          </p:cNvPr>
+          <p:cNvSpPr txBox="1"/>
+          <p:nvPr/>
+        </p:nvSpPr>
+        <p:spPr>
+          <a:xfrm>
+            <a:off x="2284159" y="2501115"/>
+            <a:ext cx="1411540" cy="923330"/>
+          </a:xfrm>
+          <a:prstGeom prst="rect">
+            <a:avLst/>
+          </a:prstGeom>
+          <a:noFill/>
+        </p:spPr>
+        <p:txBody>
+          <a:bodyPr wrap="none" rtlCol="0">
+            <a:spAutoFit/>
+          </a:bodyPr>
+          <a:lstStyle/>
+          <a:p>
+            <a:pPr algn="ctr"/>
+            <a:r>
+              <a:rPr lang="en-US" dirty="0"/>
+              <a:t>“Rudolph”,</a:t>
+            </a:r>
+          </a:p>
+          <a:p>
+            <a:pPr algn="ctr"/>
+            <a:r>
+              <a:rPr lang="en-US" dirty="0"/>
+              <a:t>Deer Geo +</a:t>
+            </a:r>
+          </a:p>
+          <a:p>
+            <a:pPr algn="ctr"/>
+            <a:r>
+              <a:rPr lang="en-US" dirty="0"/>
+              <a:t>AI Controlled</a:t>
+            </a:r>
+          </a:p>
+        </p:txBody>
+      </p:sp>
+      <p:sp>
+        <p:nvSpPr>
+          <p:cNvPr id="80" name="TextBox 79">
+            <a:extLst>
+              <a:ext uri="{FF2B5EF4-FFF2-40B4-BE49-F238E27FC236}">
+                <a16:creationId xmlns:a16="http://schemas.microsoft.com/office/drawing/2014/main" id="{F9524A3F-B0DC-4E23-A626-49601D2A0122}"/>
+              </a:ext>
+            </a:extLst>
+          </p:cNvPr>
+          <p:cNvSpPr txBox="1"/>
+          <p:nvPr/>
+        </p:nvSpPr>
+        <p:spPr>
+          <a:xfrm>
+            <a:off x="1903242" y="3148479"/>
+            <a:ext cx="615168" cy="923330"/>
+          </a:xfrm>
+          <a:prstGeom prst="rect">
+            <a:avLst/>
+          </a:prstGeom>
+          <a:noFill/>
+        </p:spPr>
+        <p:txBody>
+          <a:bodyPr wrap="none" rtlCol="0">
+            <a:spAutoFit/>
+          </a:bodyPr>
+          <a:lstStyle/>
+          <a:p>
+            <a:pPr algn="ctr"/>
+            <a:r>
+              <a:rPr lang="en-US" sz="5400" dirty="0"/>
+              <a:t>v.</a:t>
+            </a:r>
+          </a:p>
+        </p:txBody>
+      </p:sp>
+      <p:sp>
+        <p:nvSpPr>
+          <p:cNvPr id="81" name="TextBox 80">
+            <a:extLst>
+              <a:ext uri="{FF2B5EF4-FFF2-40B4-BE49-F238E27FC236}">
+                <a16:creationId xmlns:a16="http://schemas.microsoft.com/office/drawing/2014/main" id="{C579A077-9946-4BCE-9FD4-C7C2198945D8}"/>
+              </a:ext>
+            </a:extLst>
+          </p:cNvPr>
+          <p:cNvSpPr txBox="1"/>
+          <p:nvPr/>
+        </p:nvSpPr>
+        <p:spPr>
+          <a:xfrm>
+            <a:off x="2127467" y="4360601"/>
+            <a:ext cx="1712584" cy="923330"/>
+          </a:xfrm>
+          <a:prstGeom prst="rect">
+            <a:avLst/>
+          </a:prstGeom>
+          <a:noFill/>
+        </p:spPr>
+        <p:txBody>
+          <a:bodyPr wrap="none" rtlCol="0">
+            <a:spAutoFit/>
+          </a:bodyPr>
+          <a:lstStyle/>
+          <a:p>
+            <a:pPr algn="ctr"/>
+            <a:r>
+              <a:rPr lang="en-US" dirty="0"/>
+              <a:t>“Evil Snowman”,</a:t>
+            </a:r>
+          </a:p>
+          <a:p>
+            <a:pPr algn="ctr"/>
+            <a:r>
+              <a:rPr lang="en-US" dirty="0"/>
+              <a:t>Snowman Geo +</a:t>
+            </a:r>
+          </a:p>
+          <a:p>
+            <a:pPr algn="ctr"/>
+            <a:r>
+              <a:rPr lang="en-US" dirty="0"/>
+              <a:t>AI Controlled</a:t>
+            </a:r>
+          </a:p>
+        </p:txBody>
+      </p:sp>
+      <p:cxnSp>
+        <p:nvCxnSpPr>
+          <p:cNvPr id="98" name="Straight Connector 97">
+            <a:extLst>
+              <a:ext uri="{FF2B5EF4-FFF2-40B4-BE49-F238E27FC236}">
+                <a16:creationId xmlns:a16="http://schemas.microsoft.com/office/drawing/2014/main" id="{AA0A5F7C-3B35-497F-9BB3-FCD2396D19C7}"/>
+              </a:ext>
+            </a:extLst>
+          </p:cNvPr>
+          <p:cNvCxnSpPr>
+            <a:cxnSpLocks/>
+          </p:cNvCxnSpPr>
+          <p:nvPr/>
+        </p:nvCxnSpPr>
+        <p:spPr>
+          <a:xfrm>
+            <a:off x="9046642" y="2453621"/>
+            <a:ext cx="2673887" cy="0"/>
+          </a:xfrm>
+          <a:prstGeom prst="line">
+            <a:avLst/>
+          </a:prstGeom>
+          <a:ln cap="rnd"/>
+        </p:spPr>
+        <p:style>
+          <a:lnRef idx="3">
+            <a:schemeClr val="accent6"/>
+          </a:lnRef>
+          <a:fillRef idx="0">
+            <a:schemeClr val="accent6"/>
+          </a:fillRef>
+          <a:effectRef idx="2">
+            <a:schemeClr val="accent6"/>
+          </a:effectRef>
+          <a:fontRef idx="minor">
+            <a:schemeClr val="tx1"/>
+          </a:fontRef>
+        </p:style>
+      </p:cxnSp>
+      <p:cxnSp>
+        <p:nvCxnSpPr>
+          <p:cNvPr id="101" name="Straight Connector 100">
+            <a:extLst>
+              <a:ext uri="{FF2B5EF4-FFF2-40B4-BE49-F238E27FC236}">
+                <a16:creationId xmlns:a16="http://schemas.microsoft.com/office/drawing/2014/main" id="{60B9FAD3-193F-4330-8420-DD1254DD4E83}"/>
+              </a:ext>
+            </a:extLst>
+          </p:cNvPr>
+          <p:cNvCxnSpPr>
+            <a:cxnSpLocks/>
+          </p:cNvCxnSpPr>
+          <p:nvPr/>
+        </p:nvCxnSpPr>
+        <p:spPr>
+          <a:xfrm flipH="1">
+            <a:off x="7461519" y="2453123"/>
+            <a:ext cx="1574056" cy="292225"/>
+          </a:xfrm>
+          <a:prstGeom prst="line">
+            <a:avLst/>
+          </a:prstGeom>
+          <a:ln cap="rnd"/>
+        </p:spPr>
+        <p:style>
+          <a:lnRef idx="3">
+            <a:schemeClr val="accent6"/>
+          </a:lnRef>
+          <a:fillRef idx="0">
+            <a:schemeClr val="accent6"/>
+          </a:fillRef>
+          <a:effectRef idx="2">
+            <a:schemeClr val="accent6"/>
+          </a:effectRef>
+          <a:fontRef idx="minor">
+            <a:schemeClr val="tx1"/>
+          </a:fontRef>
+        </p:style>
+      </p:cxnSp>
+      <p:sp>
+        <p:nvSpPr>
+          <p:cNvPr id="102" name="Oval 101">
+            <a:extLst>
+              <a:ext uri="{FF2B5EF4-FFF2-40B4-BE49-F238E27FC236}">
+                <a16:creationId xmlns:a16="http://schemas.microsoft.com/office/drawing/2014/main" id="{B592AE86-2BD9-442F-BBC4-53974AE3F9D3}"/>
+              </a:ext>
+            </a:extLst>
+          </p:cNvPr>
+          <p:cNvSpPr/>
+          <p:nvPr/>
+        </p:nvSpPr>
+        <p:spPr>
+          <a:xfrm>
+            <a:off x="7394843" y="2687775"/>
+            <a:ext cx="133350" cy="133350"/>
+          </a:xfrm>
+          <a:prstGeom prst="ellipse">
+            <a:avLst/>
+          </a:prstGeom>
+        </p:spPr>
+        <p:style>
+          <a:lnRef idx="2">
+            <a:schemeClr val="accent6"/>
+          </a:lnRef>
+          <a:fillRef idx="1">
+            <a:schemeClr val="lt1"/>
+          </a:fillRef>
+          <a:effectRef idx="0">
+            <a:schemeClr val="accent6"/>
+          </a:effectRef>
+          <a:fontRef idx="minor">
+            <a:schemeClr val="dk1"/>
+          </a:fontRef>
+        </p:style>
+        <p:txBody>
+          <a:bodyPr rtlCol="0" anchor="ctr"/>
+          <a:lstStyle/>
+          <a:p>
+            <a:pPr algn="ctr"/>
+            <a:endParaRPr lang="en-US" dirty="0"/>
+          </a:p>
+        </p:txBody>
+      </p:sp>
+      <p:sp>
+        <p:nvSpPr>
+          <p:cNvPr id="103" name="TextBox 102">
+            <a:extLst>
+              <a:ext uri="{FF2B5EF4-FFF2-40B4-BE49-F238E27FC236}">
+                <a16:creationId xmlns:a16="http://schemas.microsoft.com/office/drawing/2014/main" id="{9902BB38-E257-45B9-A867-2FA9C348FDA7}"/>
+              </a:ext>
+            </a:extLst>
+          </p:cNvPr>
+          <p:cNvSpPr txBox="1"/>
+          <p:nvPr/>
+        </p:nvSpPr>
+        <p:spPr>
+          <a:xfrm>
+            <a:off x="8938423" y="2125120"/>
+            <a:ext cx="2876750" cy="369332"/>
+          </a:xfrm>
+          <a:prstGeom prst="rect">
+            <a:avLst/>
+          </a:prstGeom>
+          <a:noFill/>
+        </p:spPr>
+        <p:txBody>
+          <a:bodyPr wrap="none" rtlCol="0">
+            <a:spAutoFit/>
+          </a:bodyPr>
+          <a:lstStyle/>
+          <a:p>
+            <a:r>
+              <a:rPr lang="en-US" dirty="0">
+                <a:solidFill>
+                  <a:schemeClr val="accent6">
+                    <a:lumMod val="75000"/>
+                  </a:schemeClr>
+                </a:solidFill>
+              </a:rPr>
+              <a:t>Engine-Defined Components</a:t>
+            </a:r>
+          </a:p>
+        </p:txBody>
+      </p:sp>
+      <p:sp>
+        <p:nvSpPr>
+          <p:cNvPr id="104" name="Rectangle: Rounded Corners 103">
+            <a:extLst>
+              <a:ext uri="{FF2B5EF4-FFF2-40B4-BE49-F238E27FC236}">
+                <a16:creationId xmlns:a16="http://schemas.microsoft.com/office/drawing/2014/main" id="{6A299E82-5CC5-4489-9FBA-48EF1B3D7525}"/>
+              </a:ext>
+            </a:extLst>
+          </p:cNvPr>
+          <p:cNvSpPr/>
+          <p:nvPr/>
+        </p:nvSpPr>
+        <p:spPr>
+          <a:xfrm>
+            <a:off x="5437224" y="1016404"/>
+            <a:ext cx="5655449" cy="697843"/>
+          </a:xfrm>
+          <a:prstGeom prst="roundRect">
+            <a:avLst/>
+          </a:prstGeom>
+          <a:solidFill>
+            <a:schemeClr val="accent6">
+              <a:lumMod val="20000"/>
+              <a:lumOff val="80000"/>
+            </a:schemeClr>
+          </a:solidFill>
+        </p:spPr>
+        <p:style>
+          <a:lnRef idx="2">
+            <a:schemeClr val="accent6"/>
+          </a:lnRef>
+          <a:fillRef idx="1">
+            <a:schemeClr val="lt1"/>
+          </a:fillRef>
+          <a:effectRef idx="0">
+            <a:schemeClr val="accent6"/>
+          </a:effectRef>
+          <a:fontRef idx="minor">
+            <a:schemeClr val="dk1"/>
+          </a:fontRef>
+        </p:style>
+        <p:txBody>
+          <a:bodyPr rtlCol="0" anchor="ctr"/>
+          <a:lstStyle/>
+          <a:p>
+            <a:r>
+              <a:rPr lang="en-US" sz="1600" dirty="0"/>
+              <a:t>TWO KINDS OF COMPONENTS</a:t>
+            </a:r>
+          </a:p>
+          <a:p>
+            <a:r>
+              <a:rPr lang="en-US" sz="1600" dirty="0"/>
+              <a:t>Components are either engine-defined or game-defined.</a:t>
+            </a:r>
+          </a:p>
+        </p:txBody>
+      </p:sp>
+      <p:sp>
+        <p:nvSpPr>
+          <p:cNvPr id="105" name="TextBox 104">
+            <a:extLst>
+              <a:ext uri="{FF2B5EF4-FFF2-40B4-BE49-F238E27FC236}">
+                <a16:creationId xmlns:a16="http://schemas.microsoft.com/office/drawing/2014/main" id="{9BDA7C86-52DE-4AE5-B800-944800E668D6}"/>
+              </a:ext>
+            </a:extLst>
+          </p:cNvPr>
+          <p:cNvSpPr txBox="1"/>
+          <p:nvPr/>
+        </p:nvSpPr>
+        <p:spPr>
+          <a:xfrm>
+            <a:off x="8950413" y="2508490"/>
+            <a:ext cx="2770116" cy="923330"/>
+          </a:xfrm>
+          <a:prstGeom prst="rect">
+            <a:avLst/>
+          </a:prstGeom>
+          <a:noFill/>
+        </p:spPr>
+        <p:txBody>
+          <a:bodyPr wrap="square" rtlCol="0">
+            <a:spAutoFit/>
+          </a:bodyPr>
+          <a:lstStyle/>
+          <a:p>
+            <a:r>
+              <a:rPr lang="en-US" dirty="0"/>
+              <a:t>Most drawing components are defined in the game engine.</a:t>
+            </a:r>
+          </a:p>
+        </p:txBody>
+      </p:sp>
+      <p:cxnSp>
+        <p:nvCxnSpPr>
+          <p:cNvPr id="106" name="Straight Connector 105">
+            <a:extLst>
+              <a:ext uri="{FF2B5EF4-FFF2-40B4-BE49-F238E27FC236}">
+                <a16:creationId xmlns:a16="http://schemas.microsoft.com/office/drawing/2014/main" id="{63DA9038-A70D-4212-8CBD-50E8D964F923}"/>
+              </a:ext>
+            </a:extLst>
+          </p:cNvPr>
+          <p:cNvCxnSpPr>
+            <a:cxnSpLocks/>
+          </p:cNvCxnSpPr>
+          <p:nvPr/>
+        </p:nvCxnSpPr>
+        <p:spPr>
+          <a:xfrm>
+            <a:off x="9132320" y="4501072"/>
+            <a:ext cx="2673887" cy="0"/>
+          </a:xfrm>
+          <a:prstGeom prst="line">
+            <a:avLst/>
+          </a:prstGeom>
+          <a:ln cap="rnd"/>
+        </p:spPr>
+        <p:style>
+          <a:lnRef idx="3">
+            <a:schemeClr val="accent6"/>
+          </a:lnRef>
+          <a:fillRef idx="0">
+            <a:schemeClr val="accent6"/>
+          </a:fillRef>
+          <a:effectRef idx="2">
+            <a:schemeClr val="accent6"/>
+          </a:effectRef>
+          <a:fontRef idx="minor">
+            <a:schemeClr val="tx1"/>
+          </a:fontRef>
+        </p:style>
+      </p:cxnSp>
+      <p:sp>
+        <p:nvSpPr>
+          <p:cNvPr id="107" name="TextBox 106">
+            <a:extLst>
+              <a:ext uri="{FF2B5EF4-FFF2-40B4-BE49-F238E27FC236}">
+                <a16:creationId xmlns:a16="http://schemas.microsoft.com/office/drawing/2014/main" id="{5E41DE53-F5D3-4E51-80CF-AC7569DC9A40}"/>
+              </a:ext>
+            </a:extLst>
+          </p:cNvPr>
+          <p:cNvSpPr txBox="1"/>
+          <p:nvPr/>
+        </p:nvSpPr>
+        <p:spPr>
+          <a:xfrm>
+            <a:off x="9036091" y="4555941"/>
+            <a:ext cx="2770116" cy="646331"/>
+          </a:xfrm>
+          <a:prstGeom prst="rect">
+            <a:avLst/>
+          </a:prstGeom>
+          <a:noFill/>
+        </p:spPr>
+        <p:txBody>
+          <a:bodyPr wrap="square" rtlCol="0">
+            <a:spAutoFit/>
+          </a:bodyPr>
+          <a:lstStyle/>
+          <a:p>
+            <a:r>
+              <a:rPr lang="en-US" dirty="0"/>
+              <a:t>Most behavior components are defined in the game.</a:t>
+            </a:r>
+          </a:p>
+        </p:txBody>
+      </p:sp>
+      <p:sp>
+        <p:nvSpPr>
+          <p:cNvPr id="108" name="TextBox 107">
+            <a:extLst>
+              <a:ext uri="{FF2B5EF4-FFF2-40B4-BE49-F238E27FC236}">
+                <a16:creationId xmlns:a16="http://schemas.microsoft.com/office/drawing/2014/main" id="{51761C33-B219-40DD-8651-9B664F114D9B}"/>
+              </a:ext>
+            </a:extLst>
+          </p:cNvPr>
+          <p:cNvSpPr txBox="1"/>
+          <p:nvPr/>
+        </p:nvSpPr>
+        <p:spPr>
+          <a:xfrm>
+            <a:off x="9036091" y="4161890"/>
+            <a:ext cx="2799805" cy="369332"/>
+          </a:xfrm>
+          <a:prstGeom prst="rect">
+            <a:avLst/>
+          </a:prstGeom>
+          <a:noFill/>
+        </p:spPr>
+        <p:txBody>
+          <a:bodyPr wrap="none" rtlCol="0">
+            <a:spAutoFit/>
+          </a:bodyPr>
+          <a:lstStyle/>
+          <a:p>
+            <a:r>
+              <a:rPr lang="en-US" dirty="0">
+                <a:solidFill>
+                  <a:schemeClr val="accent6">
+                    <a:lumMod val="75000"/>
+                  </a:schemeClr>
+                </a:solidFill>
+              </a:rPr>
+              <a:t>Game-Defined Components</a:t>
+            </a:r>
+          </a:p>
+        </p:txBody>
+      </p:sp>
+      <p:cxnSp>
+        <p:nvCxnSpPr>
+          <p:cNvPr id="109" name="Straight Connector 108">
+            <a:extLst>
+              <a:ext uri="{FF2B5EF4-FFF2-40B4-BE49-F238E27FC236}">
+                <a16:creationId xmlns:a16="http://schemas.microsoft.com/office/drawing/2014/main" id="{3523B743-0BBA-4503-88BD-7ABCB59B42C1}"/>
+              </a:ext>
+            </a:extLst>
+          </p:cNvPr>
+          <p:cNvCxnSpPr>
+            <a:cxnSpLocks/>
+          </p:cNvCxnSpPr>
+          <p:nvPr/>
+        </p:nvCxnSpPr>
+        <p:spPr>
+          <a:xfrm flipH="1" flipV="1">
+            <a:off x="7292340" y="4098442"/>
+            <a:ext cx="1839980" cy="397550"/>
+          </a:xfrm>
+          <a:prstGeom prst="line">
+            <a:avLst/>
+          </a:prstGeom>
+          <a:ln cap="rnd"/>
+        </p:spPr>
+        <p:style>
+          <a:lnRef idx="3">
+            <a:schemeClr val="accent6"/>
+          </a:lnRef>
+          <a:fillRef idx="0">
+            <a:schemeClr val="accent6"/>
+          </a:fillRef>
+          <a:effectRef idx="2">
+            <a:schemeClr val="accent6"/>
+          </a:effectRef>
+          <a:fontRef idx="minor">
+            <a:schemeClr val="tx1"/>
+          </a:fontRef>
+        </p:style>
+      </p:cxnSp>
+      <p:sp>
+        <p:nvSpPr>
+          <p:cNvPr id="110" name="Oval 109">
+            <a:extLst>
+              <a:ext uri="{FF2B5EF4-FFF2-40B4-BE49-F238E27FC236}">
+                <a16:creationId xmlns:a16="http://schemas.microsoft.com/office/drawing/2014/main" id="{FE1D6FCD-20A5-4A90-8CE4-E99AFAB4AB47}"/>
+              </a:ext>
+            </a:extLst>
+          </p:cNvPr>
+          <p:cNvSpPr/>
+          <p:nvPr/>
+        </p:nvSpPr>
+        <p:spPr>
+          <a:xfrm>
+            <a:off x="7270649" y="4036864"/>
+            <a:ext cx="133350" cy="133350"/>
+          </a:xfrm>
+          <a:prstGeom prst="ellipse">
+            <a:avLst/>
+          </a:prstGeom>
+        </p:spPr>
+        <p:style>
+          <a:lnRef idx="2">
+            <a:schemeClr val="accent6"/>
+          </a:lnRef>
+          <a:fillRef idx="1">
+            <a:schemeClr val="lt1"/>
+          </a:fillRef>
+          <a:effectRef idx="0">
+            <a:schemeClr val="accent6"/>
+          </a:effectRef>
+          <a:fontRef idx="minor">
+            <a:schemeClr val="dk1"/>
+          </a:fontRef>
+        </p:style>
+        <p:txBody>
+          <a:bodyPr rtlCol="0" anchor="ctr"/>
+          <a:lstStyle/>
+          <a:p>
+            <a:pPr algn="ctr"/>
+            <a:endParaRPr lang="en-US" dirty="0"/>
+          </a:p>
+        </p:txBody>
+      </p:sp>
+    </p:spTree>
+    <p:extLst>
+      <p:ext uri="{BB962C8B-B14F-4D97-AF65-F5344CB8AC3E}">
+        <p14:creationId xmlns:p14="http://schemas.microsoft.com/office/powerpoint/2010/main" val="3227573373"/>
+      </p:ext>
+    </p:extLst>
+  </p:cSld>
+  <p:clrMapOvr>
+    <a:masterClrMapping/>
+  </p:clrMapOvr>
+</p:sld>
+</file>
+
+<file path=ppt/slides/slide6.xml><?xml version="1.0" encoding="utf-8"?>
 <p:sld xmlns:a="http://schemas.openxmlformats.org/drawingml/2006/main" xmlns:r="http://schemas.openxmlformats.org/officeDocument/2006/relationships" xmlns:p="http://schemas.openxmlformats.org/presentationml/2006/main" show="0">
   <p:cSld>
     <p:spTree>
@@ -41185,7 +44428,7 @@
 </p:sld>
 </file>
 
-<file path=ppt/slides/slide6.xml><?xml version="1.0" encoding="utf-8"?>
+<file path=ppt/slides/slide7.xml><?xml version="1.0" encoding="utf-8"?>
 <p:sld xmlns:a="http://schemas.openxmlformats.org/drawingml/2006/main" xmlns:r="http://schemas.openxmlformats.org/officeDocument/2006/relationships" xmlns:p="http://schemas.openxmlformats.org/presentationml/2006/main">
   <p:cSld>
     <p:spTree>
@@ -42491,7 +45734,7 @@
 </p:sld>
 </file>
 
-<file path=ppt/slides/slide7.xml><?xml version="1.0" encoding="utf-8"?>
+<file path=ppt/slides/slide8.xml><?xml version="1.0" encoding="utf-8"?>
 <p:sld xmlns:a="http://schemas.openxmlformats.org/drawingml/2006/main" xmlns:r="http://schemas.openxmlformats.org/officeDocument/2006/relationships" xmlns:p="http://schemas.openxmlformats.org/presentationml/2006/main">
   <p:cSld>
     <p:spTree>
@@ -44470,7 +47713,7 @@
 </p:sld>
 </file>
 
-<file path=ppt/slides/slide8.xml><?xml version="1.0" encoding="utf-8"?>
+<file path=ppt/slides/slide9.xml><?xml version="1.0" encoding="utf-8"?>
 <p:sld xmlns:a="http://schemas.openxmlformats.org/drawingml/2006/main" xmlns:r="http://schemas.openxmlformats.org/officeDocument/2006/relationships" xmlns:p="http://schemas.openxmlformats.org/presentationml/2006/main">
   <p:cSld>
     <p:spTree>
@@ -46467,1243 +49710,6 @@
     <p:extLst>
       <p:ext uri="{BB962C8B-B14F-4D97-AF65-F5344CB8AC3E}">
         <p14:creationId xmlns:p14="http://schemas.microsoft.com/office/powerpoint/2010/main" val="1852805844"/>
-      </p:ext>
-    </p:extLst>
-  </p:cSld>
-  <p:clrMapOvr>
-    <a:masterClrMapping/>
-  </p:clrMapOvr>
-</p:sld>
-</file>
-
-<file path=ppt/slides/slide9.xml><?xml version="1.0" encoding="utf-8"?>
-<p:sld xmlns:a="http://schemas.openxmlformats.org/drawingml/2006/main" xmlns:r="http://schemas.openxmlformats.org/officeDocument/2006/relationships" xmlns:p="http://schemas.openxmlformats.org/presentationml/2006/main">
-  <p:cSld>
-    <p:spTree>
-      <p:nvGrpSpPr>
-        <p:cNvPr id="1" name=""/>
-        <p:cNvGrpSpPr/>
-        <p:nvPr/>
-      </p:nvGrpSpPr>
-      <p:grpSpPr>
-        <a:xfrm>
-          <a:off x="0" y="0"/>
-          <a:ext cx="0" cy="0"/>
-          <a:chOff x="0" y="0"/>
-          <a:chExt cx="0" cy="0"/>
-        </a:xfrm>
-      </p:grpSpPr>
-      <p:cxnSp>
-        <p:nvCxnSpPr>
-          <p:cNvPr id="5" name="Straight Connector 4">
-            <a:extLst>
-              <a:ext uri="{FF2B5EF4-FFF2-40B4-BE49-F238E27FC236}">
-                <a16:creationId xmlns:a16="http://schemas.microsoft.com/office/drawing/2014/main" id="{137595DA-6D53-45A0-9254-830836053E7D}"/>
-              </a:ext>
-            </a:extLst>
-          </p:cNvPr>
-          <p:cNvCxnSpPr>
-            <a:cxnSpLocks/>
-          </p:cNvCxnSpPr>
-          <p:nvPr/>
-        </p:nvCxnSpPr>
-        <p:spPr>
-          <a:xfrm flipV="1">
-            <a:off x="990385" y="1442556"/>
-            <a:ext cx="2398330" cy="19052"/>
-          </a:xfrm>
-          <a:prstGeom prst="line">
-            <a:avLst/>
-          </a:prstGeom>
-          <a:ln cap="rnd"/>
-        </p:spPr>
-        <p:style>
-          <a:lnRef idx="3">
-            <a:schemeClr val="accent6"/>
-          </a:lnRef>
-          <a:fillRef idx="0">
-            <a:schemeClr val="accent6"/>
-          </a:fillRef>
-          <a:effectRef idx="2">
-            <a:schemeClr val="accent6"/>
-          </a:effectRef>
-          <a:fontRef idx="minor">
-            <a:schemeClr val="tx1"/>
-          </a:fontRef>
-        </p:style>
-      </p:cxnSp>
-      <p:sp>
-        <p:nvSpPr>
-          <p:cNvPr id="11" name="Oval 10">
-            <a:extLst>
-              <a:ext uri="{FF2B5EF4-FFF2-40B4-BE49-F238E27FC236}">
-                <a16:creationId xmlns:a16="http://schemas.microsoft.com/office/drawing/2014/main" id="{B8162159-F990-4B83-B1ED-B71983DC26AC}"/>
-              </a:ext>
-            </a:extLst>
-          </p:cNvPr>
-          <p:cNvSpPr/>
-          <p:nvPr/>
-        </p:nvSpPr>
-        <p:spPr>
-          <a:xfrm>
-            <a:off x="3382055" y="1385407"/>
-            <a:ext cx="133350" cy="133350"/>
-          </a:xfrm>
-          <a:prstGeom prst="ellipse">
-            <a:avLst/>
-          </a:prstGeom>
-        </p:spPr>
-        <p:style>
-          <a:lnRef idx="2">
-            <a:schemeClr val="accent6"/>
-          </a:lnRef>
-          <a:fillRef idx="1">
-            <a:schemeClr val="lt1"/>
-          </a:fillRef>
-          <a:effectRef idx="0">
-            <a:schemeClr val="accent6"/>
-          </a:effectRef>
-          <a:fontRef idx="minor">
-            <a:schemeClr val="dk1"/>
-          </a:fontRef>
-        </p:style>
-        <p:txBody>
-          <a:bodyPr rtlCol="0" anchor="ctr"/>
-          <a:lstStyle/>
-          <a:p>
-            <a:pPr algn="ctr"/>
-            <a:endParaRPr lang="en-US"/>
-          </a:p>
-        </p:txBody>
-      </p:sp>
-      <p:sp>
-        <p:nvSpPr>
-          <p:cNvPr id="12" name="TextBox 11">
-            <a:extLst>
-              <a:ext uri="{FF2B5EF4-FFF2-40B4-BE49-F238E27FC236}">
-                <a16:creationId xmlns:a16="http://schemas.microsoft.com/office/drawing/2014/main" id="{2F21B15B-18F0-404B-A4D9-CF02D6672999}"/>
-              </a:ext>
-            </a:extLst>
-          </p:cNvPr>
-          <p:cNvSpPr txBox="1"/>
-          <p:nvPr/>
-        </p:nvSpPr>
-        <p:spPr>
-          <a:xfrm>
-            <a:off x="904661" y="1073224"/>
-            <a:ext cx="795282" cy="369332"/>
-          </a:xfrm>
-          <a:prstGeom prst="rect">
-            <a:avLst/>
-          </a:prstGeom>
-          <a:noFill/>
-        </p:spPr>
-        <p:txBody>
-          <a:bodyPr wrap="none" rtlCol="0">
-            <a:spAutoFit/>
-          </a:bodyPr>
-          <a:lstStyle/>
-          <a:p>
-            <a:r>
-              <a:rPr lang="en-US" dirty="0">
-                <a:solidFill>
-                  <a:schemeClr val="accent6">
-                    <a:lumMod val="75000"/>
-                  </a:schemeClr>
-                </a:solidFill>
-              </a:rPr>
-              <a:t>Events</a:t>
-            </a:r>
-          </a:p>
-        </p:txBody>
-      </p:sp>
-      <p:sp>
-        <p:nvSpPr>
-          <p:cNvPr id="38" name="TextBox 37">
-            <a:extLst>
-              <a:ext uri="{FF2B5EF4-FFF2-40B4-BE49-F238E27FC236}">
-                <a16:creationId xmlns:a16="http://schemas.microsoft.com/office/drawing/2014/main" id="{91D2CAB9-EF2E-4B5B-B20A-806B6DD60F42}"/>
-              </a:ext>
-            </a:extLst>
-          </p:cNvPr>
-          <p:cNvSpPr txBox="1"/>
-          <p:nvPr/>
-        </p:nvSpPr>
-        <p:spPr>
-          <a:xfrm>
-            <a:off x="0" y="250222"/>
-            <a:ext cx="12192000" cy="523220"/>
-          </a:xfrm>
-          <a:prstGeom prst="rect">
-            <a:avLst/>
-          </a:prstGeom>
-          <a:noFill/>
-        </p:spPr>
-        <p:txBody>
-          <a:bodyPr wrap="square" rtlCol="0">
-            <a:spAutoFit/>
-          </a:bodyPr>
-          <a:lstStyle/>
-          <a:p>
-            <a:pPr algn="ctr"/>
-            <a:r>
-              <a:rPr lang="en-US" sz="2800" dirty="0">
-                <a:solidFill>
-                  <a:schemeClr val="accent6">
-                    <a:lumMod val="75000"/>
-                  </a:schemeClr>
-                </a:solidFill>
-              </a:rPr>
-              <a:t>Events vs. Polling</a:t>
-            </a:r>
-          </a:p>
-        </p:txBody>
-      </p:sp>
-      <p:grpSp>
-        <p:nvGrpSpPr>
-          <p:cNvPr id="49" name="Group 48">
-            <a:extLst>
-              <a:ext uri="{FF2B5EF4-FFF2-40B4-BE49-F238E27FC236}">
-                <a16:creationId xmlns:a16="http://schemas.microsoft.com/office/drawing/2014/main" id="{B8CE06AF-2806-4107-95D9-AAC286CC343B}"/>
-              </a:ext>
-            </a:extLst>
-          </p:cNvPr>
-          <p:cNvGrpSpPr/>
-          <p:nvPr/>
-        </p:nvGrpSpPr>
-        <p:grpSpPr>
-          <a:xfrm>
-            <a:off x="3766877" y="629685"/>
-            <a:ext cx="4498072" cy="297874"/>
-            <a:chOff x="3971469" y="624781"/>
-            <a:chExt cx="4498072" cy="297874"/>
-          </a:xfrm>
-        </p:grpSpPr>
-        <p:cxnSp>
-          <p:nvCxnSpPr>
-            <p:cNvPr id="40" name="Straight Connector 39">
-              <a:extLst>
-                <a:ext uri="{FF2B5EF4-FFF2-40B4-BE49-F238E27FC236}">
-                  <a16:creationId xmlns:a16="http://schemas.microsoft.com/office/drawing/2014/main" id="{D6E0AC31-61D0-4CE2-AA3B-3C6978E8704A}"/>
-                </a:ext>
-              </a:extLst>
-            </p:cNvPr>
-            <p:cNvCxnSpPr/>
-            <p:nvPr/>
-          </p:nvCxnSpPr>
-          <p:spPr>
-            <a:xfrm>
-              <a:off x="5170031" y="773442"/>
-              <a:ext cx="2057400" cy="0"/>
-            </a:xfrm>
-            <a:prstGeom prst="line">
-              <a:avLst/>
-            </a:prstGeom>
-            <a:ln cap="rnd"/>
-          </p:spPr>
-          <p:style>
-            <a:lnRef idx="3">
-              <a:schemeClr val="accent6"/>
-            </a:lnRef>
-            <a:fillRef idx="0">
-              <a:schemeClr val="accent6"/>
-            </a:fillRef>
-            <a:effectRef idx="2">
-              <a:schemeClr val="accent6"/>
-            </a:effectRef>
-            <a:fontRef idx="minor">
-              <a:schemeClr val="tx1"/>
-            </a:fontRef>
-          </p:style>
-        </p:cxnSp>
-        <p:cxnSp>
-          <p:nvCxnSpPr>
-            <p:cNvPr id="41" name="Straight Connector 40">
-              <a:extLst>
-                <a:ext uri="{FF2B5EF4-FFF2-40B4-BE49-F238E27FC236}">
-                  <a16:creationId xmlns:a16="http://schemas.microsoft.com/office/drawing/2014/main" id="{B388F3BF-FB37-4435-8519-443F06647178}"/>
-                </a:ext>
-              </a:extLst>
-            </p:cNvPr>
-            <p:cNvCxnSpPr>
-              <a:cxnSpLocks/>
-            </p:cNvCxnSpPr>
-            <p:nvPr/>
-          </p:nvCxnSpPr>
-          <p:spPr>
-            <a:xfrm>
-              <a:off x="7349270" y="697242"/>
-              <a:ext cx="1027511" cy="0"/>
-            </a:xfrm>
-            <a:prstGeom prst="line">
-              <a:avLst/>
-            </a:prstGeom>
-            <a:ln cap="rnd"/>
-          </p:spPr>
-          <p:style>
-            <a:lnRef idx="3">
-              <a:schemeClr val="accent6"/>
-            </a:lnRef>
-            <a:fillRef idx="0">
-              <a:schemeClr val="accent6"/>
-            </a:fillRef>
-            <a:effectRef idx="2">
-              <a:schemeClr val="accent6"/>
-            </a:effectRef>
-            <a:fontRef idx="minor">
-              <a:schemeClr val="tx1"/>
-            </a:fontRef>
-          </p:style>
-        </p:cxnSp>
-        <p:cxnSp>
-          <p:nvCxnSpPr>
-            <p:cNvPr id="43" name="Straight Connector 42">
-              <a:extLst>
-                <a:ext uri="{FF2B5EF4-FFF2-40B4-BE49-F238E27FC236}">
-                  <a16:creationId xmlns:a16="http://schemas.microsoft.com/office/drawing/2014/main" id="{EC5F7052-9710-4CD3-8A81-EEE0E9A7244C}"/>
-                </a:ext>
-              </a:extLst>
-            </p:cNvPr>
-            <p:cNvCxnSpPr>
-              <a:cxnSpLocks/>
-            </p:cNvCxnSpPr>
-            <p:nvPr/>
-          </p:nvCxnSpPr>
-          <p:spPr>
-            <a:xfrm flipV="1">
-              <a:off x="7227431" y="697242"/>
-              <a:ext cx="121839" cy="76200"/>
-            </a:xfrm>
-            <a:prstGeom prst="line">
-              <a:avLst/>
-            </a:prstGeom>
-            <a:ln cap="rnd"/>
-          </p:spPr>
-          <p:style>
-            <a:lnRef idx="3">
-              <a:schemeClr val="accent6"/>
-            </a:lnRef>
-            <a:fillRef idx="0">
-              <a:schemeClr val="accent6"/>
-            </a:fillRef>
-            <a:effectRef idx="2">
-              <a:schemeClr val="accent6"/>
-            </a:effectRef>
-            <a:fontRef idx="minor">
-              <a:schemeClr val="tx1"/>
-            </a:fontRef>
-          </p:style>
-        </p:cxnSp>
-        <p:cxnSp>
-          <p:nvCxnSpPr>
-            <p:cNvPr id="46" name="Straight Connector 45">
-              <a:extLst>
-                <a:ext uri="{FF2B5EF4-FFF2-40B4-BE49-F238E27FC236}">
-                  <a16:creationId xmlns:a16="http://schemas.microsoft.com/office/drawing/2014/main" id="{C86B609C-3E9D-4EA1-9D7B-7AD108C8C57B}"/>
-                </a:ext>
-              </a:extLst>
-            </p:cNvPr>
-            <p:cNvCxnSpPr>
-              <a:cxnSpLocks/>
-            </p:cNvCxnSpPr>
-            <p:nvPr/>
-          </p:nvCxnSpPr>
-          <p:spPr>
-            <a:xfrm flipV="1">
-              <a:off x="5048192" y="773442"/>
-              <a:ext cx="121839" cy="76200"/>
-            </a:xfrm>
-            <a:prstGeom prst="line">
-              <a:avLst/>
-            </a:prstGeom>
-            <a:ln cap="rnd"/>
-          </p:spPr>
-          <p:style>
-            <a:lnRef idx="3">
-              <a:schemeClr val="accent6"/>
-            </a:lnRef>
-            <a:fillRef idx="0">
-              <a:schemeClr val="accent6"/>
-            </a:fillRef>
-            <a:effectRef idx="2">
-              <a:schemeClr val="accent6"/>
-            </a:effectRef>
-            <a:fontRef idx="minor">
-              <a:schemeClr val="tx1"/>
-            </a:fontRef>
-          </p:style>
-        </p:cxnSp>
-        <p:cxnSp>
-          <p:nvCxnSpPr>
-            <p:cNvPr id="47" name="Straight Connector 46">
-              <a:extLst>
-                <a:ext uri="{FF2B5EF4-FFF2-40B4-BE49-F238E27FC236}">
-                  <a16:creationId xmlns:a16="http://schemas.microsoft.com/office/drawing/2014/main" id="{0D690C07-0109-4CEC-B0CC-434EED608911}"/>
-                </a:ext>
-              </a:extLst>
-            </p:cNvPr>
-            <p:cNvCxnSpPr>
-              <a:cxnSpLocks/>
-            </p:cNvCxnSpPr>
-            <p:nvPr/>
-          </p:nvCxnSpPr>
-          <p:spPr>
-            <a:xfrm flipV="1">
-              <a:off x="4021655" y="849642"/>
-              <a:ext cx="1026537" cy="11668"/>
-            </a:xfrm>
-            <a:prstGeom prst="line">
-              <a:avLst/>
-            </a:prstGeom>
-            <a:ln cap="rnd"/>
-          </p:spPr>
-          <p:style>
-            <a:lnRef idx="3">
-              <a:schemeClr val="accent6"/>
-            </a:lnRef>
-            <a:fillRef idx="0">
-              <a:schemeClr val="accent6"/>
-            </a:fillRef>
-            <a:effectRef idx="2">
-              <a:schemeClr val="accent6"/>
-            </a:effectRef>
-            <a:fontRef idx="minor">
-              <a:schemeClr val="tx1"/>
-            </a:fontRef>
-          </p:style>
-        </p:cxnSp>
-        <p:sp>
-          <p:nvSpPr>
-            <p:cNvPr id="50" name="Oval 49">
-              <a:extLst>
-                <a:ext uri="{FF2B5EF4-FFF2-40B4-BE49-F238E27FC236}">
-                  <a16:creationId xmlns:a16="http://schemas.microsoft.com/office/drawing/2014/main" id="{EEA3A56A-D77B-4804-9467-3C2325189A39}"/>
-                </a:ext>
-              </a:extLst>
-            </p:cNvPr>
-            <p:cNvSpPr/>
-            <p:nvPr/>
-          </p:nvSpPr>
-          <p:spPr>
-            <a:xfrm>
-              <a:off x="3971469" y="789305"/>
-              <a:ext cx="133350" cy="133350"/>
-            </a:xfrm>
-            <a:prstGeom prst="ellipse">
-              <a:avLst/>
-            </a:prstGeom>
-          </p:spPr>
-          <p:style>
-            <a:lnRef idx="2">
-              <a:schemeClr val="accent6"/>
-            </a:lnRef>
-            <a:fillRef idx="1">
-              <a:schemeClr val="lt1"/>
-            </a:fillRef>
-            <a:effectRef idx="0">
-              <a:schemeClr val="accent6"/>
-            </a:effectRef>
-            <a:fontRef idx="minor">
-              <a:schemeClr val="dk1"/>
-            </a:fontRef>
-          </p:style>
-          <p:txBody>
-            <a:bodyPr rtlCol="0" anchor="ctr"/>
-            <a:lstStyle/>
-            <a:p>
-              <a:pPr algn="ctr"/>
-              <a:endParaRPr lang="en-US" i="1" dirty="0"/>
-            </a:p>
-          </p:txBody>
-        </p:sp>
-        <p:sp>
-          <p:nvSpPr>
-            <p:cNvPr id="51" name="Oval 50">
-              <a:extLst>
-                <a:ext uri="{FF2B5EF4-FFF2-40B4-BE49-F238E27FC236}">
-                  <a16:creationId xmlns:a16="http://schemas.microsoft.com/office/drawing/2014/main" id="{488A40C9-3C11-477D-B0FB-19648893F367}"/>
-                </a:ext>
-              </a:extLst>
-            </p:cNvPr>
-            <p:cNvSpPr/>
-            <p:nvPr/>
-          </p:nvSpPr>
-          <p:spPr>
-            <a:xfrm>
-              <a:off x="8336191" y="624781"/>
-              <a:ext cx="133350" cy="133350"/>
-            </a:xfrm>
-            <a:prstGeom prst="ellipse">
-              <a:avLst/>
-            </a:prstGeom>
-          </p:spPr>
-          <p:style>
-            <a:lnRef idx="2">
-              <a:schemeClr val="accent6"/>
-            </a:lnRef>
-            <a:fillRef idx="1">
-              <a:schemeClr val="lt1"/>
-            </a:fillRef>
-            <a:effectRef idx="0">
-              <a:schemeClr val="accent6"/>
-            </a:effectRef>
-            <a:fontRef idx="minor">
-              <a:schemeClr val="dk1"/>
-            </a:fontRef>
-          </p:style>
-          <p:txBody>
-            <a:bodyPr rtlCol="0" anchor="ctr"/>
-            <a:lstStyle/>
-            <a:p>
-              <a:pPr algn="ctr"/>
-              <a:endParaRPr lang="en-US" i="1" dirty="0"/>
-            </a:p>
-          </p:txBody>
-        </p:sp>
-      </p:grpSp>
-      <p:grpSp>
-        <p:nvGrpSpPr>
-          <p:cNvPr id="68" name="Group 67">
-            <a:extLst>
-              <a:ext uri="{FF2B5EF4-FFF2-40B4-BE49-F238E27FC236}">
-                <a16:creationId xmlns:a16="http://schemas.microsoft.com/office/drawing/2014/main" id="{4C38A914-7C5E-45DB-97BE-E79CA2ECD5F8}"/>
-              </a:ext>
-            </a:extLst>
-          </p:cNvPr>
-          <p:cNvGrpSpPr/>
-          <p:nvPr/>
-        </p:nvGrpSpPr>
-        <p:grpSpPr>
-          <a:xfrm>
-            <a:off x="8044436" y="1039715"/>
-            <a:ext cx="2842861" cy="436350"/>
-            <a:chOff x="7886238" y="1326460"/>
-            <a:chExt cx="2842861" cy="436350"/>
-          </a:xfrm>
-        </p:grpSpPr>
-        <p:cxnSp>
-          <p:nvCxnSpPr>
-            <p:cNvPr id="82" name="Straight Connector 81">
-              <a:extLst>
-                <a:ext uri="{FF2B5EF4-FFF2-40B4-BE49-F238E27FC236}">
-                  <a16:creationId xmlns:a16="http://schemas.microsoft.com/office/drawing/2014/main" id="{B6731E9E-AA0A-4051-B5CF-CCBE60A4E81A}"/>
-                </a:ext>
-              </a:extLst>
-            </p:cNvPr>
-            <p:cNvCxnSpPr>
-              <a:cxnSpLocks/>
-            </p:cNvCxnSpPr>
-            <p:nvPr/>
-          </p:nvCxnSpPr>
-          <p:spPr>
-            <a:xfrm>
-              <a:off x="7995775" y="1695792"/>
-              <a:ext cx="2604577" cy="0"/>
-            </a:xfrm>
-            <a:prstGeom prst="line">
-              <a:avLst/>
-            </a:prstGeom>
-            <a:ln cap="rnd"/>
-          </p:spPr>
-          <p:style>
-            <a:lnRef idx="3">
-              <a:schemeClr val="accent6"/>
-            </a:lnRef>
-            <a:fillRef idx="0">
-              <a:schemeClr val="accent6"/>
-            </a:fillRef>
-            <a:effectRef idx="2">
-              <a:schemeClr val="accent6"/>
-            </a:effectRef>
-            <a:fontRef idx="minor">
-              <a:schemeClr val="tx1"/>
-            </a:fontRef>
-          </p:style>
-        </p:cxnSp>
-        <p:sp>
-          <p:nvSpPr>
-            <p:cNvPr id="83" name="Oval 82">
-              <a:extLst>
-                <a:ext uri="{FF2B5EF4-FFF2-40B4-BE49-F238E27FC236}">
-                  <a16:creationId xmlns:a16="http://schemas.microsoft.com/office/drawing/2014/main" id="{FA465960-DB0D-46CD-8325-5B378A260064}"/>
-                </a:ext>
-              </a:extLst>
-            </p:cNvPr>
-            <p:cNvSpPr/>
-            <p:nvPr/>
-          </p:nvSpPr>
-          <p:spPr>
-            <a:xfrm>
-              <a:off x="7886238" y="1629460"/>
-              <a:ext cx="133350" cy="133350"/>
-            </a:xfrm>
-            <a:prstGeom prst="ellipse">
-              <a:avLst/>
-            </a:prstGeom>
-          </p:spPr>
-          <p:style>
-            <a:lnRef idx="2">
-              <a:schemeClr val="accent6"/>
-            </a:lnRef>
-            <a:fillRef idx="1">
-              <a:schemeClr val="lt1"/>
-            </a:fillRef>
-            <a:effectRef idx="0">
-              <a:schemeClr val="accent6"/>
-            </a:effectRef>
-            <a:fontRef idx="minor">
-              <a:schemeClr val="dk1"/>
-            </a:fontRef>
-          </p:style>
-          <p:txBody>
-            <a:bodyPr rtlCol="0" anchor="ctr"/>
-            <a:lstStyle/>
-            <a:p>
-              <a:pPr algn="ctr"/>
-              <a:endParaRPr lang="en-US"/>
-            </a:p>
-          </p:txBody>
-        </p:sp>
-        <p:sp>
-          <p:nvSpPr>
-            <p:cNvPr id="84" name="TextBox 83">
-              <a:extLst>
-                <a:ext uri="{FF2B5EF4-FFF2-40B4-BE49-F238E27FC236}">
-                  <a16:creationId xmlns:a16="http://schemas.microsoft.com/office/drawing/2014/main" id="{B9C48476-7589-496A-86FB-05340FA07230}"/>
-                </a:ext>
-              </a:extLst>
-            </p:cNvPr>
-            <p:cNvSpPr txBox="1"/>
-            <p:nvPr/>
-          </p:nvSpPr>
-          <p:spPr>
-            <a:xfrm>
-              <a:off x="7910051" y="1326460"/>
-              <a:ext cx="2819048" cy="369332"/>
-            </a:xfrm>
-            <a:prstGeom prst="rect">
-              <a:avLst/>
-            </a:prstGeom>
-            <a:noFill/>
-          </p:spPr>
-          <p:txBody>
-            <a:bodyPr wrap="square" rtlCol="0">
-              <a:spAutoFit/>
-            </a:bodyPr>
-            <a:lstStyle/>
-            <a:p>
-              <a:pPr algn="r"/>
-              <a:r>
-                <a:rPr lang="en-US" dirty="0">
-                  <a:solidFill>
-                    <a:schemeClr val="accent6">
-                      <a:lumMod val="75000"/>
-                    </a:schemeClr>
-                  </a:solidFill>
-                </a:rPr>
-                <a:t>Polling</a:t>
-              </a:r>
-            </a:p>
-          </p:txBody>
-        </p:sp>
-      </p:grpSp>
-      <p:sp>
-        <p:nvSpPr>
-          <p:cNvPr id="56" name="TextBox 55">
-            <a:extLst>
-              <a:ext uri="{FF2B5EF4-FFF2-40B4-BE49-F238E27FC236}">
-                <a16:creationId xmlns:a16="http://schemas.microsoft.com/office/drawing/2014/main" id="{DC9E2662-5E83-424E-A577-4BDD9D1941B9}"/>
-              </a:ext>
-            </a:extLst>
-          </p:cNvPr>
-          <p:cNvSpPr txBox="1"/>
-          <p:nvPr/>
-        </p:nvSpPr>
-        <p:spPr>
-          <a:xfrm>
-            <a:off x="902235" y="1571045"/>
-            <a:ext cx="2799677" cy="923330"/>
-          </a:xfrm>
-          <a:prstGeom prst="rect">
-            <a:avLst/>
-          </a:prstGeom>
-          <a:noFill/>
-        </p:spPr>
-        <p:txBody>
-          <a:bodyPr wrap="none" rtlCol="0">
-            <a:spAutoFit/>
-          </a:bodyPr>
-          <a:lstStyle/>
-          <a:p>
-            <a:r>
-              <a:rPr lang="en-US" dirty="0"/>
-              <a:t>Best for discrete input</a:t>
-            </a:r>
-          </a:p>
-          <a:p>
-            <a:r>
-              <a:rPr lang="en-US" dirty="0"/>
-              <a:t>Called outside of game loop</a:t>
-            </a:r>
-          </a:p>
-          <a:p>
-            <a:r>
-              <a:rPr lang="en-US" dirty="0"/>
-              <a:t>Called by event system</a:t>
-            </a:r>
-          </a:p>
-        </p:txBody>
-      </p:sp>
-      <p:sp>
-        <p:nvSpPr>
-          <p:cNvPr id="48" name="TextBox 47">
-            <a:extLst>
-              <a:ext uri="{FF2B5EF4-FFF2-40B4-BE49-F238E27FC236}">
-                <a16:creationId xmlns:a16="http://schemas.microsoft.com/office/drawing/2014/main" id="{326B75DB-F559-4133-B94B-1883447448C2}"/>
-              </a:ext>
-            </a:extLst>
-          </p:cNvPr>
-          <p:cNvSpPr txBox="1"/>
-          <p:nvPr/>
-        </p:nvSpPr>
-        <p:spPr>
-          <a:xfrm>
-            <a:off x="8233494" y="1571045"/>
-            <a:ext cx="2653803" cy="923330"/>
-          </a:xfrm>
-          <a:prstGeom prst="rect">
-            <a:avLst/>
-          </a:prstGeom>
-          <a:noFill/>
-        </p:spPr>
-        <p:txBody>
-          <a:bodyPr wrap="none" rtlCol="0">
-            <a:spAutoFit/>
-          </a:bodyPr>
-          <a:lstStyle/>
-          <a:p>
-            <a:pPr algn="r"/>
-            <a:r>
-              <a:rPr lang="en-US" dirty="0"/>
-              <a:t>Best for continuous input</a:t>
-            </a:r>
-          </a:p>
-          <a:p>
-            <a:pPr algn="r"/>
-            <a:r>
-              <a:rPr lang="en-US" dirty="0"/>
-              <a:t>Called inside of game loop</a:t>
-            </a:r>
-          </a:p>
-          <a:p>
-            <a:pPr algn="r"/>
-            <a:r>
-              <a:rPr lang="en-US" dirty="0"/>
-              <a:t>Called by user code</a:t>
-            </a:r>
-          </a:p>
-        </p:txBody>
-      </p:sp>
-      <p:pic>
-        <p:nvPicPr>
-          <p:cNvPr id="52" name="Picture 2" descr="https://i5.walmartimages.com/asr/cc1e8142-7c0c-46c6-a2b2-df30d85d199a_1.5abf59f0479abdfb3bcb3c9faab2269e.jpeg?odnWidth=undefined&amp;odnHeight=undefined&amp;odnBg=ffffff">
-            <a:extLst>
-              <a:ext uri="{FF2B5EF4-FFF2-40B4-BE49-F238E27FC236}">
-                <a16:creationId xmlns:a16="http://schemas.microsoft.com/office/drawing/2014/main" id="{58C0C9E5-478C-4963-A9C3-1CDBBDE5A6DF}"/>
-              </a:ext>
-            </a:extLst>
-          </p:cNvPr>
-          <p:cNvPicPr>
-            <a:picLocks noChangeAspect="1" noChangeArrowheads="1"/>
-          </p:cNvPicPr>
-          <p:nvPr/>
-        </p:nvPicPr>
-        <p:blipFill>
-          <a:blip r:embed="rId2">
-            <a:extLst>
-              <a:ext uri="{28A0092B-C50C-407E-A947-70E740481C1C}">
-                <a14:useLocalDpi xmlns:a14="http://schemas.microsoft.com/office/drawing/2010/main" val="0"/>
-              </a:ext>
-            </a:extLst>
-          </a:blip>
-          <a:srcRect/>
-          <a:stretch>
-            <a:fillRect/>
-          </a:stretch>
-        </p:blipFill>
-        <p:spPr bwMode="auto">
-          <a:xfrm>
-            <a:off x="990385" y="2782641"/>
-            <a:ext cx="1071258" cy="1018673"/>
-          </a:xfrm>
-          <a:prstGeom prst="rect">
-            <a:avLst/>
-          </a:prstGeom>
-          <a:noFill/>
-          <a:extLst>
-            <a:ext uri="{909E8E84-426E-40DD-AFC4-6F175D3DCCD1}">
-              <a14:hiddenFill xmlns:a14="http://schemas.microsoft.com/office/drawing/2010/main">
-                <a:solidFill>
-                  <a:srgbClr val="FFFFFF"/>
-                </a:solidFill>
-              </a14:hiddenFill>
-            </a:ext>
-          </a:extLst>
-        </p:spPr>
-      </p:pic>
-      <p:sp>
-        <p:nvSpPr>
-          <p:cNvPr id="2" name="Rectangle: Rounded Corners 1">
-            <a:extLst>
-              <a:ext uri="{FF2B5EF4-FFF2-40B4-BE49-F238E27FC236}">
-                <a16:creationId xmlns:a16="http://schemas.microsoft.com/office/drawing/2014/main" id="{C39F9168-D38F-41E4-80D3-5A12DF0DC50E}"/>
-              </a:ext>
-            </a:extLst>
-          </p:cNvPr>
-          <p:cNvSpPr/>
-          <p:nvPr/>
-        </p:nvSpPr>
-        <p:spPr>
-          <a:xfrm>
-            <a:off x="2449895" y="2830311"/>
-            <a:ext cx="1086642" cy="923330"/>
-          </a:xfrm>
-          <a:prstGeom prst="roundRect">
-            <a:avLst/>
-          </a:prstGeom>
-        </p:spPr>
-        <p:style>
-          <a:lnRef idx="2">
-            <a:schemeClr val="accent6"/>
-          </a:lnRef>
-          <a:fillRef idx="1">
-            <a:schemeClr val="lt1"/>
-          </a:fillRef>
-          <a:effectRef idx="0">
-            <a:schemeClr val="accent6"/>
-          </a:effectRef>
-          <a:fontRef idx="minor">
-            <a:schemeClr val="dk1"/>
-          </a:fontRef>
-        </p:style>
-        <p:txBody>
-          <a:bodyPr rtlCol="0" anchor="ctr"/>
-          <a:lstStyle/>
-          <a:p>
-            <a:pPr algn="ctr"/>
-            <a:r>
-              <a:rPr lang="en-US" dirty="0"/>
-              <a:t>Game Engine</a:t>
-            </a:r>
-          </a:p>
-        </p:txBody>
-      </p:sp>
-      <p:sp>
-        <p:nvSpPr>
-          <p:cNvPr id="53" name="Rectangle: Rounded Corners 52">
-            <a:extLst>
-              <a:ext uri="{FF2B5EF4-FFF2-40B4-BE49-F238E27FC236}">
-                <a16:creationId xmlns:a16="http://schemas.microsoft.com/office/drawing/2014/main" id="{AC03B9F4-3A1D-48A7-B34B-81599FDF0C2D}"/>
-              </a:ext>
-            </a:extLst>
-          </p:cNvPr>
-          <p:cNvSpPr/>
-          <p:nvPr/>
-        </p:nvSpPr>
-        <p:spPr>
-          <a:xfrm>
-            <a:off x="2449895" y="4151882"/>
-            <a:ext cx="1086642" cy="923330"/>
-          </a:xfrm>
-          <a:prstGeom prst="roundRect">
-            <a:avLst/>
-          </a:prstGeom>
-        </p:spPr>
-        <p:style>
-          <a:lnRef idx="2">
-            <a:schemeClr val="accent6"/>
-          </a:lnRef>
-          <a:fillRef idx="1">
-            <a:schemeClr val="lt1"/>
-          </a:fillRef>
-          <a:effectRef idx="0">
-            <a:schemeClr val="accent6"/>
-          </a:effectRef>
-          <a:fontRef idx="minor">
-            <a:schemeClr val="dk1"/>
-          </a:fontRef>
-        </p:style>
-        <p:txBody>
-          <a:bodyPr rtlCol="0" anchor="ctr"/>
-          <a:lstStyle/>
-          <a:p>
-            <a:pPr algn="ctr"/>
-            <a:r>
-              <a:rPr lang="en-US" dirty="0"/>
-              <a:t>Event Listener</a:t>
-            </a:r>
-          </a:p>
-        </p:txBody>
-      </p:sp>
-      <p:cxnSp>
-        <p:nvCxnSpPr>
-          <p:cNvPr id="6" name="Straight Arrow Connector 5">
-            <a:extLst>
-              <a:ext uri="{FF2B5EF4-FFF2-40B4-BE49-F238E27FC236}">
-                <a16:creationId xmlns:a16="http://schemas.microsoft.com/office/drawing/2014/main" id="{C7606CB8-83CB-43BF-9ECC-EB8C532E8C39}"/>
-              </a:ext>
-            </a:extLst>
-          </p:cNvPr>
-          <p:cNvCxnSpPr>
-            <a:cxnSpLocks/>
-            <a:stCxn id="52" idx="3"/>
-            <a:endCxn id="2" idx="1"/>
-          </p:cNvCxnSpPr>
-          <p:nvPr/>
-        </p:nvCxnSpPr>
-        <p:spPr>
-          <a:xfrm flipV="1">
-            <a:off x="2061643" y="3291976"/>
-            <a:ext cx="388252" cy="2"/>
-          </a:xfrm>
-          <a:prstGeom prst="straightConnector1">
-            <a:avLst/>
-          </a:prstGeom>
-          <a:ln>
-            <a:tailEnd type="triangle"/>
-          </a:ln>
-        </p:spPr>
-        <p:style>
-          <a:lnRef idx="3">
-            <a:schemeClr val="accent6"/>
-          </a:lnRef>
-          <a:fillRef idx="0">
-            <a:schemeClr val="accent6"/>
-          </a:fillRef>
-          <a:effectRef idx="2">
-            <a:schemeClr val="accent6"/>
-          </a:effectRef>
-          <a:fontRef idx="minor">
-            <a:schemeClr val="tx1"/>
-          </a:fontRef>
-        </p:style>
-      </p:cxnSp>
-      <p:cxnSp>
-        <p:nvCxnSpPr>
-          <p:cNvPr id="54" name="Straight Arrow Connector 53">
-            <a:extLst>
-              <a:ext uri="{FF2B5EF4-FFF2-40B4-BE49-F238E27FC236}">
-                <a16:creationId xmlns:a16="http://schemas.microsoft.com/office/drawing/2014/main" id="{4F50C6DE-A798-46C7-948E-7F2722E3152A}"/>
-              </a:ext>
-            </a:extLst>
-          </p:cNvPr>
-          <p:cNvCxnSpPr>
-            <a:cxnSpLocks/>
-            <a:stCxn id="2" idx="2"/>
-            <a:endCxn id="53" idx="0"/>
-          </p:cNvCxnSpPr>
-          <p:nvPr/>
-        </p:nvCxnSpPr>
-        <p:spPr>
-          <a:xfrm>
-            <a:off x="2993216" y="3753641"/>
-            <a:ext cx="0" cy="398241"/>
-          </a:xfrm>
-          <a:prstGeom prst="straightConnector1">
-            <a:avLst/>
-          </a:prstGeom>
-          <a:ln>
-            <a:tailEnd type="triangle"/>
-          </a:ln>
-        </p:spPr>
-        <p:style>
-          <a:lnRef idx="3">
-            <a:schemeClr val="accent6"/>
-          </a:lnRef>
-          <a:fillRef idx="0">
-            <a:schemeClr val="accent6"/>
-          </a:fillRef>
-          <a:effectRef idx="2">
-            <a:schemeClr val="accent6"/>
-          </a:effectRef>
-          <a:fontRef idx="minor">
-            <a:schemeClr val="tx1"/>
-          </a:fontRef>
-        </p:style>
-      </p:cxnSp>
-      <p:pic>
-        <p:nvPicPr>
-          <p:cNvPr id="55" name="Picture 2" descr="https://i5.walmartimages.com/asr/cc1e8142-7c0c-46c6-a2b2-df30d85d199a_1.5abf59f0479abdfb3bcb3c9faab2269e.jpeg?odnWidth=undefined&amp;odnHeight=undefined&amp;odnBg=ffffff">
-            <a:extLst>
-              <a:ext uri="{FF2B5EF4-FFF2-40B4-BE49-F238E27FC236}">
-                <a16:creationId xmlns:a16="http://schemas.microsoft.com/office/drawing/2014/main" id="{56A5D29E-2196-4B77-987C-6EBE1062F973}"/>
-              </a:ext>
-            </a:extLst>
-          </p:cNvPr>
-          <p:cNvPicPr>
-            <a:picLocks noChangeAspect="1" noChangeArrowheads="1"/>
-          </p:cNvPicPr>
-          <p:nvPr/>
-        </p:nvPicPr>
-        <p:blipFill>
-          <a:blip r:embed="rId2">
-            <a:extLst>
-              <a:ext uri="{28A0092B-C50C-407E-A947-70E740481C1C}">
-                <a14:useLocalDpi xmlns:a14="http://schemas.microsoft.com/office/drawing/2010/main" val="0"/>
-              </a:ext>
-            </a:extLst>
-          </a:blip>
-          <a:srcRect/>
-          <a:stretch>
-            <a:fillRect/>
-          </a:stretch>
-        </p:blipFill>
-        <p:spPr bwMode="auto">
-          <a:xfrm>
-            <a:off x="9816039" y="2782640"/>
-            <a:ext cx="1071258" cy="1018673"/>
-          </a:xfrm>
-          <a:prstGeom prst="rect">
-            <a:avLst/>
-          </a:prstGeom>
-          <a:noFill/>
-          <a:extLst>
-            <a:ext uri="{909E8E84-426E-40DD-AFC4-6F175D3DCCD1}">
-              <a14:hiddenFill xmlns:a14="http://schemas.microsoft.com/office/drawing/2010/main">
-                <a:solidFill>
-                  <a:srgbClr val="FFFFFF"/>
-                </a:solidFill>
-              </a14:hiddenFill>
-            </a:ext>
-          </a:extLst>
-        </p:spPr>
-      </p:pic>
-      <p:sp>
-        <p:nvSpPr>
-          <p:cNvPr id="60" name="Rectangle: Rounded Corners 59">
-            <a:extLst>
-              <a:ext uri="{FF2B5EF4-FFF2-40B4-BE49-F238E27FC236}">
-                <a16:creationId xmlns:a16="http://schemas.microsoft.com/office/drawing/2014/main" id="{11E786E3-403E-427C-AF0F-3C8113AD6E31}"/>
-              </a:ext>
-            </a:extLst>
-          </p:cNvPr>
-          <p:cNvSpPr/>
-          <p:nvPr/>
-        </p:nvSpPr>
-        <p:spPr>
-          <a:xfrm>
-            <a:off x="8198274" y="2830311"/>
-            <a:ext cx="1086642" cy="923330"/>
-          </a:xfrm>
-          <a:prstGeom prst="roundRect">
-            <a:avLst/>
-          </a:prstGeom>
-        </p:spPr>
-        <p:style>
-          <a:lnRef idx="2">
-            <a:schemeClr val="accent6"/>
-          </a:lnRef>
-          <a:fillRef idx="1">
-            <a:schemeClr val="lt1"/>
-          </a:fillRef>
-          <a:effectRef idx="0">
-            <a:schemeClr val="accent6"/>
-          </a:effectRef>
-          <a:fontRef idx="minor">
-            <a:schemeClr val="dk1"/>
-          </a:fontRef>
-        </p:style>
-        <p:txBody>
-          <a:bodyPr rtlCol="0" anchor="ctr"/>
-          <a:lstStyle/>
-          <a:p>
-            <a:pPr algn="ctr"/>
-            <a:r>
-              <a:rPr lang="en-US" dirty="0"/>
-              <a:t>Stored Input State</a:t>
-            </a:r>
-          </a:p>
-        </p:txBody>
-      </p:sp>
-      <p:sp>
-        <p:nvSpPr>
-          <p:cNvPr id="61" name="Rectangle: Rounded Corners 60">
-            <a:extLst>
-              <a:ext uri="{FF2B5EF4-FFF2-40B4-BE49-F238E27FC236}">
-                <a16:creationId xmlns:a16="http://schemas.microsoft.com/office/drawing/2014/main" id="{3A8BC514-C7DE-4113-BFFF-59734FBC04CE}"/>
-              </a:ext>
-            </a:extLst>
-          </p:cNvPr>
-          <p:cNvSpPr/>
-          <p:nvPr/>
-        </p:nvSpPr>
-        <p:spPr>
-          <a:xfrm>
-            <a:off x="8198274" y="4151882"/>
-            <a:ext cx="1086642" cy="923330"/>
-          </a:xfrm>
-          <a:prstGeom prst="roundRect">
-            <a:avLst/>
-          </a:prstGeom>
-        </p:spPr>
-        <p:style>
-          <a:lnRef idx="2">
-            <a:schemeClr val="accent6"/>
-          </a:lnRef>
-          <a:fillRef idx="1">
-            <a:schemeClr val="lt1"/>
-          </a:fillRef>
-          <a:effectRef idx="0">
-            <a:schemeClr val="accent6"/>
-          </a:effectRef>
-          <a:fontRef idx="minor">
-            <a:schemeClr val="dk1"/>
-          </a:fontRef>
-        </p:style>
-        <p:txBody>
-          <a:bodyPr rtlCol="0" anchor="ctr"/>
-          <a:lstStyle/>
-          <a:p>
-            <a:pPr algn="ctr"/>
-            <a:r>
-              <a:rPr lang="en-US" dirty="0"/>
-              <a:t>Update</a:t>
-            </a:r>
-          </a:p>
-          <a:p>
-            <a:pPr algn="ctr"/>
-            <a:r>
-              <a:rPr lang="en-US" dirty="0"/>
-              <a:t>Method</a:t>
-            </a:r>
-          </a:p>
-        </p:txBody>
-      </p:sp>
-      <p:cxnSp>
-        <p:nvCxnSpPr>
-          <p:cNvPr id="62" name="Straight Arrow Connector 61">
-            <a:extLst>
-              <a:ext uri="{FF2B5EF4-FFF2-40B4-BE49-F238E27FC236}">
-                <a16:creationId xmlns:a16="http://schemas.microsoft.com/office/drawing/2014/main" id="{9B9E17CA-C4E9-40A4-B429-C46E6228FFE7}"/>
-              </a:ext>
-            </a:extLst>
-          </p:cNvPr>
-          <p:cNvCxnSpPr>
-            <a:cxnSpLocks/>
-            <a:stCxn id="55" idx="1"/>
-            <a:endCxn id="60" idx="3"/>
-          </p:cNvCxnSpPr>
-          <p:nvPr/>
-        </p:nvCxnSpPr>
-        <p:spPr>
-          <a:xfrm flipH="1" flipV="1">
-            <a:off x="9284916" y="3291976"/>
-            <a:ext cx="531123" cy="1"/>
-          </a:xfrm>
-          <a:prstGeom prst="straightConnector1">
-            <a:avLst/>
-          </a:prstGeom>
-          <a:ln>
-            <a:tailEnd type="triangle"/>
-          </a:ln>
-        </p:spPr>
-        <p:style>
-          <a:lnRef idx="3">
-            <a:schemeClr val="accent6"/>
-          </a:lnRef>
-          <a:fillRef idx="0">
-            <a:schemeClr val="accent6"/>
-          </a:fillRef>
-          <a:effectRef idx="2">
-            <a:schemeClr val="accent6"/>
-          </a:effectRef>
-          <a:fontRef idx="minor">
-            <a:schemeClr val="tx1"/>
-          </a:fontRef>
-        </p:style>
-      </p:cxnSp>
-      <p:cxnSp>
-        <p:nvCxnSpPr>
-          <p:cNvPr id="63" name="Straight Arrow Connector 62">
-            <a:extLst>
-              <a:ext uri="{FF2B5EF4-FFF2-40B4-BE49-F238E27FC236}">
-                <a16:creationId xmlns:a16="http://schemas.microsoft.com/office/drawing/2014/main" id="{6403A176-3EBA-4089-B383-79A5DBE38AC7}"/>
-              </a:ext>
-            </a:extLst>
-          </p:cNvPr>
-          <p:cNvCxnSpPr>
-            <a:cxnSpLocks/>
-            <a:stCxn id="61" idx="0"/>
-            <a:endCxn id="60" idx="2"/>
-          </p:cNvCxnSpPr>
-          <p:nvPr/>
-        </p:nvCxnSpPr>
-        <p:spPr>
-          <a:xfrm flipV="1">
-            <a:off x="8741595" y="3753641"/>
-            <a:ext cx="0" cy="398241"/>
-          </a:xfrm>
-          <a:prstGeom prst="straightConnector1">
-            <a:avLst/>
-          </a:prstGeom>
-          <a:ln>
-            <a:tailEnd type="triangle"/>
-          </a:ln>
-        </p:spPr>
-        <p:style>
-          <a:lnRef idx="3">
-            <a:schemeClr val="accent6"/>
-          </a:lnRef>
-          <a:fillRef idx="0">
-            <a:schemeClr val="accent6"/>
-          </a:fillRef>
-          <a:effectRef idx="2">
-            <a:schemeClr val="accent6"/>
-          </a:effectRef>
-          <a:fontRef idx="minor">
-            <a:schemeClr val="tx1"/>
-          </a:fontRef>
-        </p:style>
-      </p:cxnSp>
-      <p:sp>
-        <p:nvSpPr>
-          <p:cNvPr id="33" name="TextBox 32">
-            <a:extLst>
-              <a:ext uri="{FF2B5EF4-FFF2-40B4-BE49-F238E27FC236}">
-                <a16:creationId xmlns:a16="http://schemas.microsoft.com/office/drawing/2014/main" id="{049BB345-F4D9-42B4-B6E6-1A1B8B3C3539}"/>
-              </a:ext>
-            </a:extLst>
-          </p:cNvPr>
-          <p:cNvSpPr txBox="1"/>
-          <p:nvPr/>
-        </p:nvSpPr>
-        <p:spPr>
-          <a:xfrm>
-            <a:off x="4330331" y="6103051"/>
-            <a:ext cx="3145285" cy="369332"/>
-          </a:xfrm>
-          <a:prstGeom prst="rect">
-            <a:avLst/>
-          </a:prstGeom>
-          <a:noFill/>
-        </p:spPr>
-        <p:txBody>
-          <a:bodyPr wrap="none" rtlCol="0">
-            <a:spAutoFit/>
-          </a:bodyPr>
-          <a:lstStyle/>
-          <a:p>
-            <a:r>
-              <a:rPr lang="en-US" dirty="0"/>
-              <a:t>Similar event vs. polling choices</a:t>
-            </a:r>
-          </a:p>
-        </p:txBody>
-      </p:sp>
-    </p:spTree>
-    <p:extLst>
-      <p:ext uri="{BB962C8B-B14F-4D97-AF65-F5344CB8AC3E}">
-        <p14:creationId xmlns:p14="http://schemas.microsoft.com/office/powerpoint/2010/main" val="1721517673"/>
       </p:ext>
     </p:extLst>
   </p:cSld>
